--- a/ClassMaterials/CPSMore2/25-letrec-In-Interpreter.pptx
+++ b/ClassMaterials/CPSMore2/25-letrec-In-Interpreter.pptx
@@ -480,7 +480,7 @@
             <a:fld id="{10D10769-02B4-4A39-A509-B85B96050F21}" type="datetimeFigureOut">
               <a:rPr lang="en-US" smtClean="0"/>
               <a:pPr/>
-              <a:t>1/24/2021</a:t>
+              <a:t>1/24/2022</a:t>
             </a:fld>
             <a:endParaRPr lang="en-US"/>
           </a:p>
@@ -3414,17 +3414,6 @@
             <a:r>
               <a:rPr lang="en-US" dirty="0"/>
               <a:t> to the interpreted language</a:t>
-            </a:r>
-          </a:p>
-          <a:p>
-            <a:pPr algn="l"/>
-            <a:endParaRPr lang="en-US" dirty="0"/>
-          </a:p>
-          <a:p>
-            <a:pPr algn="l"/>
-            <a:r>
-              <a:rPr lang="en-US" dirty="0"/>
-              <a:t>Reminder: Submit your interesting test cases to the interpreter-project folder on Piazza.</a:t>
             </a:r>
           </a:p>
         </p:txBody>

--- a/ClassMaterials/CPSMore2/25-letrec-In-Interpreter.pptx
+++ b/ClassMaterials/CPSMore2/25-letrec-In-Interpreter.pptx
@@ -5,38 +5,34 @@
     <p:sldMasterId id="2147483648" r:id="rId1"/>
   </p:sldMasterIdLst>
   <p:notesMasterIdLst>
-    <p:notesMasterId r:id="rId28"/>
+    <p:notesMasterId r:id="rId24"/>
   </p:notesMasterIdLst>
   <p:handoutMasterIdLst>
-    <p:handoutMasterId r:id="rId29"/>
+    <p:handoutMasterId r:id="rId25"/>
   </p:handoutMasterIdLst>
   <p:sldIdLst>
     <p:sldId id="313" r:id="rId2"/>
-    <p:sldId id="388" r:id="rId3"/>
-    <p:sldId id="462" r:id="rId4"/>
-    <p:sldId id="463" r:id="rId5"/>
-    <p:sldId id="464" r:id="rId6"/>
-    <p:sldId id="465" r:id="rId7"/>
-    <p:sldId id="461" r:id="rId8"/>
-    <p:sldId id="444" r:id="rId9"/>
-    <p:sldId id="296" r:id="rId10"/>
-    <p:sldId id="409" r:id="rId11"/>
-    <p:sldId id="271" r:id="rId12"/>
-    <p:sldId id="297" r:id="rId13"/>
-    <p:sldId id="411" r:id="rId14"/>
-    <p:sldId id="412" r:id="rId15"/>
-    <p:sldId id="413" r:id="rId16"/>
-    <p:sldId id="414" r:id="rId17"/>
-    <p:sldId id="415" r:id="rId18"/>
-    <p:sldId id="416" r:id="rId19"/>
-    <p:sldId id="417" r:id="rId20"/>
-    <p:sldId id="418" r:id="rId21"/>
-    <p:sldId id="419" r:id="rId22"/>
-    <p:sldId id="445" r:id="rId23"/>
-    <p:sldId id="396" r:id="rId24"/>
-    <p:sldId id="397" r:id="rId25"/>
-    <p:sldId id="398" r:id="rId26"/>
-    <p:sldId id="399" r:id="rId27"/>
+    <p:sldId id="466" r:id="rId3"/>
+    <p:sldId id="388" r:id="rId4"/>
+    <p:sldId id="444" r:id="rId5"/>
+    <p:sldId id="296" r:id="rId6"/>
+    <p:sldId id="409" r:id="rId7"/>
+    <p:sldId id="271" r:id="rId8"/>
+    <p:sldId id="297" r:id="rId9"/>
+    <p:sldId id="411" r:id="rId10"/>
+    <p:sldId id="412" r:id="rId11"/>
+    <p:sldId id="413" r:id="rId12"/>
+    <p:sldId id="414" r:id="rId13"/>
+    <p:sldId id="415" r:id="rId14"/>
+    <p:sldId id="416" r:id="rId15"/>
+    <p:sldId id="417" r:id="rId16"/>
+    <p:sldId id="418" r:id="rId17"/>
+    <p:sldId id="419" r:id="rId18"/>
+    <p:sldId id="445" r:id="rId19"/>
+    <p:sldId id="396" r:id="rId20"/>
+    <p:sldId id="397" r:id="rId21"/>
+    <p:sldId id="398" r:id="rId22"/>
+    <p:sldId id="399" r:id="rId23"/>
   </p:sldIdLst>
   <p:sldSz cx="12192000" cy="6858000"/>
   <p:notesSz cx="7315200" cy="9601200"/>
@@ -480,7 +476,7 @@
             <a:fld id="{10D10769-02B4-4A39-A509-B85B96050F21}" type="datetimeFigureOut">
               <a:rPr lang="en-US" smtClean="0"/>
               <a:pPr/>
-              <a:t>1/24/2022</a:t>
+              <a:t>10/12/2023</a:t>
             </a:fld>
             <a:endParaRPr lang="en-US"/>
           </a:p>
@@ -869,7 +865,12 @@
             <p:ph type="sldImg"/>
           </p:nvPr>
         </p:nvSpPr>
-        <p:spPr/>
+        <p:spPr>
+          <a:xfrm>
+            <a:off x="458788" y="720725"/>
+            <a:ext cx="6399212" cy="3600450"/>
+          </a:xfrm>
+        </p:spPr>
       </p:sp>
       <p:sp>
         <p:nvSpPr>
@@ -883,10 +884,15 @@
         </p:nvSpPr>
         <p:spPr/>
         <p:txBody>
-          <a:bodyPr/>
+          <a:bodyPr>
+            <a:normAutofit/>
+          </a:bodyPr>
           <a:lstStyle/>
           <a:p>
-            <a:endParaRPr lang="en-US" dirty="0"/>
+            <a:r>
+              <a:rPr lang="en-US" dirty="0"/>
+              <a:t>I really don't like 0.</a:t>
+            </a:r>
           </a:p>
         </p:txBody>
       </p:sp>
@@ -908,7 +914,7 @@
             <a:fld id="{537B74A1-C2D6-4C45-BED2-ADE1E76F30BC}" type="slidenum">
               <a:rPr lang="en-US" smtClean="0"/>
               <a:pPr/>
-              <a:t>7</a:t>
+              <a:t>9</a:t>
             </a:fld>
             <a:endParaRPr lang="en-US"/>
           </a:p>
@@ -917,7 +923,7 @@
     </p:spTree>
     <p:extLst>
       <p:ext uri="{BB962C8B-B14F-4D97-AF65-F5344CB8AC3E}">
-        <p14:creationId xmlns:p14="http://schemas.microsoft.com/office/powerpoint/2010/main" val="941500870"/>
+        <p14:creationId xmlns:p14="http://schemas.microsoft.com/office/powerpoint/2010/main" val="1095646058"/>
       </p:ext>
     </p:extLst>
   </p:cSld>
@@ -980,7 +986,15 @@
           <a:p>
             <a:r>
               <a:rPr lang="en-US" dirty="0"/>
-              <a:t>I really don't like 0.</a:t>
+              <a:t>Disadvantage:  We have to re-create the closures every time we apply one of the </a:t>
+            </a:r>
+            <a:r>
+              <a:rPr lang="en-US" dirty="0" err="1"/>
+              <a:t>letrec</a:t>
+            </a:r>
+            <a:r>
+              <a:rPr lang="en-US" dirty="0"/>
+              <a:t>-bound procedures.</a:t>
             </a:r>
           </a:p>
         </p:txBody>
@@ -1012,7 +1026,7 @@
     </p:spTree>
     <p:extLst>
       <p:ext uri="{BB962C8B-B14F-4D97-AF65-F5344CB8AC3E}">
-        <p14:creationId xmlns:p14="http://schemas.microsoft.com/office/powerpoint/2010/main" val="1095646058"/>
+        <p14:creationId xmlns:p14="http://schemas.microsoft.com/office/powerpoint/2010/main" val="3569553962"/>
       </p:ext>
     </p:extLst>
   </p:cSld>
@@ -1068,23 +1082,18 @@
         </p:nvSpPr>
         <p:spPr/>
         <p:txBody>
-          <a:bodyPr>
-            <a:normAutofit/>
-          </a:bodyPr>
+          <a:bodyPr/>
           <a:lstStyle/>
           <a:p>
             <a:r>
               <a:rPr lang="en-US" dirty="0"/>
-              <a:t>Disadvantage:  We have to re-create the closures every time we apply one of the </a:t>
+              <a:t>Write the translation to let with set! on the </a:t>
             </a:r>
             <a:r>
               <a:rPr lang="en-US" dirty="0" err="1"/>
-              <a:t>letrec</a:t>
-            </a:r>
-            <a:r>
-              <a:rPr lang="en-US" dirty="0"/>
-              <a:t>-bound procedures.</a:t>
-            </a:r>
+              <a:t>boaard</a:t>
+            </a:r>
+            <a:endParaRPr lang="en-US" dirty="0"/>
           </a:p>
         </p:txBody>
       </p:sp>
@@ -1107,104 +1116,6 @@
               <a:rPr lang="en-US" smtClean="0"/>
               <a:pPr/>
               <a:t>17</a:t>
-            </a:fld>
-            <a:endParaRPr lang="en-US"/>
-          </a:p>
-        </p:txBody>
-      </p:sp>
-    </p:spTree>
-    <p:extLst>
-      <p:ext uri="{BB962C8B-B14F-4D97-AF65-F5344CB8AC3E}">
-        <p14:creationId xmlns:p14="http://schemas.microsoft.com/office/powerpoint/2010/main" val="3569553962"/>
-      </p:ext>
-    </p:extLst>
-  </p:cSld>
-  <p:clrMapOvr>
-    <a:masterClrMapping/>
-  </p:clrMapOvr>
-</p:notes>
-</file>
-
-<file path=ppt/notesSlides/notesSlide5.xml><?xml version="1.0" encoding="utf-8"?>
-<p:notes xmlns:a="http://schemas.openxmlformats.org/drawingml/2006/main" xmlns:r="http://schemas.openxmlformats.org/officeDocument/2006/relationships" xmlns:p="http://schemas.openxmlformats.org/presentationml/2006/main">
-  <p:cSld>
-    <p:spTree>
-      <p:nvGrpSpPr>
-        <p:cNvPr id="1" name=""/>
-        <p:cNvGrpSpPr/>
-        <p:nvPr/>
-      </p:nvGrpSpPr>
-      <p:grpSpPr>
-        <a:xfrm>
-          <a:off x="0" y="0"/>
-          <a:ext cx="0" cy="0"/>
-          <a:chOff x="0" y="0"/>
-          <a:chExt cx="0" cy="0"/>
-        </a:xfrm>
-      </p:grpSpPr>
-      <p:sp>
-        <p:nvSpPr>
-          <p:cNvPr id="2" name="Slide Image Placeholder 1"/>
-          <p:cNvSpPr>
-            <a:spLocks noGrp="1" noRot="1" noChangeAspect="1"/>
-          </p:cNvSpPr>
-          <p:nvPr>
-            <p:ph type="sldImg"/>
-          </p:nvPr>
-        </p:nvSpPr>
-        <p:spPr>
-          <a:xfrm>
-            <a:off x="458788" y="720725"/>
-            <a:ext cx="6399212" cy="3600450"/>
-          </a:xfrm>
-        </p:spPr>
-      </p:sp>
-      <p:sp>
-        <p:nvSpPr>
-          <p:cNvPr id="3" name="Notes Placeholder 2"/>
-          <p:cNvSpPr>
-            <a:spLocks noGrp="1"/>
-          </p:cNvSpPr>
-          <p:nvPr>
-            <p:ph type="body" idx="1"/>
-          </p:nvPr>
-        </p:nvSpPr>
-        <p:spPr/>
-        <p:txBody>
-          <a:bodyPr/>
-          <a:lstStyle/>
-          <a:p>
-            <a:r>
-              <a:rPr lang="en-US" dirty="0"/>
-              <a:t>Write the translation to let with set! on the </a:t>
-            </a:r>
-            <a:r>
-              <a:rPr lang="en-US" dirty="0" err="1"/>
-              <a:t>boaard</a:t>
-            </a:r>
-            <a:endParaRPr lang="en-US" dirty="0"/>
-          </a:p>
-        </p:txBody>
-      </p:sp>
-      <p:sp>
-        <p:nvSpPr>
-          <p:cNvPr id="4" name="Slide Number Placeholder 3"/>
-          <p:cNvSpPr>
-            <a:spLocks noGrp="1"/>
-          </p:cNvSpPr>
-          <p:nvPr>
-            <p:ph type="sldNum" sz="quarter" idx="10"/>
-          </p:nvPr>
-        </p:nvSpPr>
-        <p:spPr/>
-        <p:txBody>
-          <a:bodyPr/>
-          <a:lstStyle/>
-          <a:p>
-            <a:fld id="{537B74A1-C2D6-4C45-BED2-ADE1E76F30BC}" type="slidenum">
-              <a:rPr lang="en-US" smtClean="0"/>
-              <a:pPr/>
-              <a:t>21</a:t>
             </a:fld>
             <a:endParaRPr lang="en-US"/>
           </a:p>
@@ -3427,2221 +3338,6 @@
 </file>
 
 <file path=ppt/slides/slide10.xml><?xml version="1.0" encoding="utf-8"?>
-<p:sld xmlns:a="http://schemas.openxmlformats.org/drawingml/2006/main" xmlns:r="http://schemas.openxmlformats.org/officeDocument/2006/relationships" xmlns:p="http://schemas.openxmlformats.org/presentationml/2006/main">
-  <p:cSld>
-    <p:spTree>
-      <p:nvGrpSpPr>
-        <p:cNvPr id="1" name=""/>
-        <p:cNvGrpSpPr/>
-        <p:nvPr/>
-      </p:nvGrpSpPr>
-      <p:grpSpPr>
-        <a:xfrm>
-          <a:off x="0" y="0"/>
-          <a:ext cx="0" cy="0"/>
-          <a:chOff x="0" y="0"/>
-          <a:chExt cx="0" cy="0"/>
-        </a:xfrm>
-      </p:grpSpPr>
-      <p:sp>
-        <p:nvSpPr>
-          <p:cNvPr id="3" name="Content Placeholder 2"/>
-          <p:cNvSpPr>
-            <a:spLocks noGrp="1"/>
-          </p:cNvSpPr>
-          <p:nvPr>
-            <p:ph idx="1"/>
-          </p:nvPr>
-        </p:nvSpPr>
-        <p:spPr>
-          <a:xfrm>
-            <a:off x="1295400" y="1894729"/>
-            <a:ext cx="5791200" cy="2601071"/>
-          </a:xfrm>
-          <a:ln w="19050">
-            <a:solidFill>
-              <a:schemeClr val="tx1"/>
-            </a:solidFill>
-          </a:ln>
-        </p:spPr>
-        <p:txBody>
-          <a:bodyPr/>
-          <a:lstStyle/>
-          <a:p>
-            <a:pPr>
-              <a:lnSpc>
-                <a:spcPct val="80000"/>
-              </a:lnSpc>
-              <a:spcBef>
-                <a:spcPts val="0"/>
-              </a:spcBef>
-              <a:buNone/>
-            </a:pPr>
-            <a:r>
-              <a:rPr lang="en-US" sz="1700" b="1" dirty="0">
-                <a:solidFill>
-                  <a:srgbClr val="0000CC"/>
-                </a:solidFill>
-                <a:latin typeface="Courier New" pitchFamily="49" charset="0"/>
-              </a:rPr>
-              <a:t>(define odd?</a:t>
-            </a:r>
-          </a:p>
-          <a:p>
-            <a:pPr>
-              <a:lnSpc>
-                <a:spcPct val="80000"/>
-              </a:lnSpc>
-              <a:spcBef>
-                <a:spcPts val="0"/>
-              </a:spcBef>
-              <a:buNone/>
-            </a:pPr>
-            <a:r>
-              <a:rPr lang="en-US" sz="1700" b="1" dirty="0">
-                <a:solidFill>
-                  <a:srgbClr val="0000CC"/>
-                </a:solidFill>
-                <a:latin typeface="Courier New" pitchFamily="49" charset="0"/>
-              </a:rPr>
-              <a:t>  (letrec ([odd? (lambda (n) </a:t>
-            </a:r>
-          </a:p>
-          <a:p>
-            <a:pPr>
-              <a:lnSpc>
-                <a:spcPct val="80000"/>
-              </a:lnSpc>
-              <a:spcBef>
-                <a:spcPts val="0"/>
-              </a:spcBef>
-              <a:buNone/>
-            </a:pPr>
-            <a:r>
-              <a:rPr lang="en-US" sz="1700" b="1" dirty="0">
-                <a:solidFill>
-                  <a:srgbClr val="0000CC"/>
-                </a:solidFill>
-                <a:latin typeface="Courier New" pitchFamily="49" charset="0"/>
-              </a:rPr>
-              <a:t>                     (if (zero? n) </a:t>
-            </a:r>
-          </a:p>
-          <a:p>
-            <a:pPr>
-              <a:lnSpc>
-                <a:spcPct val="80000"/>
-              </a:lnSpc>
-              <a:spcBef>
-                <a:spcPts val="0"/>
-              </a:spcBef>
-              <a:buNone/>
-            </a:pPr>
-            <a:r>
-              <a:rPr lang="en-US" sz="1700" b="1" dirty="0">
-                <a:solidFill>
-                  <a:srgbClr val="0000CC"/>
-                </a:solidFill>
-                <a:latin typeface="Courier New" pitchFamily="49" charset="0"/>
-              </a:rPr>
-              <a:t>                         #f </a:t>
-            </a:r>
-          </a:p>
-          <a:p>
-            <a:pPr>
-              <a:lnSpc>
-                <a:spcPct val="80000"/>
-              </a:lnSpc>
-              <a:spcBef>
-                <a:spcPts val="0"/>
-              </a:spcBef>
-              <a:buNone/>
-            </a:pPr>
-            <a:r>
-              <a:rPr lang="en-US" sz="1700" b="1" dirty="0">
-                <a:solidFill>
-                  <a:srgbClr val="0000CC"/>
-                </a:solidFill>
-                <a:latin typeface="Courier New" pitchFamily="49" charset="0"/>
-              </a:rPr>
-              <a:t>                         (even? (- n 1))))]</a:t>
-            </a:r>
-          </a:p>
-          <a:p>
-            <a:pPr>
-              <a:lnSpc>
-                <a:spcPct val="80000"/>
-              </a:lnSpc>
-              <a:spcBef>
-                <a:spcPts val="0"/>
-              </a:spcBef>
-              <a:buNone/>
-            </a:pPr>
-            <a:r>
-              <a:rPr lang="en-US" sz="1700" b="1" dirty="0">
-                <a:solidFill>
-                  <a:srgbClr val="0000CC"/>
-                </a:solidFill>
-                <a:latin typeface="Courier New" pitchFamily="49" charset="0"/>
-              </a:rPr>
-              <a:t>           [even? (lambda (m) </a:t>
-            </a:r>
-          </a:p>
-          <a:p>
-            <a:pPr>
-              <a:lnSpc>
-                <a:spcPct val="80000"/>
-              </a:lnSpc>
-              <a:spcBef>
-                <a:spcPts val="0"/>
-              </a:spcBef>
-              <a:buNone/>
-            </a:pPr>
-            <a:r>
-              <a:rPr lang="en-US" sz="1700" b="1" dirty="0">
-                <a:solidFill>
-                  <a:srgbClr val="0000CC"/>
-                </a:solidFill>
-                <a:latin typeface="Courier New" pitchFamily="49" charset="0"/>
-              </a:rPr>
-              <a:t>                     (if (zero? m) </a:t>
-            </a:r>
-          </a:p>
-          <a:p>
-            <a:pPr>
-              <a:lnSpc>
-                <a:spcPct val="80000"/>
-              </a:lnSpc>
-              <a:spcBef>
-                <a:spcPts val="0"/>
-              </a:spcBef>
-              <a:buNone/>
-            </a:pPr>
-            <a:r>
-              <a:rPr lang="en-US" sz="1700" b="1" dirty="0">
-                <a:solidFill>
-                  <a:srgbClr val="0000CC"/>
-                </a:solidFill>
-                <a:latin typeface="Courier New" pitchFamily="49" charset="0"/>
-              </a:rPr>
-              <a:t>                         #t </a:t>
-            </a:r>
-          </a:p>
-          <a:p>
-            <a:pPr>
-              <a:lnSpc>
-                <a:spcPct val="80000"/>
-              </a:lnSpc>
-              <a:spcBef>
-                <a:spcPts val="0"/>
-              </a:spcBef>
-              <a:buNone/>
-            </a:pPr>
-            <a:r>
-              <a:rPr lang="en-US" sz="1700" b="1" dirty="0">
-                <a:solidFill>
-                  <a:srgbClr val="0000CC"/>
-                </a:solidFill>
-                <a:latin typeface="Courier New" pitchFamily="49" charset="0"/>
-              </a:rPr>
-              <a:t>                         (odd? (- m 1))))])</a:t>
-            </a:r>
-          </a:p>
-          <a:p>
-            <a:pPr>
-              <a:lnSpc>
-                <a:spcPct val="80000"/>
-              </a:lnSpc>
-              <a:spcBef>
-                <a:spcPts val="0"/>
-              </a:spcBef>
-              <a:buNone/>
-            </a:pPr>
-            <a:r>
-              <a:rPr lang="en-US" sz="1700" b="1" dirty="0">
-                <a:solidFill>
-                  <a:srgbClr val="0000CC"/>
-                </a:solidFill>
-                <a:latin typeface="Courier New" pitchFamily="49" charset="0"/>
-              </a:rPr>
-              <a:t>     (lambda (x)</a:t>
-            </a:r>
-          </a:p>
-          <a:p>
-            <a:pPr>
-              <a:lnSpc>
-                <a:spcPct val="80000"/>
-              </a:lnSpc>
-              <a:spcBef>
-                <a:spcPts val="0"/>
-              </a:spcBef>
-              <a:buNone/>
-            </a:pPr>
-            <a:r>
-              <a:rPr lang="en-US" sz="1700" b="1" dirty="0">
-                <a:solidFill>
-                  <a:srgbClr val="0000CC"/>
-                </a:solidFill>
-                <a:latin typeface="Courier New" pitchFamily="49" charset="0"/>
-              </a:rPr>
-              <a:t>       (odd? x))))</a:t>
-            </a:r>
-            <a:r>
-              <a:rPr lang="en-US" sz="1700" b="1" dirty="0">
-                <a:solidFill>
-                  <a:srgbClr val="00FF00"/>
-                </a:solidFill>
-                <a:latin typeface="Courier New" pitchFamily="49" charset="0"/>
-              </a:rPr>
-              <a:t> </a:t>
-            </a:r>
-            <a:endParaRPr lang="en-US" sz="1700" dirty="0"/>
-          </a:p>
-        </p:txBody>
-      </p:sp>
-      <p:sp>
-        <p:nvSpPr>
-          <p:cNvPr id="4" name="TextBox 3"/>
-          <p:cNvSpPr txBox="1"/>
-          <p:nvPr/>
-        </p:nvSpPr>
-        <p:spPr>
-          <a:xfrm>
-            <a:off x="5867400" y="127000"/>
-            <a:ext cx="6248400" cy="1754326"/>
-          </a:xfrm>
-          <a:prstGeom prst="rect">
-            <a:avLst/>
-          </a:prstGeom>
-          <a:noFill/>
-        </p:spPr>
-        <p:txBody>
-          <a:bodyPr wrap="square" rtlCol="0">
-            <a:spAutoFit/>
-          </a:bodyPr>
-          <a:lstStyle/>
-          <a:p>
-            <a:r>
-              <a:rPr lang="en-US" b="1" dirty="0">
-                <a:solidFill>
-                  <a:srgbClr val="FF0000"/>
-                </a:solidFill>
-                <a:latin typeface="Courier New" pitchFamily="49" charset="0"/>
-              </a:rPr>
-              <a:t>[letrec-exp</a:t>
-            </a:r>
-          </a:p>
-          <a:p>
-            <a:r>
-              <a:rPr lang="en-US" b="1" dirty="0">
-                <a:solidFill>
-                  <a:srgbClr val="FF0000"/>
-                </a:solidFill>
-                <a:latin typeface="Courier New" pitchFamily="49" charset="0"/>
-              </a:rPr>
-              <a:t>   (proc-names (list-of symbol?))</a:t>
-            </a:r>
-          </a:p>
-          <a:p>
-            <a:r>
-              <a:rPr lang="en-US" b="1" dirty="0">
-                <a:solidFill>
-                  <a:srgbClr val="FF0000"/>
-                </a:solidFill>
-                <a:latin typeface="Courier New" pitchFamily="49" charset="0"/>
-              </a:rPr>
-              <a:t>   (</a:t>
-            </a:r>
-            <a:r>
-              <a:rPr lang="en-US" b="1" dirty="0" err="1">
-                <a:solidFill>
-                  <a:srgbClr val="FF0000"/>
-                </a:solidFill>
-                <a:latin typeface="Courier New" pitchFamily="49" charset="0"/>
-              </a:rPr>
-              <a:t>idss</a:t>
-            </a:r>
-            <a:r>
-              <a:rPr lang="en-US" b="1" dirty="0">
-                <a:solidFill>
-                  <a:srgbClr val="FF0000"/>
-                </a:solidFill>
-                <a:latin typeface="Courier New" pitchFamily="49" charset="0"/>
-              </a:rPr>
-              <a:t> (list-of (list-of symbol?)))</a:t>
-            </a:r>
-          </a:p>
-          <a:p>
-            <a:r>
-              <a:rPr lang="en-US" b="1" dirty="0">
-                <a:solidFill>
-                  <a:srgbClr val="FF0000"/>
-                </a:solidFill>
-                <a:latin typeface="Courier New" pitchFamily="49" charset="0"/>
-              </a:rPr>
-              <a:t>   (</a:t>
-            </a:r>
-            <a:r>
-              <a:rPr lang="en-US" b="1" dirty="0" err="1">
-                <a:solidFill>
-                  <a:srgbClr val="FF0000"/>
-                </a:solidFill>
-                <a:latin typeface="Courier New" pitchFamily="49" charset="0"/>
-              </a:rPr>
-              <a:t>bodiess</a:t>
-            </a:r>
-            <a:r>
-              <a:rPr lang="en-US" b="1" dirty="0">
-                <a:solidFill>
-                  <a:srgbClr val="FF0000"/>
-                </a:solidFill>
-                <a:latin typeface="Courier New" pitchFamily="49" charset="0"/>
-              </a:rPr>
-              <a:t> (list-of (list-of expression?)))</a:t>
-            </a:r>
-          </a:p>
-          <a:p>
-            <a:r>
-              <a:rPr lang="en-US" b="1" dirty="0">
-                <a:solidFill>
-                  <a:srgbClr val="FF0000"/>
-                </a:solidFill>
-                <a:latin typeface="Courier New" pitchFamily="49" charset="0"/>
-              </a:rPr>
-              <a:t>   (letrec-bodies (list-of expression?))]</a:t>
-            </a:r>
-          </a:p>
-          <a:p>
-            <a:endParaRPr lang="en-US" dirty="0">
-              <a:solidFill>
-                <a:srgbClr val="FF0000"/>
-              </a:solidFill>
-            </a:endParaRPr>
-          </a:p>
-        </p:txBody>
-      </p:sp>
-      <p:sp>
-        <p:nvSpPr>
-          <p:cNvPr id="5" name="TextBox 4"/>
-          <p:cNvSpPr txBox="1"/>
-          <p:nvPr/>
-        </p:nvSpPr>
-        <p:spPr>
-          <a:xfrm>
-            <a:off x="3619500" y="4699675"/>
-            <a:ext cx="9372600" cy="2031325"/>
-          </a:xfrm>
-          <a:prstGeom prst="rect">
-            <a:avLst/>
-          </a:prstGeom>
-          <a:noFill/>
-        </p:spPr>
-        <p:txBody>
-          <a:bodyPr wrap="square" rtlCol="0">
-            <a:spAutoFit/>
-          </a:bodyPr>
-          <a:lstStyle/>
-          <a:p>
-            <a:r>
-              <a:rPr lang="en-US" b="1" dirty="0">
-                <a:solidFill>
-                  <a:srgbClr val="006600"/>
-                </a:solidFill>
-                <a:latin typeface="Courier New" pitchFamily="49" charset="0"/>
-              </a:rPr>
-              <a:t>(letrec-exp</a:t>
-            </a:r>
-          </a:p>
-          <a:p>
-            <a:r>
-              <a:rPr lang="en-US" b="1" dirty="0">
-                <a:solidFill>
-                  <a:srgbClr val="006600"/>
-                </a:solidFill>
-                <a:latin typeface="Courier New" pitchFamily="49" charset="0"/>
-              </a:rPr>
-              <a:t>   (odd? even?)</a:t>
-            </a:r>
-          </a:p>
-          <a:p>
-            <a:r>
-              <a:rPr lang="en-US" b="1" dirty="0">
-                <a:solidFill>
-                  <a:srgbClr val="006600"/>
-                </a:solidFill>
-                <a:latin typeface="Courier New" pitchFamily="49" charset="0"/>
-              </a:rPr>
-              <a:t>   ((n) (m))</a:t>
-            </a:r>
-          </a:p>
-          <a:p>
-            <a:r>
-              <a:rPr lang="en-US" b="1" dirty="0">
-                <a:solidFill>
-                  <a:srgbClr val="006600"/>
-                </a:solidFill>
-                <a:latin typeface="Courier New" pitchFamily="49" charset="0"/>
-              </a:rPr>
-              <a:t>   (((if-exp (app-exp (</a:t>
-            </a:r>
-            <a:r>
-              <a:rPr lang="en-US" b="1" dirty="0" err="1">
-                <a:solidFill>
-                  <a:srgbClr val="006600"/>
-                </a:solidFill>
-                <a:latin typeface="Courier New" pitchFamily="49" charset="0"/>
-              </a:rPr>
-              <a:t>var</a:t>
-            </a:r>
-            <a:r>
-              <a:rPr lang="en-US" b="1" dirty="0">
-                <a:solidFill>
-                  <a:srgbClr val="006600"/>
-                </a:solidFill>
-                <a:latin typeface="Courier New" pitchFamily="49" charset="0"/>
-              </a:rPr>
-              <a:t>-exp zero?) (</a:t>
-            </a:r>
-            <a:r>
-              <a:rPr lang="en-US" b="1" dirty="0" err="1">
-                <a:solidFill>
-                  <a:srgbClr val="006600"/>
-                </a:solidFill>
-                <a:latin typeface="Courier New" pitchFamily="49" charset="0"/>
-              </a:rPr>
-              <a:t>var</a:t>
-            </a:r>
-            <a:r>
-              <a:rPr lang="en-US" b="1" dirty="0">
-                <a:solidFill>
-                  <a:srgbClr val="006600"/>
-                </a:solidFill>
-                <a:latin typeface="Courier New" pitchFamily="49" charset="0"/>
-              </a:rPr>
-              <a:t>-exp n)) …))</a:t>
-            </a:r>
-          </a:p>
-          <a:p>
-            <a:r>
-              <a:rPr lang="en-US" b="1" dirty="0">
-                <a:solidFill>
-                  <a:srgbClr val="006600"/>
-                </a:solidFill>
-                <a:latin typeface="Courier New" pitchFamily="49" charset="0"/>
-              </a:rPr>
-              <a:t>    ((if-exp (app-exp (var-exp zero?) (var-exp m)) …)))</a:t>
-            </a:r>
-          </a:p>
-          <a:p>
-            <a:r>
-              <a:rPr lang="en-US" b="1" dirty="0">
-                <a:solidFill>
-                  <a:srgbClr val="006600"/>
-                </a:solidFill>
-                <a:latin typeface="Courier New" pitchFamily="49" charset="0"/>
-              </a:rPr>
-              <a:t>   ((lambda-exp (x) ((app-exp (</a:t>
-            </a:r>
-            <a:r>
-              <a:rPr lang="en-US" b="1" dirty="0" err="1">
-                <a:solidFill>
-                  <a:srgbClr val="006600"/>
-                </a:solidFill>
-                <a:latin typeface="Courier New" pitchFamily="49" charset="0"/>
-              </a:rPr>
-              <a:t>var</a:t>
-            </a:r>
-            <a:r>
-              <a:rPr lang="en-US" b="1" dirty="0">
-                <a:solidFill>
-                  <a:srgbClr val="006600"/>
-                </a:solidFill>
-                <a:latin typeface="Courier New" pitchFamily="49" charset="0"/>
-              </a:rPr>
-              <a:t>-exp odd?) (</a:t>
-            </a:r>
-            <a:r>
-              <a:rPr lang="en-US" b="1" dirty="0" err="1">
-                <a:solidFill>
-                  <a:srgbClr val="006600"/>
-                </a:solidFill>
-                <a:latin typeface="Courier New" pitchFamily="49" charset="0"/>
-              </a:rPr>
-              <a:t>var</a:t>
-            </a:r>
-            <a:r>
-              <a:rPr lang="en-US" b="1" dirty="0">
-                <a:solidFill>
-                  <a:srgbClr val="006600"/>
-                </a:solidFill>
-                <a:latin typeface="Courier New" pitchFamily="49" charset="0"/>
-              </a:rPr>
-              <a:t>-exp x))))))</a:t>
-            </a:r>
-          </a:p>
-          <a:p>
-            <a:endParaRPr lang="en-US" dirty="0">
-              <a:solidFill>
-                <a:srgbClr val="FF0000"/>
-              </a:solidFill>
-            </a:endParaRPr>
-          </a:p>
-        </p:txBody>
-      </p:sp>
-      <p:sp>
-        <p:nvSpPr>
-          <p:cNvPr id="6" name="TextBox 5"/>
-          <p:cNvSpPr txBox="1"/>
-          <p:nvPr/>
-        </p:nvSpPr>
-        <p:spPr>
-          <a:xfrm>
-            <a:off x="0" y="152400"/>
-            <a:ext cx="2743200" cy="1200329"/>
-          </a:xfrm>
-          <a:prstGeom prst="rect">
-            <a:avLst/>
-          </a:prstGeom>
-          <a:noFill/>
-        </p:spPr>
-        <p:txBody>
-          <a:bodyPr wrap="square" rtlCol="0">
-            <a:spAutoFit/>
-          </a:bodyPr>
-          <a:lstStyle/>
-          <a:p>
-            <a:r>
-              <a:rPr lang="en-US" sz="2400" dirty="0"/>
-              <a:t>Example of a parsed letrec expression</a:t>
-            </a:r>
-          </a:p>
-        </p:txBody>
-      </p:sp>
-      <p:sp>
-        <p:nvSpPr>
-          <p:cNvPr id="7" name="TextBox 6"/>
-          <p:cNvSpPr txBox="1"/>
-          <p:nvPr/>
-        </p:nvSpPr>
-        <p:spPr>
-          <a:xfrm>
-            <a:off x="2057400" y="4576135"/>
-            <a:ext cx="1600200" cy="923330"/>
-          </a:xfrm>
-          <a:prstGeom prst="rect">
-            <a:avLst/>
-          </a:prstGeom>
-          <a:noFill/>
-        </p:spPr>
-        <p:txBody>
-          <a:bodyPr wrap="square" rtlCol="0">
-            <a:spAutoFit/>
-          </a:bodyPr>
-          <a:lstStyle/>
-          <a:p>
-            <a:r>
-              <a:rPr lang="en-US" dirty="0"/>
-              <a:t>Parsed from of the blue code:</a:t>
-            </a:r>
-          </a:p>
-        </p:txBody>
-      </p:sp>
-      <p:sp>
-        <p:nvSpPr>
-          <p:cNvPr id="2" name="TextBox 1">
-            <a:extLst>
-              <a:ext uri="{FF2B5EF4-FFF2-40B4-BE49-F238E27FC236}">
-                <a16:creationId xmlns:a16="http://schemas.microsoft.com/office/drawing/2014/main" id="{E250F048-E652-4C24-9994-E60450BD5D08}"/>
-              </a:ext>
-            </a:extLst>
-          </p:cNvPr>
-          <p:cNvSpPr txBox="1"/>
-          <p:nvPr/>
-        </p:nvSpPr>
-        <p:spPr>
-          <a:xfrm>
-            <a:off x="152400" y="2014478"/>
-            <a:ext cx="1143000" cy="2862322"/>
-          </a:xfrm>
-          <a:prstGeom prst="rect">
-            <a:avLst/>
-          </a:prstGeom>
-          <a:noFill/>
-        </p:spPr>
-        <p:txBody>
-          <a:bodyPr wrap="square" rtlCol="0">
-            <a:spAutoFit/>
-          </a:bodyPr>
-          <a:lstStyle/>
-          <a:p>
-            <a:r>
-              <a:rPr lang="en-US" b="1" dirty="0">
-                <a:solidFill>
-                  <a:srgbClr val="FF3300"/>
-                </a:solidFill>
-              </a:rPr>
-              <a:t>This is one possible way of parsing it.  0thers are also </a:t>
-            </a:r>
-            <a:r>
-              <a:rPr lang="en-US" b="1" dirty="0" err="1">
-                <a:solidFill>
-                  <a:srgbClr val="FF3300"/>
-                </a:solidFill>
-              </a:rPr>
-              <a:t>accepta-ble</a:t>
-            </a:r>
-            <a:r>
-              <a:rPr lang="en-US" b="1" dirty="0">
-                <a:solidFill>
-                  <a:srgbClr val="FF3300"/>
-                </a:solidFill>
-              </a:rPr>
-              <a:t>.</a:t>
-            </a:r>
-          </a:p>
-        </p:txBody>
-      </p:sp>
-    </p:spTree>
-    <p:extLst>
-      <p:ext uri="{BB962C8B-B14F-4D97-AF65-F5344CB8AC3E}">
-        <p14:creationId xmlns:p14="http://schemas.microsoft.com/office/powerpoint/2010/main" val="3359720478"/>
-      </p:ext>
-    </p:extLst>
-  </p:cSld>
-  <p:clrMapOvr>
-    <a:masterClrMapping/>
-  </p:clrMapOvr>
-  <p:timing>
-    <p:tnLst>
-      <p:par>
-        <p:cTn id="1" dur="indefinite" restart="never" nodeType="tmRoot">
-          <p:childTnLst>
-            <p:seq concurrent="1" nextAc="seek">
-              <p:cTn id="2" dur="indefinite" nodeType="mainSeq">
-                <p:childTnLst>
-                  <p:par>
-                    <p:cTn id="3" fill="hold">
-                      <p:stCondLst>
-                        <p:cond delay="indefinite"/>
-                      </p:stCondLst>
-                      <p:childTnLst>
-                        <p:par>
-                          <p:cTn id="4" fill="hold">
-                            <p:stCondLst>
-                              <p:cond delay="0"/>
-                            </p:stCondLst>
-                            <p:childTnLst>
-                              <p:par>
-                                <p:cTn id="5" presetID="1" presetClass="entr" presetSubtype="0" fill="hold" grpId="0" nodeType="clickEffect">
-                                  <p:stCondLst>
-                                    <p:cond delay="0"/>
-                                  </p:stCondLst>
-                                  <p:childTnLst>
-                                    <p:set>
-                                      <p:cBhvr>
-                                        <p:cTn id="6" dur="1" fill="hold">
-                                          <p:stCondLst>
-                                            <p:cond delay="0"/>
-                                          </p:stCondLst>
-                                        </p:cTn>
-                                        <p:tgtEl>
-                                          <p:spTgt spid="2"/>
-                                        </p:tgtEl>
-                                        <p:attrNameLst>
-                                          <p:attrName>style.visibility</p:attrName>
-                                        </p:attrNameLst>
-                                      </p:cBhvr>
-                                      <p:to>
-                                        <p:strVal val="visible"/>
-                                      </p:to>
-                                    </p:set>
-                                  </p:childTnLst>
-                                </p:cTn>
-                              </p:par>
-                            </p:childTnLst>
-                          </p:cTn>
-                        </p:par>
-                      </p:childTnLst>
-                    </p:cTn>
-                  </p:par>
-                </p:childTnLst>
-              </p:cTn>
-              <p:prevCondLst>
-                <p:cond evt="onPrev" delay="0">
-                  <p:tgtEl>
-                    <p:sldTgt/>
-                  </p:tgtEl>
-                </p:cond>
-              </p:prevCondLst>
-              <p:nextCondLst>
-                <p:cond evt="onNext" delay="0">
-                  <p:tgtEl>
-                    <p:sldTgt/>
-                  </p:tgtEl>
-                </p:cond>
-              </p:nextCondLst>
-            </p:seq>
-          </p:childTnLst>
-        </p:cTn>
-      </p:par>
-    </p:tnLst>
-    <p:bldLst>
-      <p:bldP spid="2" grpId="0"/>
-    </p:bldLst>
-  </p:timing>
-</p:sld>
-</file>
-
-<file path=ppt/slides/slide11.xml><?xml version="1.0" encoding="utf-8"?>
-<p:sld xmlns:a="http://schemas.openxmlformats.org/drawingml/2006/main" xmlns:r="http://schemas.openxmlformats.org/officeDocument/2006/relationships" xmlns:p="http://schemas.openxmlformats.org/presentationml/2006/main" showMasterPhAnim="0">
-  <p:cSld>
-    <p:spTree>
-      <p:nvGrpSpPr>
-        <p:cNvPr id="1" name=""/>
-        <p:cNvGrpSpPr/>
-        <p:nvPr/>
-      </p:nvGrpSpPr>
-      <p:grpSpPr>
-        <a:xfrm>
-          <a:off x="0" y="0"/>
-          <a:ext cx="0" cy="0"/>
-          <a:chOff x="0" y="0"/>
-          <a:chExt cx="0" cy="0"/>
-        </a:xfrm>
-      </p:grpSpPr>
-      <p:sp>
-        <p:nvSpPr>
-          <p:cNvPr id="36866" name="Rectangle 2"/>
-          <p:cNvSpPr>
-            <a:spLocks noGrp="1" noChangeArrowheads="1"/>
-          </p:cNvSpPr>
-          <p:nvPr>
-            <p:ph type="title"/>
-          </p:nvPr>
-        </p:nvSpPr>
-        <p:spPr>
-          <a:xfrm>
-            <a:off x="1524000" y="0"/>
-            <a:ext cx="9144000" cy="838200"/>
-          </a:xfrm>
-        </p:spPr>
-        <p:txBody>
-          <a:bodyPr/>
-          <a:lstStyle/>
-          <a:p>
-            <a:r>
-              <a:rPr lang="en-US" dirty="0"/>
-              <a:t>letrec  Evaluation</a:t>
-            </a:r>
-          </a:p>
-        </p:txBody>
-      </p:sp>
-      <p:sp>
-        <p:nvSpPr>
-          <p:cNvPr id="36867" name="Rectangle 3"/>
-          <p:cNvSpPr>
-            <a:spLocks noGrp="1" noChangeArrowheads="1"/>
-          </p:cNvSpPr>
-          <p:nvPr>
-            <p:ph type="body" idx="1"/>
-          </p:nvPr>
-        </p:nvSpPr>
-        <p:spPr>
-          <a:xfrm>
-            <a:off x="76200" y="838200"/>
-            <a:ext cx="11963400" cy="5105400"/>
-          </a:xfrm>
-        </p:spPr>
-        <p:txBody>
-          <a:bodyPr/>
-          <a:lstStyle/>
-          <a:p>
-            <a:pPr>
-              <a:spcBef>
-                <a:spcPts val="2000"/>
-              </a:spcBef>
-            </a:pPr>
-            <a:r>
-              <a:rPr lang="en-US" dirty="0"/>
-              <a:t>Closures are created and added to the </a:t>
-            </a:r>
-            <a:r>
-              <a:rPr lang="en-US" dirty="0">
-                <a:latin typeface="Courier New" pitchFamily="49" charset="0"/>
-                <a:cs typeface="Courier New" pitchFamily="49" charset="0"/>
-              </a:rPr>
-              <a:t>letrec</a:t>
-            </a:r>
-            <a:r>
-              <a:rPr lang="en-US" dirty="0"/>
-              <a:t> environment</a:t>
-            </a:r>
-          </a:p>
-          <a:p>
-            <a:pPr>
-              <a:spcBef>
-                <a:spcPts val="2000"/>
-              </a:spcBef>
-            </a:pPr>
-            <a:r>
-              <a:rPr lang="en-US" dirty="0"/>
-              <a:t>bodies of the </a:t>
-            </a:r>
-            <a:r>
-              <a:rPr lang="en-US" dirty="0">
-                <a:latin typeface="Courier New" pitchFamily="49" charset="0"/>
-                <a:cs typeface="Courier New" pitchFamily="49" charset="0"/>
-              </a:rPr>
-              <a:t>letrec</a:t>
-            </a:r>
-            <a:r>
-              <a:rPr lang="en-US" dirty="0"/>
-              <a:t> are evaluated in order</a:t>
-            </a:r>
-          </a:p>
-          <a:p>
-            <a:pPr>
-              <a:spcBef>
-                <a:spcPts val="2000"/>
-              </a:spcBef>
-            </a:pPr>
-            <a:r>
-              <a:rPr lang="en-US" dirty="0"/>
-              <a:t>When one of the letrec closures is applied </a:t>
-            </a:r>
-          </a:p>
-          <a:p>
-            <a:pPr lvl="1">
-              <a:spcBef>
-                <a:spcPts val="2000"/>
-              </a:spcBef>
-            </a:pPr>
-            <a:r>
-              <a:rPr lang="en-US" dirty="0"/>
-              <a:t>new environment must extend the </a:t>
-            </a:r>
-            <a:r>
-              <a:rPr lang="en-US" dirty="0">
-                <a:latin typeface="Courier New" pitchFamily="49" charset="0"/>
-                <a:cs typeface="Courier New" pitchFamily="49" charset="0"/>
-              </a:rPr>
-              <a:t>letrec</a:t>
-            </a:r>
-            <a:r>
-              <a:rPr lang="en-US" dirty="0"/>
-              <a:t> environment </a:t>
-            </a:r>
-          </a:p>
-          <a:p>
-            <a:pPr>
-              <a:spcBef>
-                <a:spcPts val="2000"/>
-              </a:spcBef>
-            </a:pPr>
-            <a:r>
-              <a:rPr lang="en-US" dirty="0"/>
-              <a:t>If it were </a:t>
-            </a:r>
-            <a:r>
-              <a:rPr lang="en-US" dirty="0">
-                <a:latin typeface="Courier New" pitchFamily="49" charset="0"/>
-                <a:cs typeface="Courier New" pitchFamily="49" charset="0"/>
-              </a:rPr>
-              <a:t>let</a:t>
-            </a:r>
-            <a:r>
-              <a:rPr lang="en-US" dirty="0"/>
-              <a:t> instead of </a:t>
-            </a:r>
-            <a:r>
-              <a:rPr lang="en-US" dirty="0">
-                <a:latin typeface="Courier New" pitchFamily="49" charset="0"/>
-                <a:cs typeface="Courier New" pitchFamily="49" charset="0"/>
-              </a:rPr>
-              <a:t>letrec</a:t>
-            </a:r>
-            <a:r>
-              <a:rPr lang="en-US" dirty="0"/>
-              <a:t>, </a:t>
-            </a:r>
-          </a:p>
-          <a:p>
-            <a:pPr lvl="1">
-              <a:spcBef>
-                <a:spcPts val="2000"/>
-              </a:spcBef>
-            </a:pPr>
-            <a:r>
-              <a:rPr lang="en-US" dirty="0"/>
-              <a:t>the new environment would extend the enclosing environment instead</a:t>
-            </a:r>
-            <a:br>
-              <a:rPr lang="en-US" dirty="0"/>
-            </a:br>
-            <a:endParaRPr lang="en-US" dirty="0"/>
-          </a:p>
-        </p:txBody>
-      </p:sp>
-    </p:spTree>
-  </p:cSld>
-  <p:clrMapOvr>
-    <a:masterClrMapping/>
-  </p:clrMapOvr>
-  <p:timing>
-    <p:tnLst>
-      <p:par>
-        <p:cTn id="1" dur="indefinite" restart="never" nodeType="tmRoot">
-          <p:childTnLst>
-            <p:seq concurrent="1" nextAc="seek">
-              <p:cTn id="2" dur="indefinite" nodeType="mainSeq">
-                <p:childTnLst>
-                  <p:par>
-                    <p:cTn id="3" fill="hold">
-                      <p:stCondLst>
-                        <p:cond delay="indefinite"/>
-                      </p:stCondLst>
-                      <p:childTnLst>
-                        <p:par>
-                          <p:cTn id="4" fill="hold">
-                            <p:stCondLst>
-                              <p:cond delay="0"/>
-                            </p:stCondLst>
-                            <p:childTnLst>
-                              <p:par>
-                                <p:cTn id="5" presetID="1" presetClass="entr" presetSubtype="0" fill="hold" nodeType="clickEffect">
-                                  <p:stCondLst>
-                                    <p:cond delay="0"/>
-                                  </p:stCondLst>
-                                  <p:childTnLst>
-                                    <p:set>
-                                      <p:cBhvr>
-                                        <p:cTn id="6" dur="1" fill="hold">
-                                          <p:stCondLst>
-                                            <p:cond delay="0"/>
-                                          </p:stCondLst>
-                                        </p:cTn>
-                                        <p:tgtEl>
-                                          <p:spTgt spid="36867">
-                                            <p:txEl>
-                                              <p:pRg st="0" end="0"/>
-                                            </p:txEl>
-                                          </p:spTgt>
-                                        </p:tgtEl>
-                                        <p:attrNameLst>
-                                          <p:attrName>style.visibility</p:attrName>
-                                        </p:attrNameLst>
-                                      </p:cBhvr>
-                                      <p:to>
-                                        <p:strVal val="visible"/>
-                                      </p:to>
-                                    </p:set>
-                                  </p:childTnLst>
-                                </p:cTn>
-                              </p:par>
-                            </p:childTnLst>
-                          </p:cTn>
-                        </p:par>
-                      </p:childTnLst>
-                    </p:cTn>
-                  </p:par>
-                  <p:par>
-                    <p:cTn id="7" fill="hold">
-                      <p:stCondLst>
-                        <p:cond delay="indefinite"/>
-                      </p:stCondLst>
-                      <p:childTnLst>
-                        <p:par>
-                          <p:cTn id="8" fill="hold">
-                            <p:stCondLst>
-                              <p:cond delay="0"/>
-                            </p:stCondLst>
-                            <p:childTnLst>
-                              <p:par>
-                                <p:cTn id="9" presetID="1" presetClass="entr" presetSubtype="0" fill="hold" nodeType="clickEffect">
-                                  <p:stCondLst>
-                                    <p:cond delay="0"/>
-                                  </p:stCondLst>
-                                  <p:childTnLst>
-                                    <p:set>
-                                      <p:cBhvr>
-                                        <p:cTn id="10" dur="1" fill="hold">
-                                          <p:stCondLst>
-                                            <p:cond delay="0"/>
-                                          </p:stCondLst>
-                                        </p:cTn>
-                                        <p:tgtEl>
-                                          <p:spTgt spid="36867">
-                                            <p:txEl>
-                                              <p:pRg st="1" end="1"/>
-                                            </p:txEl>
-                                          </p:spTgt>
-                                        </p:tgtEl>
-                                        <p:attrNameLst>
-                                          <p:attrName>style.visibility</p:attrName>
-                                        </p:attrNameLst>
-                                      </p:cBhvr>
-                                      <p:to>
-                                        <p:strVal val="visible"/>
-                                      </p:to>
-                                    </p:set>
-                                  </p:childTnLst>
-                                </p:cTn>
-                              </p:par>
-                            </p:childTnLst>
-                          </p:cTn>
-                        </p:par>
-                      </p:childTnLst>
-                    </p:cTn>
-                  </p:par>
-                  <p:par>
-                    <p:cTn id="11" fill="hold">
-                      <p:stCondLst>
-                        <p:cond delay="indefinite"/>
-                      </p:stCondLst>
-                      <p:childTnLst>
-                        <p:par>
-                          <p:cTn id="12" fill="hold">
-                            <p:stCondLst>
-                              <p:cond delay="0"/>
-                            </p:stCondLst>
-                            <p:childTnLst>
-                              <p:par>
-                                <p:cTn id="13" presetID="1" presetClass="entr" presetSubtype="0" fill="hold" nodeType="clickEffect">
-                                  <p:stCondLst>
-                                    <p:cond delay="0"/>
-                                  </p:stCondLst>
-                                  <p:childTnLst>
-                                    <p:set>
-                                      <p:cBhvr>
-                                        <p:cTn id="14" dur="1" fill="hold">
-                                          <p:stCondLst>
-                                            <p:cond delay="0"/>
-                                          </p:stCondLst>
-                                        </p:cTn>
-                                        <p:tgtEl>
-                                          <p:spTgt spid="36867">
-                                            <p:txEl>
-                                              <p:pRg st="2" end="2"/>
-                                            </p:txEl>
-                                          </p:spTgt>
-                                        </p:tgtEl>
-                                        <p:attrNameLst>
-                                          <p:attrName>style.visibility</p:attrName>
-                                        </p:attrNameLst>
-                                      </p:cBhvr>
-                                      <p:to>
-                                        <p:strVal val="visible"/>
-                                      </p:to>
-                                    </p:set>
-                                  </p:childTnLst>
-                                </p:cTn>
-                              </p:par>
-                            </p:childTnLst>
-                          </p:cTn>
-                        </p:par>
-                      </p:childTnLst>
-                    </p:cTn>
-                  </p:par>
-                  <p:par>
-                    <p:cTn id="15" fill="hold">
-                      <p:stCondLst>
-                        <p:cond delay="indefinite"/>
-                      </p:stCondLst>
-                      <p:childTnLst>
-                        <p:par>
-                          <p:cTn id="16" fill="hold">
-                            <p:stCondLst>
-                              <p:cond delay="0"/>
-                            </p:stCondLst>
-                            <p:childTnLst>
-                              <p:par>
-                                <p:cTn id="17" presetID="1" presetClass="entr" presetSubtype="0" fill="hold" nodeType="clickEffect">
-                                  <p:stCondLst>
-                                    <p:cond delay="0"/>
-                                  </p:stCondLst>
-                                  <p:childTnLst>
-                                    <p:set>
-                                      <p:cBhvr>
-                                        <p:cTn id="18" dur="1" fill="hold">
-                                          <p:stCondLst>
-                                            <p:cond delay="0"/>
-                                          </p:stCondLst>
-                                        </p:cTn>
-                                        <p:tgtEl>
-                                          <p:spTgt spid="36867">
-                                            <p:txEl>
-                                              <p:pRg st="3" end="3"/>
-                                            </p:txEl>
-                                          </p:spTgt>
-                                        </p:tgtEl>
-                                        <p:attrNameLst>
-                                          <p:attrName>style.visibility</p:attrName>
-                                        </p:attrNameLst>
-                                      </p:cBhvr>
-                                      <p:to>
-                                        <p:strVal val="visible"/>
-                                      </p:to>
-                                    </p:set>
-                                  </p:childTnLst>
-                                </p:cTn>
-                              </p:par>
-                            </p:childTnLst>
-                          </p:cTn>
-                        </p:par>
-                      </p:childTnLst>
-                    </p:cTn>
-                  </p:par>
-                  <p:par>
-                    <p:cTn id="19" fill="hold">
-                      <p:stCondLst>
-                        <p:cond delay="indefinite"/>
-                      </p:stCondLst>
-                      <p:childTnLst>
-                        <p:par>
-                          <p:cTn id="20" fill="hold">
-                            <p:stCondLst>
-                              <p:cond delay="0"/>
-                            </p:stCondLst>
-                            <p:childTnLst>
-                              <p:par>
-                                <p:cTn id="21" presetID="1" presetClass="entr" presetSubtype="0" fill="hold" nodeType="clickEffect">
-                                  <p:stCondLst>
-                                    <p:cond delay="0"/>
-                                  </p:stCondLst>
-                                  <p:childTnLst>
-                                    <p:set>
-                                      <p:cBhvr>
-                                        <p:cTn id="22" dur="1" fill="hold">
-                                          <p:stCondLst>
-                                            <p:cond delay="0"/>
-                                          </p:stCondLst>
-                                        </p:cTn>
-                                        <p:tgtEl>
-                                          <p:spTgt spid="36867">
-                                            <p:txEl>
-                                              <p:pRg st="4" end="4"/>
-                                            </p:txEl>
-                                          </p:spTgt>
-                                        </p:tgtEl>
-                                        <p:attrNameLst>
-                                          <p:attrName>style.visibility</p:attrName>
-                                        </p:attrNameLst>
-                                      </p:cBhvr>
-                                      <p:to>
-                                        <p:strVal val="visible"/>
-                                      </p:to>
-                                    </p:set>
-                                  </p:childTnLst>
-                                </p:cTn>
-                              </p:par>
-                              <p:par>
-                                <p:cTn id="23" presetID="1" presetClass="entr" presetSubtype="0" fill="hold" nodeType="withEffect">
-                                  <p:stCondLst>
-                                    <p:cond delay="0"/>
-                                  </p:stCondLst>
-                                  <p:childTnLst>
-                                    <p:set>
-                                      <p:cBhvr>
-                                        <p:cTn id="24" dur="1" fill="hold">
-                                          <p:stCondLst>
-                                            <p:cond delay="0"/>
-                                          </p:stCondLst>
-                                        </p:cTn>
-                                        <p:tgtEl>
-                                          <p:spTgt spid="36867">
-                                            <p:txEl>
-                                              <p:pRg st="5" end="5"/>
-                                            </p:txEl>
-                                          </p:spTgt>
-                                        </p:tgtEl>
-                                        <p:attrNameLst>
-                                          <p:attrName>style.visibility</p:attrName>
-                                        </p:attrNameLst>
-                                      </p:cBhvr>
-                                      <p:to>
-                                        <p:strVal val="visible"/>
-                                      </p:to>
-                                    </p:set>
-                                  </p:childTnLst>
-                                </p:cTn>
-                              </p:par>
-                            </p:childTnLst>
-                          </p:cTn>
-                        </p:par>
-                      </p:childTnLst>
-                    </p:cTn>
-                  </p:par>
-                </p:childTnLst>
-              </p:cTn>
-              <p:prevCondLst>
-                <p:cond evt="onPrev" delay="0">
-                  <p:tgtEl>
-                    <p:sldTgt/>
-                  </p:tgtEl>
-                </p:cond>
-              </p:prevCondLst>
-              <p:nextCondLst>
-                <p:cond evt="onNext" delay="0">
-                  <p:tgtEl>
-                    <p:sldTgt/>
-                  </p:tgtEl>
-                </p:cond>
-              </p:nextCondLst>
-            </p:seq>
-          </p:childTnLst>
-        </p:cTn>
-      </p:par>
-    </p:tnLst>
-  </p:timing>
-</p:sld>
-</file>
-
-<file path=ppt/slides/slide12.xml><?xml version="1.0" encoding="utf-8"?>
-<p:sld xmlns:a="http://schemas.openxmlformats.org/drawingml/2006/main" xmlns:r="http://schemas.openxmlformats.org/officeDocument/2006/relationships" xmlns:p="http://schemas.openxmlformats.org/presentationml/2006/main">
-  <p:cSld>
-    <p:spTree>
-      <p:nvGrpSpPr>
-        <p:cNvPr id="1" name=""/>
-        <p:cNvGrpSpPr/>
-        <p:nvPr/>
-      </p:nvGrpSpPr>
-      <p:grpSpPr>
-        <a:xfrm>
-          <a:off x="0" y="0"/>
-          <a:ext cx="0" cy="0"/>
-          <a:chOff x="0" y="0"/>
-          <a:chExt cx="0" cy="0"/>
-        </a:xfrm>
-      </p:grpSpPr>
-      <p:sp>
-        <p:nvSpPr>
-          <p:cNvPr id="63490" name="Rectangle 2"/>
-          <p:cNvSpPr>
-            <a:spLocks noGrp="1" noChangeArrowheads="1"/>
-          </p:cNvSpPr>
-          <p:nvPr>
-            <p:ph type="title"/>
-          </p:nvPr>
-        </p:nvSpPr>
-        <p:spPr>
-          <a:xfrm>
-            <a:off x="1981200" y="274638"/>
-            <a:ext cx="8229600" cy="715962"/>
-          </a:xfrm>
-        </p:spPr>
-        <p:txBody>
-          <a:bodyPr/>
-          <a:lstStyle/>
-          <a:p>
-            <a:r>
-              <a:rPr lang="en-US" sz="4000" dirty="0"/>
-              <a:t>How to evaluate letrec?</a:t>
-            </a:r>
-          </a:p>
-        </p:txBody>
-      </p:sp>
-      <p:sp>
-        <p:nvSpPr>
-          <p:cNvPr id="63491" name="Rectangle 3"/>
-          <p:cNvSpPr>
-            <a:spLocks noGrp="1" noChangeArrowheads="1"/>
-          </p:cNvSpPr>
-          <p:nvPr>
-            <p:ph type="body" idx="1"/>
-          </p:nvPr>
-        </p:nvSpPr>
-        <p:spPr>
-          <a:xfrm>
-            <a:off x="152400" y="1066800"/>
-            <a:ext cx="12039600" cy="5791200"/>
-          </a:xfrm>
-        </p:spPr>
-        <p:txBody>
-          <a:bodyPr/>
-          <a:lstStyle/>
-          <a:p>
-            <a:pPr>
-              <a:spcBef>
-                <a:spcPct val="0"/>
-              </a:spcBef>
-              <a:buFontTx/>
-              <a:buNone/>
-            </a:pPr>
-            <a:r>
-              <a:rPr lang="en-US" sz="2800" dirty="0">
-                <a:solidFill>
-                  <a:srgbClr val="0033CC"/>
-                </a:solidFill>
-                <a:latin typeface="Courier New" pitchFamily="49" charset="0"/>
-              </a:rPr>
-              <a:t>(</a:t>
-            </a:r>
-            <a:r>
-              <a:rPr lang="en-US" sz="2400" b="1" dirty="0">
-                <a:solidFill>
-                  <a:srgbClr val="0033CC"/>
-                </a:solidFill>
-                <a:latin typeface="Courier New" pitchFamily="49" charset="0"/>
-              </a:rPr>
-              <a:t>define </a:t>
-            </a:r>
-            <a:r>
-              <a:rPr lang="en-US" sz="2400" b="1" dirty="0" err="1">
-                <a:solidFill>
-                  <a:srgbClr val="0033CC"/>
-                </a:solidFill>
-                <a:latin typeface="Courier New" pitchFamily="49" charset="0"/>
-              </a:rPr>
-              <a:t>eval</a:t>
-            </a:r>
-            <a:r>
-              <a:rPr lang="en-US" sz="2400" b="1" dirty="0">
-                <a:solidFill>
-                  <a:srgbClr val="0033CC"/>
-                </a:solidFill>
-                <a:latin typeface="Courier New" pitchFamily="49" charset="0"/>
-              </a:rPr>
-              <a:t>-exp</a:t>
-            </a:r>
-          </a:p>
-          <a:p>
-            <a:pPr>
-              <a:spcBef>
-                <a:spcPct val="0"/>
-              </a:spcBef>
-              <a:buFontTx/>
-              <a:buNone/>
-            </a:pPr>
-            <a:r>
-              <a:rPr lang="en-US" sz="2400" b="1" dirty="0">
-                <a:solidFill>
-                  <a:srgbClr val="0033CC"/>
-                </a:solidFill>
-                <a:latin typeface="Courier New" pitchFamily="49" charset="0"/>
-              </a:rPr>
-              <a:t>  (lambda (exp </a:t>
-            </a:r>
-            <a:r>
-              <a:rPr lang="en-US" sz="2400" b="1" dirty="0" err="1">
-                <a:solidFill>
-                  <a:srgbClr val="0033CC"/>
-                </a:solidFill>
-                <a:latin typeface="Courier New" pitchFamily="49" charset="0"/>
-              </a:rPr>
-              <a:t>env</a:t>
-            </a:r>
-            <a:r>
-              <a:rPr lang="en-US" sz="2400" b="1" dirty="0">
-                <a:solidFill>
-                  <a:srgbClr val="0033CC"/>
-                </a:solidFill>
-                <a:latin typeface="Courier New" pitchFamily="49" charset="0"/>
-              </a:rPr>
-              <a:t>)</a:t>
-            </a:r>
-          </a:p>
-          <a:p>
-            <a:pPr>
-              <a:spcBef>
-                <a:spcPct val="0"/>
-              </a:spcBef>
-              <a:buNone/>
-            </a:pPr>
-            <a:r>
-              <a:rPr lang="en-US" sz="2400" b="1" dirty="0">
-                <a:solidFill>
-                  <a:srgbClr val="0033CC"/>
-                </a:solidFill>
-                <a:latin typeface="Courier New" pitchFamily="49" charset="0"/>
-              </a:rPr>
-              <a:t>    (cases expression exp </a:t>
-            </a:r>
-          </a:p>
-          <a:p>
-            <a:pPr>
-              <a:spcBef>
-                <a:spcPct val="0"/>
-              </a:spcBef>
-              <a:buNone/>
-            </a:pPr>
-            <a:r>
-              <a:rPr lang="en-US" sz="2400" b="1" dirty="0">
-                <a:solidFill>
-                  <a:srgbClr val="0033CC"/>
-                </a:solidFill>
-                <a:effectLst>
-                  <a:outerShdw blurRad="38100" dist="38100" dir="2700000" algn="tl">
-                    <a:srgbClr val="000000">
-                      <a:alpha val="43137"/>
-                    </a:srgbClr>
-                  </a:outerShdw>
-                </a:effectLst>
-                <a:latin typeface="Courier New" pitchFamily="49" charset="0"/>
-              </a:rPr>
-              <a:t>     . . .</a:t>
-            </a:r>
-          </a:p>
-          <a:p>
-            <a:pPr>
-              <a:spcBef>
-                <a:spcPct val="0"/>
-              </a:spcBef>
-              <a:buFontTx/>
-              <a:buNone/>
-            </a:pPr>
-            <a:endParaRPr lang="en-US" sz="1000" b="1" dirty="0">
-              <a:solidFill>
-                <a:srgbClr val="0033CC"/>
-              </a:solidFill>
-              <a:effectLst>
-                <a:outerShdw blurRad="38100" dist="38100" dir="2700000" algn="tl">
-                  <a:srgbClr val="000000">
-                    <a:alpha val="43137"/>
-                  </a:srgbClr>
-                </a:outerShdw>
-              </a:effectLst>
-              <a:latin typeface="Courier New" pitchFamily="49" charset="0"/>
-            </a:endParaRPr>
-          </a:p>
-          <a:p>
-            <a:pPr>
-              <a:buFontTx/>
-              <a:buNone/>
-            </a:pPr>
-            <a:r>
-              <a:rPr lang="en-US" sz="2400" b="1" dirty="0">
-                <a:solidFill>
-                  <a:srgbClr val="0033CC"/>
-                </a:solidFill>
-                <a:latin typeface="Courier New" pitchFamily="49" charset="0"/>
-              </a:rPr>
-              <a:t>     [letrec-exp (proc-names </a:t>
-            </a:r>
-            <a:r>
-              <a:rPr lang="en-US" sz="2400" b="1" dirty="0" err="1">
-                <a:solidFill>
-                  <a:srgbClr val="0033CC"/>
-                </a:solidFill>
-                <a:latin typeface="Courier New" pitchFamily="49" charset="0"/>
-              </a:rPr>
-              <a:t>idss</a:t>
-            </a:r>
-            <a:r>
-              <a:rPr lang="en-US" sz="2400" b="1" dirty="0">
-                <a:solidFill>
-                  <a:srgbClr val="0033CC"/>
-                </a:solidFill>
-                <a:latin typeface="Courier New" pitchFamily="49" charset="0"/>
-              </a:rPr>
-              <a:t> </a:t>
-            </a:r>
-            <a:r>
-              <a:rPr lang="en-US" sz="2400" b="1" dirty="0" err="1">
-                <a:solidFill>
-                  <a:srgbClr val="0033CC"/>
-                </a:solidFill>
-                <a:latin typeface="Courier New" pitchFamily="49" charset="0"/>
-              </a:rPr>
-              <a:t>bodiess</a:t>
-            </a:r>
-            <a:r>
-              <a:rPr lang="en-US" sz="2400" b="1" dirty="0">
-                <a:solidFill>
-                  <a:srgbClr val="0033CC"/>
-                </a:solidFill>
-                <a:latin typeface="Courier New" pitchFamily="49" charset="0"/>
-              </a:rPr>
-              <a:t> letrec-bodies)</a:t>
-            </a:r>
-          </a:p>
-          <a:p>
-            <a:pPr>
-              <a:buFontTx/>
-              <a:buNone/>
-            </a:pPr>
-            <a:r>
-              <a:rPr lang="en-US" sz="2400" b="1" dirty="0">
-                <a:solidFill>
-                  <a:srgbClr val="0033CC"/>
-                </a:solidFill>
-                <a:latin typeface="Courier New" pitchFamily="49" charset="0"/>
-              </a:rPr>
-              <a:t>	     (eval-bodies letrec-bodies</a:t>
-            </a:r>
-          </a:p>
-          <a:p>
-            <a:pPr>
-              <a:buFontTx/>
-              <a:buNone/>
-            </a:pPr>
-            <a:r>
-              <a:rPr lang="en-US" sz="2400" b="1" dirty="0">
-                <a:solidFill>
-                  <a:srgbClr val="0033CC"/>
-                </a:solidFill>
-                <a:latin typeface="Courier New" pitchFamily="49" charset="0"/>
-              </a:rPr>
-              <a:t>		    (extend-env-recursively </a:t>
-            </a:r>
-          </a:p>
-          <a:p>
-            <a:pPr>
-              <a:buFontTx/>
-              <a:buNone/>
-            </a:pPr>
-            <a:r>
-              <a:rPr lang="en-US" sz="2400" b="1" dirty="0">
-                <a:solidFill>
-                  <a:srgbClr val="0033CC"/>
-                </a:solidFill>
-                <a:latin typeface="Courier New" pitchFamily="49" charset="0"/>
-              </a:rPr>
-              <a:t>           proc-names </a:t>
-            </a:r>
-            <a:r>
-              <a:rPr lang="en-US" sz="2400" b="1" dirty="0" err="1">
-                <a:solidFill>
-                  <a:srgbClr val="0033CC"/>
-                </a:solidFill>
-                <a:latin typeface="Courier New" pitchFamily="49" charset="0"/>
-              </a:rPr>
-              <a:t>idss</a:t>
-            </a:r>
-            <a:r>
-              <a:rPr lang="en-US" sz="2400" b="1" dirty="0">
-                <a:solidFill>
-                  <a:srgbClr val="0033CC"/>
-                </a:solidFill>
-                <a:latin typeface="Courier New" pitchFamily="49" charset="0"/>
-              </a:rPr>
-              <a:t> </a:t>
-            </a:r>
-            <a:r>
-              <a:rPr lang="en-US" sz="2400" b="1" dirty="0" err="1">
-                <a:solidFill>
-                  <a:srgbClr val="0033CC"/>
-                </a:solidFill>
-                <a:latin typeface="Courier New" pitchFamily="49" charset="0"/>
-              </a:rPr>
-              <a:t>bodiess</a:t>
-            </a:r>
-            <a:r>
-              <a:rPr lang="en-US" sz="2400" b="1" dirty="0">
-                <a:solidFill>
-                  <a:srgbClr val="0033CC"/>
-                </a:solidFill>
-                <a:latin typeface="Courier New" pitchFamily="49" charset="0"/>
-              </a:rPr>
-              <a:t> </a:t>
-            </a:r>
-            <a:r>
-              <a:rPr lang="en-US" sz="2400" b="1" dirty="0" err="1">
-                <a:solidFill>
-                  <a:srgbClr val="0033CC"/>
-                </a:solidFill>
-                <a:latin typeface="Courier New" pitchFamily="49" charset="0"/>
-              </a:rPr>
-              <a:t>env</a:t>
-            </a:r>
-            <a:r>
-              <a:rPr lang="en-US" sz="2400" b="1" dirty="0">
-                <a:solidFill>
-                  <a:srgbClr val="0033CC"/>
-                </a:solidFill>
-                <a:latin typeface="Courier New" pitchFamily="49" charset="0"/>
-              </a:rPr>
-              <a:t>))]</a:t>
-            </a:r>
-          </a:p>
-          <a:p>
-            <a:pPr>
-              <a:buNone/>
-            </a:pPr>
-            <a:r>
-              <a:rPr lang="en-US" sz="2400" b="1" dirty="0">
-                <a:solidFill>
-                  <a:srgbClr val="0033CC"/>
-                </a:solidFill>
-                <a:effectLst>
-                  <a:outerShdw blurRad="38100" dist="38100" dir="2700000" algn="tl">
-                    <a:srgbClr val="000000">
-                      <a:alpha val="43137"/>
-                    </a:srgbClr>
-                  </a:outerShdw>
-                </a:effectLst>
-                <a:latin typeface="Courier New" pitchFamily="49" charset="0"/>
-              </a:rPr>
-              <a:t>     . . .</a:t>
-            </a:r>
-          </a:p>
-          <a:p>
-            <a:pPr>
-              <a:buFontTx/>
-              <a:buNone/>
-            </a:pPr>
-            <a:br>
-              <a:rPr lang="en-US" sz="2400" b="1" dirty="0">
-                <a:latin typeface="Courier New" pitchFamily="49" charset="0"/>
-              </a:rPr>
-            </a:br>
-            <a:endParaRPr lang="en-US" sz="2400" b="1" dirty="0">
-              <a:latin typeface="Courier New" pitchFamily="49" charset="0"/>
-            </a:endParaRPr>
-          </a:p>
-          <a:p>
-            <a:pPr>
-              <a:buFontTx/>
-              <a:buNone/>
-            </a:pPr>
-            <a:r>
-              <a:rPr lang="en-US" b="1" dirty="0"/>
-              <a:t>   So the question becomes: how do we </a:t>
-            </a:r>
-            <a:r>
-              <a:rPr lang="en-US" b="1" dirty="0">
-                <a:latin typeface="Times New Roman" pitchFamily="18" charset="0"/>
-              </a:rPr>
-              <a:t>implement</a:t>
-            </a:r>
-            <a:r>
-              <a:rPr lang="en-US" b="1" dirty="0">
-                <a:latin typeface="Courier New" pitchFamily="49" charset="0"/>
-              </a:rPr>
-              <a:t> </a:t>
-            </a:r>
-            <a:br>
-              <a:rPr lang="en-US" b="1" dirty="0">
-                <a:latin typeface="Courier New" pitchFamily="49" charset="0"/>
-              </a:rPr>
-            </a:br>
-            <a:r>
-              <a:rPr lang="en-US" b="1" dirty="0">
-                <a:latin typeface="Courier New" pitchFamily="49" charset="0"/>
-              </a:rPr>
-              <a:t>  </a:t>
-            </a:r>
-            <a:r>
-              <a:rPr lang="en-US" b="1" dirty="0">
-                <a:solidFill>
-                  <a:srgbClr val="00339A"/>
-                </a:solidFill>
-                <a:latin typeface="Courier New" pitchFamily="49" charset="0"/>
-              </a:rPr>
-              <a:t>extend-env-recursively</a:t>
-            </a:r>
-            <a:r>
-              <a:rPr lang="en-US" b="1" dirty="0">
-                <a:solidFill>
-                  <a:srgbClr val="00339A"/>
-                </a:solidFill>
-              </a:rPr>
-              <a:t>?</a:t>
-            </a:r>
-          </a:p>
-          <a:p>
-            <a:pPr>
-              <a:buFontTx/>
-              <a:buNone/>
-            </a:pPr>
-            <a:endParaRPr lang="en-US" b="1" dirty="0"/>
-          </a:p>
-        </p:txBody>
-      </p:sp>
-      <p:sp>
-        <p:nvSpPr>
-          <p:cNvPr id="5" name="TextBox 4"/>
-          <p:cNvSpPr txBox="1"/>
-          <p:nvPr/>
-        </p:nvSpPr>
-        <p:spPr>
-          <a:xfrm>
-            <a:off x="8229600" y="3454400"/>
-            <a:ext cx="3429000" cy="1938992"/>
-          </a:xfrm>
-          <a:prstGeom prst="rect">
-            <a:avLst/>
-          </a:prstGeom>
-          <a:noFill/>
-          <a:ln w="22225">
-            <a:solidFill>
-              <a:srgbClr val="FF0000"/>
-            </a:solidFill>
-          </a:ln>
-        </p:spPr>
-        <p:txBody>
-          <a:bodyPr wrap="square" rtlCol="0">
-            <a:spAutoFit/>
-          </a:bodyPr>
-          <a:lstStyle/>
-          <a:p>
-            <a:r>
-              <a:rPr lang="en-US" sz="2400" dirty="0">
-                <a:solidFill>
-                  <a:srgbClr val="FF3300"/>
-                </a:solidFill>
-              </a:rPr>
-              <a:t>We saw when we drew</a:t>
-            </a:r>
-          </a:p>
-          <a:p>
-            <a:r>
-              <a:rPr lang="en-US" sz="2400" dirty="0">
-                <a:solidFill>
-                  <a:srgbClr val="FF3300"/>
-                </a:solidFill>
-              </a:rPr>
-              <a:t>environment and closure diagrams that we need a  recursive </a:t>
-            </a:r>
-            <a:r>
-              <a:rPr lang="en-US" sz="2400">
-                <a:solidFill>
-                  <a:srgbClr val="FF3300"/>
-                </a:solidFill>
-              </a:rPr>
-              <a:t>environment here</a:t>
-            </a:r>
-            <a:endParaRPr lang="en-US" sz="2400" dirty="0">
-              <a:solidFill>
-                <a:srgbClr val="FF3300"/>
-              </a:solidFill>
-            </a:endParaRPr>
-          </a:p>
-        </p:txBody>
-      </p:sp>
-    </p:spTree>
-  </p:cSld>
-  <p:clrMapOvr>
-    <a:masterClrMapping/>
-  </p:clrMapOvr>
-</p:sld>
-</file>
-
-<file path=ppt/slides/slide13.xml><?xml version="1.0" encoding="utf-8"?>
-<p:sld xmlns:a="http://schemas.openxmlformats.org/drawingml/2006/main" xmlns:r="http://schemas.openxmlformats.org/officeDocument/2006/relationships" xmlns:p="http://schemas.openxmlformats.org/presentationml/2006/main" showMasterPhAnim="0">
-  <p:cSld>
-    <p:spTree>
-      <p:nvGrpSpPr>
-        <p:cNvPr id="1" name=""/>
-        <p:cNvGrpSpPr/>
-        <p:nvPr/>
-      </p:nvGrpSpPr>
-      <p:grpSpPr>
-        <a:xfrm>
-          <a:off x="0" y="0"/>
-          <a:ext cx="0" cy="0"/>
-          <a:chOff x="0" y="0"/>
-          <a:chExt cx="0" cy="0"/>
-        </a:xfrm>
-      </p:grpSpPr>
-      <p:sp>
-        <p:nvSpPr>
-          <p:cNvPr id="64514" name="Rectangle 2"/>
-          <p:cNvSpPr>
-            <a:spLocks noGrp="1" noChangeArrowheads="1"/>
-          </p:cNvSpPr>
-          <p:nvPr>
-            <p:ph type="title"/>
-          </p:nvPr>
-        </p:nvSpPr>
-        <p:spPr/>
-        <p:txBody>
-          <a:bodyPr/>
-          <a:lstStyle/>
-          <a:p>
-            <a:r>
-              <a:rPr lang="en-US" sz="4000" dirty="0"/>
-              <a:t>Extend-env-recursively: </a:t>
-            </a:r>
-            <a:br>
-              <a:rPr lang="en-US" sz="4000" dirty="0"/>
-            </a:br>
-            <a:r>
-              <a:rPr lang="en-US" sz="4000" dirty="0"/>
-              <a:t>Three possible approaches</a:t>
-            </a:r>
-            <a:br>
-              <a:rPr lang="en-US" sz="4000" dirty="0"/>
-            </a:br>
-            <a:endParaRPr lang="en-US" sz="4000" dirty="0"/>
-          </a:p>
-        </p:txBody>
-      </p:sp>
-      <p:sp>
-        <p:nvSpPr>
-          <p:cNvPr id="64515" name="Rectangle 3"/>
-          <p:cNvSpPr>
-            <a:spLocks noGrp="1" noChangeArrowheads="1"/>
-          </p:cNvSpPr>
-          <p:nvPr>
-            <p:ph type="body" idx="1"/>
-          </p:nvPr>
-        </p:nvSpPr>
-        <p:spPr>
-          <a:xfrm>
-            <a:off x="0" y="1752600"/>
-            <a:ext cx="10287000" cy="5181600"/>
-          </a:xfrm>
-        </p:spPr>
-        <p:txBody>
-          <a:bodyPr/>
-          <a:lstStyle/>
-          <a:p>
-            <a:pPr>
-              <a:lnSpc>
-                <a:spcPct val="90000"/>
-              </a:lnSpc>
-              <a:buFontTx/>
-              <a:buNone/>
-            </a:pPr>
-            <a:r>
-              <a:rPr lang="en-US" dirty="0"/>
-              <a:t>0. Implement </a:t>
-            </a:r>
-            <a:r>
-              <a:rPr lang="en-US" dirty="0">
-                <a:latin typeface="Courier New" panose="02070309020205020404" pitchFamily="49" charset="0"/>
-                <a:cs typeface="Courier New" panose="02070309020205020404" pitchFamily="49" charset="0"/>
-              </a:rPr>
-              <a:t>extend-env-recursively</a:t>
-            </a:r>
-            <a:r>
-              <a:rPr lang="en-US" dirty="0"/>
-              <a:t> in terms of Scheme's </a:t>
-            </a:r>
-            <a:r>
-              <a:rPr lang="en-US" dirty="0">
-                <a:latin typeface="Courier New" panose="02070309020205020404" pitchFamily="49" charset="0"/>
-                <a:cs typeface="Courier New" panose="02070309020205020404" pitchFamily="49" charset="0"/>
-              </a:rPr>
-              <a:t>letrec</a:t>
-            </a:r>
-            <a:r>
-              <a:rPr lang="en-US" dirty="0"/>
-              <a:t>.  </a:t>
-            </a:r>
-            <a:r>
-              <a:rPr lang="en-US" b="1" dirty="0">
-                <a:solidFill>
-                  <a:srgbClr val="CC00CC"/>
-                </a:solidFill>
-              </a:rPr>
-              <a:t>Nope!</a:t>
-            </a:r>
-          </a:p>
-          <a:p>
-            <a:pPr lvl="2">
-              <a:lnSpc>
-                <a:spcPct val="90000"/>
-              </a:lnSpc>
-              <a:buFontTx/>
-              <a:buNone/>
-            </a:pPr>
-            <a:endParaRPr lang="en-US" dirty="0"/>
-          </a:p>
-          <a:p>
-            <a:pPr>
-              <a:lnSpc>
-                <a:spcPct val="90000"/>
-              </a:lnSpc>
-              <a:buFontTx/>
-              <a:buNone/>
-            </a:pPr>
-            <a:r>
-              <a:rPr lang="en-US" dirty="0"/>
-              <a:t>1. </a:t>
-            </a:r>
-            <a:r>
-              <a:rPr lang="en-US" b="1" dirty="0"/>
-              <a:t>No mutation:</a:t>
-            </a:r>
-            <a:r>
-              <a:rPr lang="en-US" dirty="0"/>
-              <a:t> A new kind of environment extension: </a:t>
-            </a:r>
-            <a:br>
-              <a:rPr lang="en-US" dirty="0"/>
-            </a:br>
-            <a:r>
-              <a:rPr lang="en-US" b="1" dirty="0">
-                <a:solidFill>
-                  <a:srgbClr val="0033CC"/>
-                </a:solidFill>
-                <a:latin typeface="Courier New" pitchFamily="49" charset="0"/>
-              </a:rPr>
-              <a:t>recursively-extended-</a:t>
-            </a:r>
-            <a:r>
-              <a:rPr lang="en-US" b="1" dirty="0" err="1">
-                <a:solidFill>
-                  <a:srgbClr val="0033CC"/>
-                </a:solidFill>
-                <a:latin typeface="Courier New" pitchFamily="49" charset="0"/>
-              </a:rPr>
-              <a:t>env</a:t>
-            </a:r>
-            <a:r>
-              <a:rPr lang="en-US" b="1" dirty="0">
-                <a:solidFill>
-                  <a:srgbClr val="0033CC"/>
-                </a:solidFill>
-                <a:latin typeface="Courier New" pitchFamily="49" charset="0"/>
-              </a:rPr>
-              <a:t>-record</a:t>
-            </a:r>
-            <a:br>
-              <a:rPr lang="en-US" b="1" dirty="0">
-                <a:solidFill>
-                  <a:srgbClr val="0033CC"/>
-                </a:solidFill>
-                <a:latin typeface="Courier New" pitchFamily="49" charset="0"/>
-              </a:rPr>
-            </a:br>
-            <a:endParaRPr lang="en-US" sz="1400" b="1" dirty="0">
-              <a:solidFill>
-                <a:srgbClr val="0033CC"/>
-              </a:solidFill>
-              <a:latin typeface="Courier New" pitchFamily="49" charset="0"/>
-            </a:endParaRPr>
-          </a:p>
-          <a:p>
-            <a:pPr>
-              <a:lnSpc>
-                <a:spcPct val="90000"/>
-              </a:lnSpc>
-              <a:buFontTx/>
-              <a:buNone/>
-            </a:pPr>
-            <a:r>
-              <a:rPr lang="en-US" dirty="0"/>
-              <a:t>2. </a:t>
-            </a:r>
-            <a:r>
-              <a:rPr lang="en-US" b="1" dirty="0"/>
-              <a:t>Mutation:</a:t>
-            </a:r>
-            <a:r>
-              <a:rPr lang="en-US" dirty="0"/>
-              <a:t>  A normal extended environment, then use </a:t>
-            </a:r>
-            <a:r>
-              <a:rPr lang="en-US" dirty="0">
-                <a:latin typeface="Courier New" panose="02070309020205020404" pitchFamily="49" charset="0"/>
-                <a:cs typeface="Courier New" panose="02070309020205020404" pitchFamily="49" charset="0"/>
-              </a:rPr>
-              <a:t>set-car!</a:t>
-            </a:r>
-            <a:r>
-              <a:rPr lang="en-US" dirty="0"/>
-              <a:t> or </a:t>
-            </a:r>
-            <a:r>
-              <a:rPr lang="en-US" dirty="0">
-                <a:latin typeface="Courier New" panose="02070309020205020404" pitchFamily="49" charset="0"/>
-                <a:cs typeface="Courier New" panose="02070309020205020404" pitchFamily="49" charset="0"/>
-              </a:rPr>
-              <a:t>vector-set! </a:t>
-            </a:r>
-            <a:r>
-              <a:rPr lang="en-US" dirty="0"/>
-              <a:t>to implement the circularity.</a:t>
-            </a:r>
-          </a:p>
-        </p:txBody>
-      </p:sp>
-    </p:spTree>
-    <p:extLst>
-      <p:ext uri="{BB962C8B-B14F-4D97-AF65-F5344CB8AC3E}">
-        <p14:creationId xmlns:p14="http://schemas.microsoft.com/office/powerpoint/2010/main" val="917560347"/>
-      </p:ext>
-    </p:extLst>
-  </p:cSld>
-  <p:clrMapOvr>
-    <a:masterClrMapping/>
-  </p:clrMapOvr>
-  <p:timing>
-    <p:tnLst>
-      <p:par>
-        <p:cTn id="1" dur="indefinite" restart="never" nodeType="tmRoot">
-          <p:childTnLst>
-            <p:seq concurrent="1" nextAc="seek">
-              <p:cTn id="2" dur="indefinite" nodeType="mainSeq">
-                <p:childTnLst>
-                  <p:par>
-                    <p:cTn id="3" fill="hold">
-                      <p:stCondLst>
-                        <p:cond delay="indefinite"/>
-                      </p:stCondLst>
-                      <p:childTnLst>
-                        <p:par>
-                          <p:cTn id="4" fill="hold">
-                            <p:stCondLst>
-                              <p:cond delay="0"/>
-                            </p:stCondLst>
-                            <p:childTnLst>
-                              <p:par>
-                                <p:cTn id="5" presetID="1" presetClass="entr" presetSubtype="0" fill="hold" grpId="0" nodeType="clickEffect">
-                                  <p:stCondLst>
-                                    <p:cond delay="0"/>
-                                  </p:stCondLst>
-                                  <p:childTnLst>
-                                    <p:set>
-                                      <p:cBhvr>
-                                        <p:cTn id="6" dur="1" fill="hold">
-                                          <p:stCondLst>
-                                            <p:cond delay="0"/>
-                                          </p:stCondLst>
-                                        </p:cTn>
-                                        <p:tgtEl>
-                                          <p:spTgt spid="64515">
-                                            <p:txEl>
-                                              <p:pRg st="0" end="0"/>
-                                            </p:txEl>
-                                          </p:spTgt>
-                                        </p:tgtEl>
-                                        <p:attrNameLst>
-                                          <p:attrName>style.visibility</p:attrName>
-                                        </p:attrNameLst>
-                                      </p:cBhvr>
-                                      <p:to>
-                                        <p:strVal val="visible"/>
-                                      </p:to>
-                                    </p:set>
-                                  </p:childTnLst>
-                                </p:cTn>
-                              </p:par>
-                            </p:childTnLst>
-                          </p:cTn>
-                        </p:par>
-                      </p:childTnLst>
-                    </p:cTn>
-                  </p:par>
-                  <p:par>
-                    <p:cTn id="7" fill="hold">
-                      <p:stCondLst>
-                        <p:cond delay="indefinite"/>
-                      </p:stCondLst>
-                      <p:childTnLst>
-                        <p:par>
-                          <p:cTn id="8" fill="hold">
-                            <p:stCondLst>
-                              <p:cond delay="0"/>
-                            </p:stCondLst>
-                            <p:childTnLst>
-                              <p:par>
-                                <p:cTn id="9" presetID="1" presetClass="entr" presetSubtype="0" fill="hold" grpId="0" nodeType="clickEffect">
-                                  <p:stCondLst>
-                                    <p:cond delay="0"/>
-                                  </p:stCondLst>
-                                  <p:childTnLst>
-                                    <p:set>
-                                      <p:cBhvr>
-                                        <p:cTn id="10" dur="1" fill="hold">
-                                          <p:stCondLst>
-                                            <p:cond delay="0"/>
-                                          </p:stCondLst>
-                                        </p:cTn>
-                                        <p:tgtEl>
-                                          <p:spTgt spid="64515">
-                                            <p:txEl>
-                                              <p:pRg st="2" end="2"/>
-                                            </p:txEl>
-                                          </p:spTgt>
-                                        </p:tgtEl>
-                                        <p:attrNameLst>
-                                          <p:attrName>style.visibility</p:attrName>
-                                        </p:attrNameLst>
-                                      </p:cBhvr>
-                                      <p:to>
-                                        <p:strVal val="visible"/>
-                                      </p:to>
-                                    </p:set>
-                                  </p:childTnLst>
-                                </p:cTn>
-                              </p:par>
-                            </p:childTnLst>
-                          </p:cTn>
-                        </p:par>
-                      </p:childTnLst>
-                    </p:cTn>
-                  </p:par>
-                  <p:par>
-                    <p:cTn id="11" fill="hold">
-                      <p:stCondLst>
-                        <p:cond delay="indefinite"/>
-                      </p:stCondLst>
-                      <p:childTnLst>
-                        <p:par>
-                          <p:cTn id="12" fill="hold">
-                            <p:stCondLst>
-                              <p:cond delay="0"/>
-                            </p:stCondLst>
-                            <p:childTnLst>
-                              <p:par>
-                                <p:cTn id="13" presetID="1" presetClass="entr" presetSubtype="0" fill="hold" grpId="0" nodeType="clickEffect">
-                                  <p:stCondLst>
-                                    <p:cond delay="0"/>
-                                  </p:stCondLst>
-                                  <p:childTnLst>
-                                    <p:set>
-                                      <p:cBhvr>
-                                        <p:cTn id="14" dur="1" fill="hold">
-                                          <p:stCondLst>
-                                            <p:cond delay="0"/>
-                                          </p:stCondLst>
-                                        </p:cTn>
-                                        <p:tgtEl>
-                                          <p:spTgt spid="64515">
-                                            <p:txEl>
-                                              <p:pRg st="3" end="3"/>
-                                            </p:txEl>
-                                          </p:spTgt>
-                                        </p:tgtEl>
-                                        <p:attrNameLst>
-                                          <p:attrName>style.visibility</p:attrName>
-                                        </p:attrNameLst>
-                                      </p:cBhvr>
-                                      <p:to>
-                                        <p:strVal val="visible"/>
-                                      </p:to>
-                                    </p:set>
-                                  </p:childTnLst>
-                                </p:cTn>
-                              </p:par>
-                            </p:childTnLst>
-                          </p:cTn>
-                        </p:par>
-                      </p:childTnLst>
-                    </p:cTn>
-                  </p:par>
-                </p:childTnLst>
-              </p:cTn>
-              <p:prevCondLst>
-                <p:cond evt="onPrev" delay="0">
-                  <p:tgtEl>
-                    <p:sldTgt/>
-                  </p:tgtEl>
-                </p:cond>
-              </p:prevCondLst>
-              <p:nextCondLst>
-                <p:cond evt="onNext" delay="0">
-                  <p:tgtEl>
-                    <p:sldTgt/>
-                  </p:tgtEl>
-                </p:cond>
-              </p:nextCondLst>
-            </p:seq>
-          </p:childTnLst>
-        </p:cTn>
-      </p:par>
-    </p:tnLst>
-    <p:bldLst>
-      <p:bldP spid="64515" grpId="0" build="p"/>
-    </p:bldLst>
-  </p:timing>
-</p:sld>
-</file>
-
-<file path=ppt/slides/slide14.xml><?xml version="1.0" encoding="utf-8"?>
 <p:sld xmlns:a="http://schemas.openxmlformats.org/drawingml/2006/main" xmlns:r="http://schemas.openxmlformats.org/officeDocument/2006/relationships" xmlns:p="http://schemas.openxmlformats.org/presentationml/2006/main" show="0">
   <p:cSld>
     <p:spTree>
@@ -5794,7 +3490,7 @@
 </p:sld>
 </file>
 
-<file path=ppt/slides/slide15.xml><?xml version="1.0" encoding="utf-8"?>
+<file path=ppt/slides/slide11.xml><?xml version="1.0" encoding="utf-8"?>
 <p:sld xmlns:a="http://schemas.openxmlformats.org/drawingml/2006/main" xmlns:r="http://schemas.openxmlformats.org/officeDocument/2006/relationships" xmlns:p="http://schemas.openxmlformats.org/presentationml/2006/main">
   <p:cSld>
     <p:spTree>
@@ -6236,7 +3932,7 @@
 </p:sld>
 </file>
 
-<file path=ppt/slides/slide16.xml><?xml version="1.0" encoding="utf-8"?>
+<file path=ppt/slides/slide12.xml><?xml version="1.0" encoding="utf-8"?>
 <p:sld xmlns:a="http://schemas.openxmlformats.org/drawingml/2006/main" xmlns:r="http://schemas.openxmlformats.org/officeDocument/2006/relationships" xmlns:p="http://schemas.openxmlformats.org/presentationml/2006/main">
   <p:cSld>
     <p:spTree>
@@ -6462,7 +4158,7 @@
 </p:sld>
 </file>
 
-<file path=ppt/slides/slide17.xml><?xml version="1.0" encoding="utf-8"?>
+<file path=ppt/slides/slide13.xml><?xml version="1.0" encoding="utf-8"?>
 <p:sld xmlns:a="http://schemas.openxmlformats.org/drawingml/2006/main" xmlns:r="http://schemas.openxmlformats.org/officeDocument/2006/relationships" xmlns:p="http://schemas.openxmlformats.org/presentationml/2006/main">
   <p:cSld>
     <p:spTree>
@@ -7083,7 +4779,7 @@
 </p:sld>
 </file>
 
-<file path=ppt/slides/slide18.xml><?xml version="1.0" encoding="utf-8"?>
+<file path=ppt/slides/slide14.xml><?xml version="1.0" encoding="utf-8"?>
 <p:sld xmlns:a="http://schemas.openxmlformats.org/drawingml/2006/main" xmlns:r="http://schemas.openxmlformats.org/officeDocument/2006/relationships" xmlns:p="http://schemas.openxmlformats.org/presentationml/2006/main">
   <p:cSld>
     <p:spTree>
@@ -7161,7 +4857,7 @@
 </p:sld>
 </file>
 
-<file path=ppt/slides/slide19.xml><?xml version="1.0" encoding="utf-8"?>
+<file path=ppt/slides/slide15.xml><?xml version="1.0" encoding="utf-8"?>
 <p:sld xmlns:a="http://schemas.openxmlformats.org/drawingml/2006/main" xmlns:r="http://schemas.openxmlformats.org/officeDocument/2006/relationships" xmlns:p="http://schemas.openxmlformats.org/presentationml/2006/main">
   <p:cSld>
     <p:spTree>
@@ -7995,223 +5691,7 @@
 </p:sld>
 </file>
 
-<file path=ppt/slides/slide2.xml><?xml version="1.0" encoding="utf-8"?>
-<p:sld xmlns:a="http://schemas.openxmlformats.org/drawingml/2006/main" xmlns:r="http://schemas.openxmlformats.org/officeDocument/2006/relationships" xmlns:p="http://schemas.openxmlformats.org/presentationml/2006/main">
-  <p:cSld>
-    <p:spTree>
-      <p:nvGrpSpPr>
-        <p:cNvPr id="1" name=""/>
-        <p:cNvGrpSpPr/>
-        <p:nvPr/>
-      </p:nvGrpSpPr>
-      <p:grpSpPr>
-        <a:xfrm>
-          <a:off x="0" y="0"/>
-          <a:ext cx="0" cy="0"/>
-          <a:chOff x="0" y="0"/>
-          <a:chExt cx="0" cy="0"/>
-        </a:xfrm>
-      </p:grpSpPr>
-      <p:sp>
-        <p:nvSpPr>
-          <p:cNvPr id="2" name="Title 1"/>
-          <p:cNvSpPr>
-            <a:spLocks noGrp="1"/>
-          </p:cNvSpPr>
-          <p:nvPr>
-            <p:ph type="title"/>
-          </p:nvPr>
-        </p:nvSpPr>
-        <p:spPr>
-          <a:xfrm>
-            <a:off x="1981200" y="-152400"/>
-            <a:ext cx="8229600" cy="1143000"/>
-          </a:xfrm>
-        </p:spPr>
-        <p:txBody>
-          <a:bodyPr/>
-          <a:lstStyle/>
-          <a:p>
-            <a:r>
-              <a:rPr lang="en-US" dirty="0"/>
-              <a:t>CPS tips</a:t>
-            </a:r>
-          </a:p>
-        </p:txBody>
-      </p:sp>
-      <p:sp>
-        <p:nvSpPr>
-          <p:cNvPr id="3" name="Content Placeholder 2"/>
-          <p:cNvSpPr>
-            <a:spLocks noGrp="1"/>
-          </p:cNvSpPr>
-          <p:nvPr>
-            <p:ph idx="1"/>
-          </p:nvPr>
-        </p:nvSpPr>
-        <p:spPr>
-          <a:xfrm>
-            <a:off x="609600" y="762001"/>
-            <a:ext cx="10591800" cy="4525963"/>
-          </a:xfrm>
-        </p:spPr>
-        <p:txBody>
-          <a:bodyPr/>
-          <a:lstStyle/>
-          <a:p>
-            <a:pPr>
-              <a:spcAft>
-                <a:spcPts val="1200"/>
-              </a:spcAft>
-            </a:pPr>
-            <a:r>
-              <a:rPr lang="en-US" sz="2400" dirty="0"/>
-              <a:t>The one thing to avoid:</a:t>
-            </a:r>
-          </a:p>
-          <a:p>
-            <a:pPr lvl="1">
-              <a:spcAft>
-                <a:spcPts val="1200"/>
-              </a:spcAft>
-            </a:pPr>
-            <a:r>
-              <a:rPr lang="en-US" sz="2400" dirty="0"/>
-              <a:t>A call to a substantial procedure in a non-tail position.</a:t>
-            </a:r>
-          </a:p>
-          <a:p>
-            <a:pPr>
-              <a:spcAft>
-                <a:spcPts val="1200"/>
-              </a:spcAft>
-            </a:pPr>
-            <a:r>
-              <a:rPr lang="en-US" sz="2400" dirty="0">
-                <a:latin typeface="Courier New" panose="02070309020205020404" pitchFamily="49" charset="0"/>
-                <a:cs typeface="Courier New" panose="02070309020205020404" pitchFamily="49" charset="0"/>
-              </a:rPr>
-              <a:t>apply-k</a:t>
-            </a:r>
-            <a:r>
-              <a:rPr lang="en-US" sz="2400" dirty="0"/>
-              <a:t> is a substantial procedure; </a:t>
-            </a:r>
-            <a:r>
-              <a:rPr lang="en-US" sz="2400" dirty="0">
-                <a:latin typeface="Courier New" panose="02070309020205020404" pitchFamily="49" charset="0"/>
-                <a:cs typeface="Courier New" panose="02070309020205020404" pitchFamily="49" charset="0"/>
-              </a:rPr>
-              <a:t>make-k</a:t>
-            </a:r>
-            <a:r>
-              <a:rPr lang="en-US" sz="2400" dirty="0"/>
-              <a:t> is not.</a:t>
-            </a:r>
-          </a:p>
-          <a:p>
-            <a:pPr>
-              <a:spcAft>
-                <a:spcPts val="1200"/>
-              </a:spcAft>
-            </a:pPr>
-            <a:r>
-              <a:rPr lang="en-US" sz="2400" dirty="0"/>
-              <a:t>Whenever you get an answer without doing a substantial call,  don’t forget to call </a:t>
-            </a:r>
-            <a:r>
-              <a:rPr lang="en-US" sz="2400" dirty="0">
-                <a:latin typeface="Courier New" panose="02070309020205020404" pitchFamily="49" charset="0"/>
-                <a:cs typeface="Courier New" panose="02070309020205020404" pitchFamily="49" charset="0"/>
-              </a:rPr>
-              <a:t>apply-k</a:t>
-            </a:r>
-            <a:r>
-              <a:rPr lang="en-US" sz="2400" dirty="0"/>
-              <a:t>.</a:t>
-            </a:r>
-          </a:p>
-          <a:p>
-            <a:pPr>
-              <a:spcAft>
-                <a:spcPts val="1200"/>
-              </a:spcAft>
-            </a:pPr>
-            <a:r>
-              <a:rPr lang="en-US" sz="2400" dirty="0"/>
-              <a:t>Ask "what happens next", and put it on the outside of the remaining code, with later things "inside", as part of the continuation.</a:t>
-            </a:r>
-          </a:p>
-          <a:p>
-            <a:pPr>
-              <a:spcAft>
-                <a:spcPts val="1200"/>
-              </a:spcAft>
-            </a:pPr>
-            <a:r>
-              <a:rPr lang="en-US" sz="2400" dirty="0"/>
-              <a:t>If you think the continuation of a recursive call should be </a:t>
-            </a:r>
-            <a:r>
-              <a:rPr lang="en-US" sz="2400" dirty="0">
-                <a:latin typeface="Courier New" panose="02070309020205020404" pitchFamily="49" charset="0"/>
-                <a:cs typeface="Courier New" panose="02070309020205020404" pitchFamily="49" charset="0"/>
-              </a:rPr>
-              <a:t>(lambda(v) v)</a:t>
-            </a:r>
-            <a:r>
-              <a:rPr lang="en-US" sz="2400" dirty="0"/>
-              <a:t>, or </a:t>
-            </a:r>
-            <a:r>
-              <a:rPr lang="en-US" sz="2400" dirty="0" err="1">
-                <a:latin typeface="Courier New" panose="02070309020205020404" pitchFamily="49" charset="0"/>
-                <a:cs typeface="Courier New" panose="02070309020205020404" pitchFamily="49" charset="0"/>
-              </a:rPr>
-              <a:t>init</a:t>
-            </a:r>
-            <a:r>
-              <a:rPr lang="en-US" sz="2400" dirty="0">
-                <a:latin typeface="Courier New" panose="02070309020205020404" pitchFamily="49" charset="0"/>
-                <a:cs typeface="Courier New" panose="02070309020205020404" pitchFamily="49" charset="0"/>
-              </a:rPr>
-              <a:t>-k</a:t>
-            </a:r>
-            <a:r>
-              <a:rPr lang="en-US" sz="2400" dirty="0"/>
-              <a:t> in the case of datatype continuations, there's a good chance that your code is not actually in tail form.</a:t>
-            </a:r>
-          </a:p>
-          <a:p>
-            <a:pPr>
-              <a:spcAft>
-                <a:spcPts val="1200"/>
-              </a:spcAft>
-            </a:pPr>
-            <a:r>
-              <a:rPr lang="en-US" sz="2400" dirty="0"/>
-              <a:t>Regardless of what the server says, no credit if code is not in tail form</a:t>
-            </a:r>
-          </a:p>
-          <a:p>
-            <a:endParaRPr lang="en-US" sz="2400" dirty="0"/>
-          </a:p>
-        </p:txBody>
-      </p:sp>
-    </p:spTree>
-    <p:extLst>
-      <p:ext uri="{BB962C8B-B14F-4D97-AF65-F5344CB8AC3E}">
-        <p14:creationId xmlns:p14="http://schemas.microsoft.com/office/powerpoint/2010/main" val="2514954902"/>
-      </p:ext>
-    </p:extLst>
-  </p:cSld>
-  <p:clrMapOvr>
-    <a:masterClrMapping/>
-  </p:clrMapOvr>
-</p:sld>
-</file>
-
-<file path=ppt/slides/slide20.xml><?xml version="1.0" encoding="utf-8"?>
+<file path=ppt/slides/slide16.xml><?xml version="1.0" encoding="utf-8"?>
 <p:sld xmlns:a="http://schemas.openxmlformats.org/drawingml/2006/main" xmlns:r="http://schemas.openxmlformats.org/officeDocument/2006/relationships" xmlns:p="http://schemas.openxmlformats.org/presentationml/2006/main">
   <p:cSld>
     <p:spTree>
@@ -8302,7 +5782,7 @@
 </p:sld>
 </file>
 
-<file path=ppt/slides/slide21.xml><?xml version="1.0" encoding="utf-8"?>
+<file path=ppt/slides/slide17.xml><?xml version="1.0" encoding="utf-8"?>
 <p:sld xmlns:a="http://schemas.openxmlformats.org/drawingml/2006/main" xmlns:r="http://schemas.openxmlformats.org/officeDocument/2006/relationships" xmlns:p="http://schemas.openxmlformats.org/presentationml/2006/main">
   <p:cSld>
     <p:spTree>
@@ -8695,7 +6175,7 @@
 </p:sld>
 </file>
 
-<file path=ppt/slides/slide22.xml><?xml version="1.0" encoding="utf-8"?>
+<file path=ppt/slides/slide18.xml><?xml version="1.0" encoding="utf-8"?>
 <p:sld xmlns:a="http://schemas.openxmlformats.org/drawingml/2006/main" xmlns:r="http://schemas.openxmlformats.org/officeDocument/2006/relationships" xmlns:p="http://schemas.openxmlformats.org/presentationml/2006/main">
   <p:cSld>
     <p:spTree>
@@ -8781,7 +6261,7 @@
 </p:sld>
 </file>
 
-<file path=ppt/slides/slide23.xml><?xml version="1.0" encoding="utf-8"?>
+<file path=ppt/slides/slide19.xml><?xml version="1.0" encoding="utf-8"?>
 <p:sld xmlns:a="http://schemas.openxmlformats.org/drawingml/2006/main" xmlns:r="http://schemas.openxmlformats.org/officeDocument/2006/relationships" xmlns:p="http://schemas.openxmlformats.org/presentationml/2006/main">
   <p:cSld>
     <p:spTree>
@@ -8943,7 +6423,118 @@
 </p:sld>
 </file>
 
-<file path=ppt/slides/slide24.xml><?xml version="1.0" encoding="utf-8"?>
+<file path=ppt/slides/slide2.xml><?xml version="1.0" encoding="utf-8"?>
+<p:sld xmlns:a="http://schemas.openxmlformats.org/drawingml/2006/main" xmlns:r="http://schemas.openxmlformats.org/officeDocument/2006/relationships" xmlns:p="http://schemas.openxmlformats.org/presentationml/2006/main">
+  <p:cSld>
+    <p:spTree>
+      <p:nvGrpSpPr>
+        <p:cNvPr id="1" name=""/>
+        <p:cNvGrpSpPr/>
+        <p:nvPr/>
+      </p:nvGrpSpPr>
+      <p:grpSpPr>
+        <a:xfrm>
+          <a:off x="0" y="0"/>
+          <a:ext cx="0" cy="0"/>
+          <a:chOff x="0" y="0"/>
+          <a:chExt cx="0" cy="0"/>
+        </a:xfrm>
+      </p:grpSpPr>
+      <p:sp>
+        <p:nvSpPr>
+          <p:cNvPr id="2" name="Title 1">
+            <a:extLst>
+              <a:ext uri="{FF2B5EF4-FFF2-40B4-BE49-F238E27FC236}">
+                <a16:creationId xmlns:a16="http://schemas.microsoft.com/office/drawing/2014/main" id="{47B4FEEA-81B1-6912-F6AC-2BD2CF1A3468}"/>
+              </a:ext>
+            </a:extLst>
+          </p:cNvPr>
+          <p:cNvSpPr>
+            <a:spLocks noGrp="1"/>
+          </p:cNvSpPr>
+          <p:nvPr>
+            <p:ph type="title"/>
+          </p:nvPr>
+        </p:nvSpPr>
+        <p:spPr/>
+        <p:txBody>
+          <a:bodyPr/>
+          <a:lstStyle/>
+          <a:p>
+            <a:r>
+              <a:rPr lang="en-US" dirty="0"/>
+              <a:t>Please convert </a:t>
+            </a:r>
+            <a:r>
+              <a:rPr lang="en-US" dirty="0" err="1"/>
+              <a:t>slist-subst</a:t>
+            </a:r>
+            <a:r>
+              <a:rPr lang="en-US" dirty="0"/>
+              <a:t> in </a:t>
+            </a:r>
+            <a:r>
+              <a:rPr lang="en-US" dirty="0" err="1"/>
+              <a:t>sublists-cps.rkt</a:t>
+            </a:r>
+            <a:endParaRPr lang="en-US" dirty="0"/>
+          </a:p>
+        </p:txBody>
+      </p:sp>
+      <p:sp>
+        <p:nvSpPr>
+          <p:cNvPr id="3" name="Content Placeholder 2">
+            <a:extLst>
+              <a:ext uri="{FF2B5EF4-FFF2-40B4-BE49-F238E27FC236}">
+                <a16:creationId xmlns:a16="http://schemas.microsoft.com/office/drawing/2014/main" id="{C632CCF9-3BAF-8177-BAE7-5B4355DDD0FB}"/>
+              </a:ext>
+            </a:extLst>
+          </p:cNvPr>
+          <p:cNvSpPr>
+            <a:spLocks noGrp="1"/>
+          </p:cNvSpPr>
+          <p:nvPr>
+            <p:ph idx="1"/>
+          </p:nvPr>
+        </p:nvSpPr>
+        <p:spPr/>
+        <p:txBody>
+          <a:bodyPr/>
+          <a:lstStyle/>
+          <a:p>
+            <a:r>
+              <a:rPr lang="en-US" dirty="0"/>
+              <a:t>You have test cases to help you</a:t>
+            </a:r>
+          </a:p>
+          <a:p>
+            <a:r>
+              <a:rPr lang="en-US" dirty="0"/>
+              <a:t>Use your guide from the last class – ask me for help if you need</a:t>
+            </a:r>
+          </a:p>
+          <a:p>
+            <a:r>
+              <a:rPr lang="en-US" dirty="0"/>
+              <a:t>I will go over it when you’re done</a:t>
+            </a:r>
+          </a:p>
+        </p:txBody>
+      </p:sp>
+    </p:spTree>
+    <p:extLst>
+      <p:ext uri="{BB962C8B-B14F-4D97-AF65-F5344CB8AC3E}">
+        <p14:creationId xmlns:p14="http://schemas.microsoft.com/office/powerpoint/2010/main" val="2294398996"/>
+      </p:ext>
+    </p:extLst>
+  </p:cSld>
+  <p:clrMapOvr>
+    <a:masterClrMapping/>
+  </p:clrMapOvr>
+</p:sld>
+</file>
+
+<file path=ppt/slides/slide20.xml><?xml version="1.0" encoding="utf-8"?>
 <p:sld xmlns:a="http://schemas.openxmlformats.org/drawingml/2006/main" xmlns:r="http://schemas.openxmlformats.org/officeDocument/2006/relationships" xmlns:p="http://schemas.openxmlformats.org/presentationml/2006/main" showMasterPhAnim="0">
   <p:cSld>
     <p:spTree>
@@ -9370,7 +6961,7 @@
 </p:sld>
 </file>
 
-<file path=ppt/slides/slide25.xml><?xml version="1.0" encoding="utf-8"?>
+<file path=ppt/slides/slide21.xml><?xml version="1.0" encoding="utf-8"?>
 <p:sld xmlns:a="http://schemas.openxmlformats.org/drawingml/2006/main" xmlns:r="http://schemas.openxmlformats.org/officeDocument/2006/relationships" xmlns:p="http://schemas.openxmlformats.org/presentationml/2006/main" showMasterPhAnim="0">
   <p:cSld>
     <p:spTree>
@@ -10270,7 +7861,7 @@
 </p:sld>
 </file>
 
-<file path=ppt/slides/slide26.xml><?xml version="1.0" encoding="utf-8"?>
+<file path=ppt/slides/slide22.xml><?xml version="1.0" encoding="utf-8"?>
 <p:sld xmlns:a="http://schemas.openxmlformats.org/drawingml/2006/main" xmlns:r="http://schemas.openxmlformats.org/officeDocument/2006/relationships" xmlns:p="http://schemas.openxmlformats.org/presentationml/2006/main">
   <p:cSld>
     <p:spTree>
@@ -10565,2066 +8156,6 @@
       </p:grpSpPr>
       <p:sp>
         <p:nvSpPr>
-          <p:cNvPr id="136194" name="Rectangle 2"/>
-          <p:cNvSpPr>
-            <a:spLocks noGrp="1" noChangeArrowheads="1"/>
-          </p:cNvSpPr>
-          <p:nvPr>
-            <p:ph type="title"/>
-          </p:nvPr>
-        </p:nvSpPr>
-        <p:spPr/>
-        <p:txBody>
-          <a:bodyPr/>
-          <a:lstStyle/>
-          <a:p>
-            <a:r>
-              <a:rPr lang="en-US"/>
-              <a:t>Some incorrect CPS code</a:t>
-            </a:r>
-          </a:p>
-        </p:txBody>
-      </p:sp>
-      <p:sp>
-        <p:nvSpPr>
-          <p:cNvPr id="136195" name="Rectangle 3"/>
-          <p:cNvSpPr>
-            <a:spLocks noGrp="1" noChangeArrowheads="1"/>
-          </p:cNvSpPr>
-          <p:nvPr>
-            <p:ph type="body" idx="1"/>
-          </p:nvPr>
-        </p:nvSpPr>
-        <p:spPr>
-          <a:xfrm>
-            <a:off x="1524000" y="1600201"/>
-            <a:ext cx="9144000" cy="4525963"/>
-          </a:xfrm>
-        </p:spPr>
-        <p:txBody>
-          <a:bodyPr/>
-          <a:lstStyle/>
-          <a:p>
-            <a:pPr>
-              <a:lnSpc>
-                <a:spcPct val="95000"/>
-              </a:lnSpc>
-              <a:spcBef>
-                <a:spcPct val="0"/>
-              </a:spcBef>
-              <a:buNone/>
-            </a:pPr>
-            <a:r>
-              <a:rPr lang="en-US" sz="2400" b="1" dirty="0">
-                <a:solidFill>
-                  <a:srgbClr val="CC0097"/>
-                </a:solidFill>
-              </a:rPr>
-              <a:t>All of this code was submitted by students in previous terms. </a:t>
-            </a:r>
-            <a:endParaRPr lang="en-US" sz="2400" b="1" dirty="0">
-              <a:latin typeface="Courier New" pitchFamily="49" charset="0"/>
-            </a:endParaRPr>
-          </a:p>
-          <a:p>
-            <a:pPr>
-              <a:lnSpc>
-                <a:spcPct val="95000"/>
-              </a:lnSpc>
-              <a:spcBef>
-                <a:spcPct val="0"/>
-              </a:spcBef>
-              <a:buFontTx/>
-              <a:buNone/>
-            </a:pPr>
-            <a:r>
-              <a:rPr lang="en-US" sz="2400" b="1" dirty="0">
-                <a:latin typeface="Courier New" pitchFamily="49" charset="0"/>
-              </a:rPr>
-              <a:t>(define set?-cps</a:t>
-            </a:r>
-          </a:p>
-          <a:p>
-            <a:pPr>
-              <a:lnSpc>
-                <a:spcPct val="95000"/>
-              </a:lnSpc>
-              <a:spcBef>
-                <a:spcPct val="0"/>
-              </a:spcBef>
-              <a:buFontTx/>
-              <a:buNone/>
-            </a:pPr>
-            <a:r>
-              <a:rPr lang="en-US" sz="2400" b="1" dirty="0">
-                <a:latin typeface="Courier New" pitchFamily="49" charset="0"/>
-              </a:rPr>
-              <a:t>  (lambda (</a:t>
-            </a:r>
-            <a:r>
-              <a:rPr lang="en-US" sz="2400" b="1" dirty="0" err="1">
-                <a:latin typeface="Courier New" pitchFamily="49" charset="0"/>
-              </a:rPr>
-              <a:t>ls</a:t>
-            </a:r>
-            <a:r>
-              <a:rPr lang="en-US" sz="2400" b="1" dirty="0">
-                <a:latin typeface="Courier New" pitchFamily="49" charset="0"/>
-              </a:rPr>
-              <a:t> k)</a:t>
-            </a:r>
-          </a:p>
-          <a:p>
-            <a:pPr>
-              <a:lnSpc>
-                <a:spcPct val="95000"/>
-              </a:lnSpc>
-              <a:spcBef>
-                <a:spcPct val="0"/>
-              </a:spcBef>
-              <a:buFontTx/>
-              <a:buNone/>
-            </a:pPr>
-            <a:r>
-              <a:rPr lang="en-US" sz="2400" b="1" dirty="0">
-                <a:latin typeface="Courier New" pitchFamily="49" charset="0"/>
-              </a:rPr>
-              <a:t>    (</a:t>
-            </a:r>
-            <a:r>
-              <a:rPr lang="en-US" sz="2400" b="1" dirty="0" err="1">
-                <a:latin typeface="Courier New" pitchFamily="49" charset="0"/>
-              </a:rPr>
-              <a:t>cond</a:t>
-            </a:r>
-            <a:endParaRPr lang="en-US" sz="2400" b="1" dirty="0">
-              <a:latin typeface="Courier New" pitchFamily="49" charset="0"/>
-            </a:endParaRPr>
-          </a:p>
-          <a:p>
-            <a:pPr>
-              <a:lnSpc>
-                <a:spcPct val="95000"/>
-              </a:lnSpc>
-              <a:spcBef>
-                <a:spcPct val="0"/>
-              </a:spcBef>
-              <a:buFontTx/>
-              <a:buNone/>
-            </a:pPr>
-            <a:r>
-              <a:rPr lang="en-US" sz="2400" b="1" dirty="0">
-                <a:latin typeface="Courier New" pitchFamily="49" charset="0"/>
-              </a:rPr>
-              <a:t>      [(null? ls) (apply-k k #t)]</a:t>
-            </a:r>
-          </a:p>
-          <a:p>
-            <a:pPr>
-              <a:lnSpc>
-                <a:spcPct val="95000"/>
-              </a:lnSpc>
-              <a:spcBef>
-                <a:spcPct val="0"/>
-              </a:spcBef>
-              <a:buFontTx/>
-              <a:buNone/>
-            </a:pPr>
-            <a:r>
-              <a:rPr lang="en-US" sz="2400" b="1" dirty="0">
-                <a:latin typeface="Courier New" pitchFamily="49" charset="0"/>
-              </a:rPr>
-              <a:t>      [(member?-cps (car ls) </a:t>
-            </a:r>
-          </a:p>
-          <a:p>
-            <a:pPr>
-              <a:lnSpc>
-                <a:spcPct val="95000"/>
-              </a:lnSpc>
-              <a:spcBef>
-                <a:spcPct val="0"/>
-              </a:spcBef>
-              <a:buFontTx/>
-              <a:buNone/>
-            </a:pPr>
-            <a:r>
-              <a:rPr lang="en-US" sz="2400" b="1" dirty="0">
-                <a:latin typeface="Courier New" pitchFamily="49" charset="0"/>
-              </a:rPr>
-              <a:t>                    (cdr ls) </a:t>
-            </a:r>
-          </a:p>
-          <a:p>
-            <a:pPr>
-              <a:lnSpc>
-                <a:spcPct val="95000"/>
-              </a:lnSpc>
-              <a:spcBef>
-                <a:spcPct val="0"/>
-              </a:spcBef>
-              <a:buFontTx/>
-              <a:buNone/>
-            </a:pPr>
-            <a:r>
-              <a:rPr lang="en-US" sz="2400" b="1" dirty="0">
-                <a:latin typeface="Courier New" pitchFamily="49" charset="0"/>
-              </a:rPr>
-              <a:t>                    (make-k (lambda (v) v))) </a:t>
-            </a:r>
-          </a:p>
-          <a:p>
-            <a:pPr>
-              <a:lnSpc>
-                <a:spcPct val="95000"/>
-              </a:lnSpc>
-              <a:spcBef>
-                <a:spcPct val="0"/>
-              </a:spcBef>
-              <a:buFontTx/>
-              <a:buNone/>
-            </a:pPr>
-            <a:r>
-              <a:rPr lang="en-US" sz="2400" b="1" dirty="0">
-                <a:latin typeface="Courier New" pitchFamily="49" charset="0"/>
-              </a:rPr>
-              <a:t>       (apply-k k #f)]</a:t>
-            </a:r>
-          </a:p>
-          <a:p>
-            <a:pPr>
-              <a:lnSpc>
-                <a:spcPct val="95000"/>
-              </a:lnSpc>
-              <a:spcBef>
-                <a:spcPct val="0"/>
-              </a:spcBef>
-              <a:buFontTx/>
-              <a:buNone/>
-            </a:pPr>
-            <a:r>
-              <a:rPr lang="en-US" sz="2400" b="1" dirty="0">
-                <a:latin typeface="Courier New" pitchFamily="49" charset="0"/>
-              </a:rPr>
-              <a:t>      [else (set?-cps (cdr </a:t>
-            </a:r>
-            <a:r>
-              <a:rPr lang="en-US" sz="2400" b="1" dirty="0" err="1">
-                <a:latin typeface="Courier New" pitchFamily="49" charset="0"/>
-              </a:rPr>
-              <a:t>ls</a:t>
-            </a:r>
-            <a:r>
-              <a:rPr lang="en-US" sz="2400" b="1" dirty="0">
-                <a:latin typeface="Courier New" pitchFamily="49" charset="0"/>
-              </a:rPr>
-              <a:t>) k)])))</a:t>
-            </a:r>
-          </a:p>
-          <a:p>
-            <a:pPr>
-              <a:lnSpc>
-                <a:spcPct val="95000"/>
-              </a:lnSpc>
-              <a:spcBef>
-                <a:spcPct val="0"/>
-              </a:spcBef>
-              <a:buFontTx/>
-              <a:buNone/>
-            </a:pPr>
-            <a:endParaRPr lang="en-US" sz="1800" b="1" dirty="0">
-              <a:latin typeface="Courier New" pitchFamily="49" charset="0"/>
-            </a:endParaRPr>
-          </a:p>
-          <a:p>
-            <a:pPr>
-              <a:lnSpc>
-                <a:spcPct val="95000"/>
-              </a:lnSpc>
-              <a:spcBef>
-                <a:spcPct val="0"/>
-              </a:spcBef>
-              <a:buFontTx/>
-              <a:buNone/>
-            </a:pPr>
-            <a:r>
-              <a:rPr lang="en-US" sz="2400" b="1" dirty="0">
-                <a:solidFill>
-                  <a:srgbClr val="CC0097"/>
-                </a:solidFill>
-              </a:rPr>
-              <a:t>Which calls to substantial procedures are not in tail-position?</a:t>
-            </a:r>
-          </a:p>
-        </p:txBody>
-      </p:sp>
-    </p:spTree>
-    <p:extLst>
-      <p:ext uri="{BB962C8B-B14F-4D97-AF65-F5344CB8AC3E}">
-        <p14:creationId xmlns:p14="http://schemas.microsoft.com/office/powerpoint/2010/main" val="3471782648"/>
-      </p:ext>
-    </p:extLst>
-  </p:cSld>
-  <p:clrMapOvr>
-    <a:masterClrMapping/>
-  </p:clrMapOvr>
-</p:sld>
-</file>
-
-<file path=ppt/slides/slide4.xml><?xml version="1.0" encoding="utf-8"?>
-<p:sld xmlns:a="http://schemas.openxmlformats.org/drawingml/2006/main" xmlns:r="http://schemas.openxmlformats.org/officeDocument/2006/relationships" xmlns:p="http://schemas.openxmlformats.org/presentationml/2006/main">
-  <p:cSld>
-    <p:spTree>
-      <p:nvGrpSpPr>
-        <p:cNvPr id="1" name=""/>
-        <p:cNvGrpSpPr/>
-        <p:nvPr/>
-      </p:nvGrpSpPr>
-      <p:grpSpPr>
-        <a:xfrm>
-          <a:off x="0" y="0"/>
-          <a:ext cx="0" cy="0"/>
-          <a:chOff x="0" y="0"/>
-          <a:chExt cx="0" cy="0"/>
-        </a:xfrm>
-      </p:grpSpPr>
-      <p:sp>
-        <p:nvSpPr>
-          <p:cNvPr id="138242" name="Rectangle 2"/>
-          <p:cNvSpPr>
-            <a:spLocks noGrp="1" noChangeArrowheads="1"/>
-          </p:cNvSpPr>
-          <p:nvPr>
-            <p:ph type="title"/>
-          </p:nvPr>
-        </p:nvSpPr>
-        <p:spPr/>
-        <p:txBody>
-          <a:bodyPr/>
-          <a:lstStyle/>
-          <a:p>
-            <a:r>
-              <a:rPr lang="en-US"/>
-              <a:t>Some incorrect CPS code</a:t>
-            </a:r>
-          </a:p>
-        </p:txBody>
-      </p:sp>
-      <p:sp>
-        <p:nvSpPr>
-          <p:cNvPr id="138243" name="Rectangle 3"/>
-          <p:cNvSpPr>
-            <a:spLocks noGrp="1" noChangeArrowheads="1"/>
-          </p:cNvSpPr>
-          <p:nvPr>
-            <p:ph type="body" idx="1"/>
-          </p:nvPr>
-        </p:nvSpPr>
-        <p:spPr>
-          <a:xfrm>
-            <a:off x="1524000" y="1600201"/>
-            <a:ext cx="8991600" cy="4525963"/>
-          </a:xfrm>
-        </p:spPr>
-        <p:txBody>
-          <a:bodyPr/>
-          <a:lstStyle/>
-          <a:p>
-            <a:pPr>
-              <a:lnSpc>
-                <a:spcPct val="95000"/>
-              </a:lnSpc>
-              <a:spcBef>
-                <a:spcPct val="0"/>
-              </a:spcBef>
-              <a:buNone/>
-            </a:pPr>
-            <a:r>
-              <a:rPr lang="en-US" sz="2000" b="1" dirty="0">
-                <a:solidFill>
-                  <a:srgbClr val="CC0097"/>
-                </a:solidFill>
-              </a:rPr>
-              <a:t>All of this code was submitted by students in previous terms.</a:t>
-            </a:r>
-            <a:endParaRPr lang="en-US" sz="2000" b="1" dirty="0">
-              <a:solidFill>
-                <a:srgbClr val="C00000"/>
-              </a:solidFill>
-            </a:endParaRPr>
-          </a:p>
-          <a:p>
-            <a:pPr>
-              <a:lnSpc>
-                <a:spcPct val="95000"/>
-              </a:lnSpc>
-              <a:spcBef>
-                <a:spcPct val="0"/>
-              </a:spcBef>
-              <a:buFontTx/>
-              <a:buNone/>
-            </a:pPr>
-            <a:endParaRPr lang="en-US" sz="2400" b="1" dirty="0">
-              <a:latin typeface="Courier New" pitchFamily="49" charset="0"/>
-            </a:endParaRPr>
-          </a:p>
-          <a:p>
-            <a:pPr>
-              <a:lnSpc>
-                <a:spcPct val="95000"/>
-              </a:lnSpc>
-              <a:spcBef>
-                <a:spcPct val="0"/>
-              </a:spcBef>
-              <a:buFontTx/>
-              <a:buNone/>
-            </a:pPr>
-            <a:r>
-              <a:rPr lang="en-US" sz="2400" b="1" dirty="0">
-                <a:latin typeface="Courier New" pitchFamily="49" charset="0"/>
-              </a:rPr>
-              <a:t>(define </a:t>
-            </a:r>
-            <a:r>
-              <a:rPr lang="en-US" sz="2400" b="1" dirty="0" err="1">
-                <a:latin typeface="Courier New" pitchFamily="49" charset="0"/>
-              </a:rPr>
-              <a:t>andmap</a:t>
-            </a:r>
-            <a:r>
-              <a:rPr lang="en-US" sz="2400" b="1" dirty="0">
-                <a:latin typeface="Courier New" pitchFamily="49" charset="0"/>
-              </a:rPr>
-              <a:t>-cps</a:t>
-            </a:r>
-          </a:p>
-          <a:p>
-            <a:pPr>
-              <a:lnSpc>
-                <a:spcPct val="95000"/>
-              </a:lnSpc>
-              <a:spcBef>
-                <a:spcPct val="0"/>
-              </a:spcBef>
-              <a:buFontTx/>
-              <a:buNone/>
-            </a:pPr>
-            <a:r>
-              <a:rPr lang="en-US" sz="2400" b="1" dirty="0">
-                <a:latin typeface="Courier New" pitchFamily="49" charset="0"/>
-              </a:rPr>
-              <a:t>  (lambda (</a:t>
-            </a:r>
-            <a:r>
-              <a:rPr lang="en-US" sz="2400" b="1" dirty="0" err="1">
-                <a:latin typeface="Courier New" pitchFamily="49" charset="0"/>
-              </a:rPr>
-              <a:t>pred</a:t>
-            </a:r>
-            <a:r>
-              <a:rPr lang="en-US" sz="2400" b="1" dirty="0">
-                <a:latin typeface="Courier New" pitchFamily="49" charset="0"/>
-              </a:rPr>
-              <a:t>?-cps </a:t>
-            </a:r>
-            <a:r>
-              <a:rPr lang="en-US" sz="2400" b="1" dirty="0" err="1">
-                <a:latin typeface="Courier New" pitchFamily="49" charset="0"/>
-              </a:rPr>
-              <a:t>ls</a:t>
-            </a:r>
-            <a:r>
-              <a:rPr lang="en-US" sz="2400" b="1" dirty="0">
-                <a:latin typeface="Courier New" pitchFamily="49" charset="0"/>
-              </a:rPr>
-              <a:t> k)</a:t>
-            </a:r>
-          </a:p>
-          <a:p>
-            <a:pPr>
-              <a:lnSpc>
-                <a:spcPct val="95000"/>
-              </a:lnSpc>
-              <a:spcBef>
-                <a:spcPct val="0"/>
-              </a:spcBef>
-              <a:buFontTx/>
-              <a:buNone/>
-            </a:pPr>
-            <a:r>
-              <a:rPr lang="en-US" sz="2400" b="1" dirty="0">
-                <a:latin typeface="Courier New" pitchFamily="49" charset="0"/>
-              </a:rPr>
-              <a:t>    (</a:t>
-            </a:r>
-            <a:r>
-              <a:rPr lang="en-US" sz="2400" b="1" dirty="0" err="1">
-                <a:latin typeface="Courier New" pitchFamily="49" charset="0"/>
-              </a:rPr>
-              <a:t>cond</a:t>
-            </a:r>
-            <a:endParaRPr lang="en-US" sz="2400" b="1" dirty="0">
-              <a:latin typeface="Courier New" pitchFamily="49" charset="0"/>
-            </a:endParaRPr>
-          </a:p>
-          <a:p>
-            <a:pPr>
-              <a:lnSpc>
-                <a:spcPct val="95000"/>
-              </a:lnSpc>
-              <a:spcBef>
-                <a:spcPct val="0"/>
-              </a:spcBef>
-              <a:buFontTx/>
-              <a:buNone/>
-            </a:pPr>
-            <a:r>
-              <a:rPr lang="en-US" sz="2400" b="1" dirty="0">
-                <a:latin typeface="Courier New" pitchFamily="49" charset="0"/>
-              </a:rPr>
-              <a:t>     [(null? ls) (apply-k k #t)]</a:t>
-            </a:r>
-          </a:p>
-          <a:p>
-            <a:pPr>
-              <a:lnSpc>
-                <a:spcPct val="95000"/>
-              </a:lnSpc>
-              <a:spcBef>
-                <a:spcPct val="0"/>
-              </a:spcBef>
-              <a:buFontTx/>
-              <a:buNone/>
-            </a:pPr>
-            <a:r>
-              <a:rPr lang="en-US" sz="2400" b="1" dirty="0">
-                <a:latin typeface="Courier New" pitchFamily="49" charset="0"/>
-              </a:rPr>
-              <a:t>     [(</a:t>
-            </a:r>
-            <a:r>
-              <a:rPr lang="en-US" sz="2400" b="1" dirty="0" err="1">
-                <a:latin typeface="Courier New" pitchFamily="49" charset="0"/>
-              </a:rPr>
-              <a:t>pred</a:t>
-            </a:r>
-            <a:r>
-              <a:rPr lang="en-US" sz="2400" b="1" dirty="0">
-                <a:latin typeface="Courier New" pitchFamily="49" charset="0"/>
-              </a:rPr>
-              <a:t>?-cps (car ls) </a:t>
-            </a:r>
-          </a:p>
-          <a:p>
-            <a:pPr>
-              <a:lnSpc>
-                <a:spcPct val="95000"/>
-              </a:lnSpc>
-              <a:spcBef>
-                <a:spcPct val="0"/>
-              </a:spcBef>
-              <a:buFontTx/>
-              <a:buNone/>
-            </a:pPr>
-            <a:r>
-              <a:rPr lang="en-US" sz="2400" b="1" dirty="0">
-                <a:latin typeface="Courier New" pitchFamily="49" charset="0"/>
-              </a:rPr>
-              <a:t>                 (make-k (lambda (v) v))) </a:t>
-            </a:r>
-          </a:p>
-          <a:p>
-            <a:pPr>
-              <a:lnSpc>
-                <a:spcPct val="95000"/>
-              </a:lnSpc>
-              <a:spcBef>
-                <a:spcPct val="0"/>
-              </a:spcBef>
-              <a:buFontTx/>
-              <a:buNone/>
-            </a:pPr>
-            <a:r>
-              <a:rPr lang="en-US" sz="2400" b="1" dirty="0">
-                <a:latin typeface="Courier New" pitchFamily="49" charset="0"/>
-              </a:rPr>
-              <a:t>      (</a:t>
-            </a:r>
-            <a:r>
-              <a:rPr lang="en-US" sz="2400" b="1" dirty="0" err="1">
-                <a:latin typeface="Courier New" pitchFamily="49" charset="0"/>
-              </a:rPr>
-              <a:t>andmap</a:t>
-            </a:r>
-            <a:r>
-              <a:rPr lang="en-US" sz="2400" b="1" dirty="0">
-                <a:latin typeface="Courier New" pitchFamily="49" charset="0"/>
-              </a:rPr>
-              <a:t>-cps </a:t>
-            </a:r>
-            <a:r>
-              <a:rPr lang="en-US" sz="2400" b="1" dirty="0" err="1">
-                <a:latin typeface="Courier New" pitchFamily="49" charset="0"/>
-              </a:rPr>
-              <a:t>pred</a:t>
-            </a:r>
-            <a:r>
-              <a:rPr lang="en-US" sz="2400" b="1" dirty="0">
-                <a:latin typeface="Courier New" pitchFamily="49" charset="0"/>
-              </a:rPr>
-              <a:t>?-cps</a:t>
-            </a:r>
-          </a:p>
-          <a:p>
-            <a:pPr>
-              <a:lnSpc>
-                <a:spcPct val="95000"/>
-              </a:lnSpc>
-              <a:spcBef>
-                <a:spcPct val="0"/>
-              </a:spcBef>
-              <a:buFontTx/>
-              <a:buNone/>
-            </a:pPr>
-            <a:r>
-              <a:rPr lang="en-US" sz="2400" b="1" dirty="0">
-                <a:latin typeface="Courier New" pitchFamily="49" charset="0"/>
-              </a:rPr>
-              <a:t>                  (cdr </a:t>
-            </a:r>
-            <a:r>
-              <a:rPr lang="en-US" sz="2400" b="1" dirty="0" err="1">
-                <a:latin typeface="Courier New" pitchFamily="49" charset="0"/>
-              </a:rPr>
-              <a:t>ls</a:t>
-            </a:r>
-            <a:r>
-              <a:rPr lang="en-US" sz="2400" b="1" dirty="0">
-                <a:latin typeface="Courier New" pitchFamily="49" charset="0"/>
-              </a:rPr>
-              <a:t>)</a:t>
-            </a:r>
-          </a:p>
-          <a:p>
-            <a:pPr>
-              <a:lnSpc>
-                <a:spcPct val="95000"/>
-              </a:lnSpc>
-              <a:spcBef>
-                <a:spcPct val="0"/>
-              </a:spcBef>
-              <a:buFontTx/>
-              <a:buNone/>
-            </a:pPr>
-            <a:r>
-              <a:rPr lang="en-US" sz="2400" b="1" dirty="0">
-                <a:latin typeface="Courier New" pitchFamily="49" charset="0"/>
-              </a:rPr>
-              <a:t>                   k)]</a:t>
-            </a:r>
-          </a:p>
-          <a:p>
-            <a:pPr>
-              <a:lnSpc>
-                <a:spcPct val="95000"/>
-              </a:lnSpc>
-              <a:spcBef>
-                <a:spcPct val="0"/>
-              </a:spcBef>
-              <a:buFontTx/>
-              <a:buNone/>
-            </a:pPr>
-            <a:r>
-              <a:rPr lang="en-US" sz="2400" b="1" dirty="0">
-                <a:latin typeface="Courier New" pitchFamily="49" charset="0"/>
-              </a:rPr>
-              <a:t>     [else (apply-k k #f)])))</a:t>
-            </a:r>
-          </a:p>
-          <a:p>
-            <a:pPr>
-              <a:lnSpc>
-                <a:spcPct val="95000"/>
-              </a:lnSpc>
-              <a:spcBef>
-                <a:spcPct val="0"/>
-              </a:spcBef>
-              <a:buFontTx/>
-              <a:buNone/>
-            </a:pPr>
-            <a:endParaRPr lang="en-US" sz="1800" b="1" dirty="0">
-              <a:latin typeface="Courier New" pitchFamily="49" charset="0"/>
-            </a:endParaRPr>
-          </a:p>
-          <a:p>
-            <a:pPr>
-              <a:lnSpc>
-                <a:spcPct val="95000"/>
-              </a:lnSpc>
-              <a:spcBef>
-                <a:spcPct val="0"/>
-              </a:spcBef>
-              <a:buNone/>
-            </a:pPr>
-            <a:r>
-              <a:rPr lang="en-US" sz="2000" b="1" dirty="0">
-                <a:solidFill>
-                  <a:srgbClr val="CC0097"/>
-                </a:solidFill>
-              </a:rPr>
-              <a:t>Which call(s) to non-primitive procedures is/are </a:t>
-            </a:r>
-            <a:r>
-              <a:rPr lang="en-US" sz="2000" b="1" dirty="0">
-                <a:solidFill>
-                  <a:srgbClr val="0070C0"/>
-                </a:solidFill>
-              </a:rPr>
-              <a:t>not</a:t>
-            </a:r>
-            <a:r>
-              <a:rPr lang="en-US" sz="2000" b="1" dirty="0">
-                <a:solidFill>
-                  <a:srgbClr val="C00000"/>
-                </a:solidFill>
-              </a:rPr>
-              <a:t> </a:t>
-            </a:r>
-            <a:r>
-              <a:rPr lang="en-US" sz="2000" b="1" dirty="0">
-                <a:solidFill>
-                  <a:srgbClr val="CC0097"/>
-                </a:solidFill>
-              </a:rPr>
-              <a:t>in tail-position?</a:t>
-            </a:r>
-          </a:p>
-          <a:p>
-            <a:pPr>
-              <a:lnSpc>
-                <a:spcPct val="95000"/>
-              </a:lnSpc>
-              <a:spcBef>
-                <a:spcPct val="0"/>
-              </a:spcBef>
-              <a:buNone/>
-            </a:pPr>
-            <a:endParaRPr lang="en-US" sz="2000" b="1" dirty="0">
-              <a:solidFill>
-                <a:srgbClr val="C00000"/>
-              </a:solidFill>
-            </a:endParaRPr>
-          </a:p>
-          <a:p>
-            <a:pPr>
-              <a:lnSpc>
-                <a:spcPct val="95000"/>
-              </a:lnSpc>
-              <a:spcBef>
-                <a:spcPct val="0"/>
-              </a:spcBef>
-              <a:buFontTx/>
-              <a:buNone/>
-            </a:pPr>
-            <a:endParaRPr lang="en-US" sz="1800" b="1" dirty="0">
-              <a:latin typeface="Courier New" pitchFamily="49" charset="0"/>
-            </a:endParaRPr>
-          </a:p>
-        </p:txBody>
-      </p:sp>
-    </p:spTree>
-    <p:extLst>
-      <p:ext uri="{BB962C8B-B14F-4D97-AF65-F5344CB8AC3E}">
-        <p14:creationId xmlns:p14="http://schemas.microsoft.com/office/powerpoint/2010/main" val="2564907033"/>
-      </p:ext>
-    </p:extLst>
-  </p:cSld>
-  <p:clrMapOvr>
-    <a:masterClrMapping/>
-  </p:clrMapOvr>
-</p:sld>
-</file>
-
-<file path=ppt/slides/slide5.xml><?xml version="1.0" encoding="utf-8"?>
-<p:sld xmlns:a="http://schemas.openxmlformats.org/drawingml/2006/main" xmlns:r="http://schemas.openxmlformats.org/officeDocument/2006/relationships" xmlns:p="http://schemas.openxmlformats.org/presentationml/2006/main">
-  <p:cSld>
-    <p:spTree>
-      <p:nvGrpSpPr>
-        <p:cNvPr id="1" name=""/>
-        <p:cNvGrpSpPr/>
-        <p:nvPr/>
-      </p:nvGrpSpPr>
-      <p:grpSpPr>
-        <a:xfrm>
-          <a:off x="0" y="0"/>
-          <a:ext cx="0" cy="0"/>
-          <a:chOff x="0" y="0"/>
-          <a:chExt cx="0" cy="0"/>
-        </a:xfrm>
-      </p:grpSpPr>
-      <p:sp>
-        <p:nvSpPr>
-          <p:cNvPr id="137218" name="Rectangle 2"/>
-          <p:cNvSpPr>
-            <a:spLocks noGrp="1" noChangeArrowheads="1"/>
-          </p:cNvSpPr>
-          <p:nvPr>
-            <p:ph type="title"/>
-          </p:nvPr>
-        </p:nvSpPr>
-        <p:spPr>
-          <a:xfrm>
-            <a:off x="1981200" y="0"/>
-            <a:ext cx="8229600" cy="639762"/>
-          </a:xfrm>
-        </p:spPr>
-        <p:txBody>
-          <a:bodyPr/>
-          <a:lstStyle/>
-          <a:p>
-            <a:r>
-              <a:rPr lang="en-US" dirty="0"/>
-              <a:t>Some incorrect CPS code</a:t>
-            </a:r>
-          </a:p>
-        </p:txBody>
-      </p:sp>
-      <p:sp>
-        <p:nvSpPr>
-          <p:cNvPr id="137219" name="Rectangle 3"/>
-          <p:cNvSpPr>
-            <a:spLocks noGrp="1" noChangeArrowheads="1"/>
-          </p:cNvSpPr>
-          <p:nvPr>
-            <p:ph type="body" idx="1"/>
-          </p:nvPr>
-        </p:nvSpPr>
-        <p:spPr>
-          <a:xfrm>
-            <a:off x="1524000" y="838200"/>
-            <a:ext cx="9144000" cy="5562600"/>
-          </a:xfrm>
-        </p:spPr>
-        <p:txBody>
-          <a:bodyPr/>
-          <a:lstStyle/>
-          <a:p>
-            <a:pPr>
-              <a:lnSpc>
-                <a:spcPct val="95000"/>
-              </a:lnSpc>
-              <a:spcBef>
-                <a:spcPct val="0"/>
-              </a:spcBef>
-              <a:buFontTx/>
-              <a:buNone/>
-            </a:pPr>
-            <a:r>
-              <a:rPr lang="en-US" sz="1800" b="1" dirty="0">
-                <a:latin typeface="Courier New" pitchFamily="49" charset="0"/>
-              </a:rPr>
-              <a:t>(define identity (make-k (lambda (k) k)))</a:t>
-            </a:r>
-          </a:p>
-          <a:p>
-            <a:pPr>
-              <a:lnSpc>
-                <a:spcPct val="95000"/>
-              </a:lnSpc>
-              <a:spcBef>
-                <a:spcPct val="0"/>
-              </a:spcBef>
-              <a:buFontTx/>
-              <a:buNone/>
-            </a:pPr>
-            <a:r>
-              <a:rPr lang="en-US" sz="1800" b="1" dirty="0">
-                <a:latin typeface="Courier New" pitchFamily="49" charset="0"/>
-              </a:rPr>
-              <a:t>(define matrix?-cps</a:t>
-            </a:r>
-          </a:p>
-          <a:p>
-            <a:pPr>
-              <a:lnSpc>
-                <a:spcPct val="95000"/>
-              </a:lnSpc>
-              <a:spcBef>
-                <a:spcPct val="0"/>
-              </a:spcBef>
-              <a:buFontTx/>
-              <a:buNone/>
-            </a:pPr>
-            <a:r>
-              <a:rPr lang="en-US" sz="1800" b="1" dirty="0">
-                <a:latin typeface="Courier New" pitchFamily="49" charset="0"/>
-              </a:rPr>
-              <a:t>  (lambda (m k)</a:t>
-            </a:r>
-          </a:p>
-          <a:p>
-            <a:pPr>
-              <a:lnSpc>
-                <a:spcPct val="95000"/>
-              </a:lnSpc>
-              <a:spcBef>
-                <a:spcPct val="0"/>
-              </a:spcBef>
-              <a:buFontTx/>
-              <a:buNone/>
-            </a:pPr>
-            <a:r>
-              <a:rPr lang="en-US" sz="1800" b="1" dirty="0">
-                <a:latin typeface="Courier New" pitchFamily="49" charset="0"/>
-              </a:rPr>
-              <a:t>    (if (list?-cps m identity)</a:t>
-            </a:r>
-          </a:p>
-          <a:p>
-            <a:pPr>
-              <a:lnSpc>
-                <a:spcPct val="95000"/>
-              </a:lnSpc>
-              <a:spcBef>
-                <a:spcPct val="0"/>
-              </a:spcBef>
-              <a:buFontTx/>
-              <a:buNone/>
-            </a:pPr>
-            <a:r>
-              <a:rPr lang="en-US" sz="1800" b="1" dirty="0">
-                <a:latin typeface="Courier New" pitchFamily="49" charset="0"/>
-              </a:rPr>
-              <a:t>        (if (not (null? m))</a:t>
-            </a:r>
-          </a:p>
-          <a:p>
-            <a:pPr>
-              <a:lnSpc>
-                <a:spcPct val="95000"/>
-              </a:lnSpc>
-              <a:spcBef>
-                <a:spcPct val="0"/>
-              </a:spcBef>
-              <a:buFontTx/>
-              <a:buNone/>
-            </a:pPr>
-            <a:r>
-              <a:rPr lang="en-US" sz="1800" b="1" dirty="0">
-                <a:latin typeface="Courier New" pitchFamily="49" charset="0"/>
-              </a:rPr>
-              <a:t>            (if (not (null? (car m)))</a:t>
-            </a:r>
-          </a:p>
-          <a:p>
-            <a:pPr>
-              <a:lnSpc>
-                <a:spcPct val="95000"/>
-              </a:lnSpc>
-              <a:spcBef>
-                <a:spcPct val="0"/>
-              </a:spcBef>
-              <a:buFontTx/>
-              <a:buNone/>
-            </a:pPr>
-            <a:r>
-              <a:rPr lang="en-US" sz="1800" b="1" dirty="0">
-                <a:latin typeface="Courier New" pitchFamily="49" charset="0"/>
-              </a:rPr>
-              <a:t>                (if (</a:t>
-            </a:r>
-            <a:r>
-              <a:rPr lang="en-US" sz="1800" b="1" dirty="0" err="1">
-                <a:latin typeface="Courier New" pitchFamily="49" charset="0"/>
-              </a:rPr>
-              <a:t>andmap</a:t>
-            </a:r>
-            <a:r>
-              <a:rPr lang="en-US" sz="1800" b="1" dirty="0">
-                <a:latin typeface="Courier New" pitchFamily="49" charset="0"/>
-              </a:rPr>
-              <a:t>-cps list?-cps m identity)</a:t>
-            </a:r>
-          </a:p>
-          <a:p>
-            <a:pPr>
-              <a:lnSpc>
-                <a:spcPct val="95000"/>
-              </a:lnSpc>
-              <a:spcBef>
-                <a:spcPct val="0"/>
-              </a:spcBef>
-              <a:buFontTx/>
-              <a:buNone/>
-            </a:pPr>
-            <a:r>
-              <a:rPr lang="en-US" sz="1800" b="1" dirty="0">
-                <a:latin typeface="Courier New" pitchFamily="49" charset="0"/>
-              </a:rPr>
-              <a:t>                    (if (</a:t>
-            </a:r>
-            <a:r>
-              <a:rPr lang="en-US" sz="1800" b="1" dirty="0" err="1">
-                <a:latin typeface="Courier New" pitchFamily="49" charset="0"/>
-              </a:rPr>
-              <a:t>andmap</a:t>
-            </a:r>
-            <a:r>
-              <a:rPr lang="en-US" sz="1800" b="1" dirty="0">
-                <a:latin typeface="Courier New" pitchFamily="49" charset="0"/>
-              </a:rPr>
-              <a:t>-cps </a:t>
-            </a:r>
-          </a:p>
-          <a:p>
-            <a:pPr>
-              <a:lnSpc>
-                <a:spcPct val="95000"/>
-              </a:lnSpc>
-              <a:spcBef>
-                <a:spcPct val="0"/>
-              </a:spcBef>
-              <a:buFontTx/>
-              <a:buNone/>
-            </a:pPr>
-            <a:r>
-              <a:rPr lang="en-US" sz="1800" b="1" dirty="0">
-                <a:latin typeface="Courier New" pitchFamily="49" charset="0"/>
-              </a:rPr>
-              <a:t>                          (make-cps </a:t>
-            </a:r>
-          </a:p>
-          <a:p>
-            <a:pPr>
-              <a:lnSpc>
-                <a:spcPct val="95000"/>
-              </a:lnSpc>
-              <a:spcBef>
-                <a:spcPct val="0"/>
-              </a:spcBef>
-              <a:buFontTx/>
-              <a:buNone/>
-            </a:pPr>
-            <a:r>
-              <a:rPr lang="en-US" sz="1800" b="1" dirty="0">
-                <a:latin typeface="Courier New" pitchFamily="49" charset="0"/>
-              </a:rPr>
-              <a:t>                            (lambda (L)</a:t>
-            </a:r>
-          </a:p>
-          <a:p>
-            <a:pPr>
-              <a:lnSpc>
-                <a:spcPct val="95000"/>
-              </a:lnSpc>
-              <a:spcBef>
-                <a:spcPct val="0"/>
-              </a:spcBef>
-              <a:buFontTx/>
-              <a:buNone/>
-            </a:pPr>
-            <a:r>
-              <a:rPr lang="en-US" sz="1800" b="1" dirty="0">
-                <a:latin typeface="Courier New" pitchFamily="49" charset="0"/>
-              </a:rPr>
-              <a:t>                              (= (length-cps L identity)</a:t>
-            </a:r>
-          </a:p>
-          <a:p>
-            <a:pPr>
-              <a:lnSpc>
-                <a:spcPct val="95000"/>
-              </a:lnSpc>
-              <a:spcBef>
-                <a:spcPct val="0"/>
-              </a:spcBef>
-              <a:buFontTx/>
-              <a:buNone/>
-            </a:pPr>
-            <a:r>
-              <a:rPr lang="en-US" sz="1800" b="1" dirty="0">
-                <a:latin typeface="Courier New" pitchFamily="49" charset="0"/>
-              </a:rPr>
-              <a:t>                                 (length-cps (car m) identity))))</a:t>
-            </a:r>
-          </a:p>
-          <a:p>
-            <a:pPr>
-              <a:lnSpc>
-                <a:spcPct val="95000"/>
-              </a:lnSpc>
-              <a:spcBef>
-                <a:spcPct val="0"/>
-              </a:spcBef>
-              <a:buFontTx/>
-              <a:buNone/>
-            </a:pPr>
-            <a:r>
-              <a:rPr lang="en-US" sz="1800" b="1" dirty="0">
-                <a:latin typeface="Courier New" pitchFamily="49" charset="0"/>
-              </a:rPr>
-              <a:t>                          (cdr m)</a:t>
-            </a:r>
-          </a:p>
-          <a:p>
-            <a:pPr>
-              <a:lnSpc>
-                <a:spcPct val="95000"/>
-              </a:lnSpc>
-              <a:spcBef>
-                <a:spcPct val="0"/>
-              </a:spcBef>
-              <a:buFontTx/>
-              <a:buNone/>
-            </a:pPr>
-            <a:r>
-              <a:rPr lang="en-US" sz="1800" b="1" dirty="0">
-                <a:latin typeface="Courier New" pitchFamily="49" charset="0"/>
-              </a:rPr>
-              <a:t>                          identity)</a:t>
-            </a:r>
-          </a:p>
-          <a:p>
-            <a:pPr>
-              <a:lnSpc>
-                <a:spcPct val="95000"/>
-              </a:lnSpc>
-              <a:spcBef>
-                <a:spcPct val="0"/>
-              </a:spcBef>
-              <a:buFontTx/>
-              <a:buNone/>
-            </a:pPr>
-            <a:r>
-              <a:rPr lang="en-US" sz="1800" b="1" dirty="0">
-                <a:latin typeface="Courier New" pitchFamily="49" charset="0"/>
-              </a:rPr>
-              <a:t>                        (apply-k k #t)</a:t>
-            </a:r>
-          </a:p>
-          <a:p>
-            <a:pPr>
-              <a:lnSpc>
-                <a:spcPct val="95000"/>
-              </a:lnSpc>
-              <a:spcBef>
-                <a:spcPct val="0"/>
-              </a:spcBef>
-              <a:buFontTx/>
-              <a:buNone/>
-            </a:pPr>
-            <a:r>
-              <a:rPr lang="en-US" sz="1800" b="1" dirty="0">
-                <a:latin typeface="Courier New" pitchFamily="49" charset="0"/>
-              </a:rPr>
-              <a:t>                        (apply-k k #f))</a:t>
-            </a:r>
-          </a:p>
-          <a:p>
-            <a:pPr>
-              <a:lnSpc>
-                <a:spcPct val="95000"/>
-              </a:lnSpc>
-              <a:spcBef>
-                <a:spcPct val="0"/>
-              </a:spcBef>
-              <a:buFontTx/>
-              <a:buNone/>
-            </a:pPr>
-            <a:r>
-              <a:rPr lang="en-US" sz="1800" b="1" dirty="0">
-                <a:latin typeface="Courier New" pitchFamily="49" charset="0"/>
-              </a:rPr>
-              <a:t>                    (apply-k k #f))</a:t>
-            </a:r>
-          </a:p>
-          <a:p>
-            <a:pPr>
-              <a:lnSpc>
-                <a:spcPct val="95000"/>
-              </a:lnSpc>
-              <a:spcBef>
-                <a:spcPct val="0"/>
-              </a:spcBef>
-              <a:buFontTx/>
-              <a:buNone/>
-            </a:pPr>
-            <a:r>
-              <a:rPr lang="en-US" sz="1800" b="1" dirty="0">
-                <a:latin typeface="Courier New" pitchFamily="49" charset="0"/>
-              </a:rPr>
-              <a:t>                (apply-k k #f))</a:t>
-            </a:r>
-          </a:p>
-          <a:p>
-            <a:pPr>
-              <a:lnSpc>
-                <a:spcPct val="95000"/>
-              </a:lnSpc>
-              <a:spcBef>
-                <a:spcPct val="0"/>
-              </a:spcBef>
-              <a:buFontTx/>
-              <a:buNone/>
-            </a:pPr>
-            <a:r>
-              <a:rPr lang="en-US" sz="1800" b="1" dirty="0">
-                <a:latin typeface="Courier New" pitchFamily="49" charset="0"/>
-              </a:rPr>
-              <a:t>            (apply-k k #f))</a:t>
-            </a:r>
-          </a:p>
-          <a:p>
-            <a:pPr>
-              <a:lnSpc>
-                <a:spcPct val="95000"/>
-              </a:lnSpc>
-              <a:spcBef>
-                <a:spcPct val="0"/>
-              </a:spcBef>
-              <a:buFontTx/>
-              <a:buNone/>
-            </a:pPr>
-            <a:r>
-              <a:rPr lang="en-US" sz="1800" b="1" dirty="0">
-                <a:latin typeface="Courier New" pitchFamily="49" charset="0"/>
-              </a:rPr>
-              <a:t>        (apply-k k #f))))</a:t>
-            </a:r>
-          </a:p>
-          <a:p>
-            <a:pPr>
-              <a:lnSpc>
-                <a:spcPct val="95000"/>
-              </a:lnSpc>
-              <a:spcBef>
-                <a:spcPct val="0"/>
-              </a:spcBef>
-              <a:buFontTx/>
-              <a:buNone/>
-            </a:pPr>
-            <a:endParaRPr lang="en-US" sz="1800" b="1" dirty="0">
-              <a:latin typeface="Courier New" pitchFamily="49" charset="0"/>
-            </a:endParaRPr>
-          </a:p>
-        </p:txBody>
-      </p:sp>
-      <p:sp>
-        <p:nvSpPr>
-          <p:cNvPr id="2" name="TextBox 1"/>
-          <p:cNvSpPr txBox="1"/>
-          <p:nvPr/>
-        </p:nvSpPr>
-        <p:spPr>
-          <a:xfrm>
-            <a:off x="1981200" y="2927003"/>
-            <a:ext cx="2800350" cy="1384995"/>
-          </a:xfrm>
-          <a:prstGeom prst="rect">
-            <a:avLst/>
-          </a:prstGeom>
-          <a:noFill/>
-        </p:spPr>
-        <p:txBody>
-          <a:bodyPr wrap="square" rtlCol="0">
-            <a:spAutoFit/>
-          </a:bodyPr>
-          <a:lstStyle/>
-          <a:p>
-            <a:r>
-              <a:rPr lang="en-US" sz="2100" b="1" dirty="0">
-                <a:solidFill>
-                  <a:srgbClr val="CC0097"/>
-                </a:solidFill>
-              </a:rPr>
-              <a:t>Which call(s) to non-primitive procedures is/are not in tail-position? </a:t>
-            </a:r>
-            <a:endParaRPr lang="en-US" dirty="0"/>
-          </a:p>
-        </p:txBody>
-      </p:sp>
-    </p:spTree>
-    <p:extLst>
-      <p:ext uri="{BB962C8B-B14F-4D97-AF65-F5344CB8AC3E}">
-        <p14:creationId xmlns:p14="http://schemas.microsoft.com/office/powerpoint/2010/main" val="3211893545"/>
-      </p:ext>
-    </p:extLst>
-  </p:cSld>
-  <p:clrMapOvr>
-    <a:masterClrMapping/>
-  </p:clrMapOvr>
-</p:sld>
-</file>
-
-<file path=ppt/slides/slide6.xml><?xml version="1.0" encoding="utf-8"?>
-<p:sld xmlns:a="http://schemas.openxmlformats.org/drawingml/2006/main" xmlns:r="http://schemas.openxmlformats.org/officeDocument/2006/relationships" xmlns:p="http://schemas.openxmlformats.org/presentationml/2006/main">
-  <p:cSld>
-    <p:spTree>
-      <p:nvGrpSpPr>
-        <p:cNvPr id="1" name=""/>
-        <p:cNvGrpSpPr/>
-        <p:nvPr/>
-      </p:nvGrpSpPr>
-      <p:grpSpPr>
-        <a:xfrm>
-          <a:off x="0" y="0"/>
-          <a:ext cx="0" cy="0"/>
-          <a:chOff x="0" y="0"/>
-          <a:chExt cx="0" cy="0"/>
-        </a:xfrm>
-      </p:grpSpPr>
-      <p:sp>
-        <p:nvSpPr>
-          <p:cNvPr id="139266" name="Rectangle 2"/>
-          <p:cNvSpPr>
-            <a:spLocks noGrp="1" noChangeArrowheads="1"/>
-          </p:cNvSpPr>
-          <p:nvPr>
-            <p:ph type="title"/>
-          </p:nvPr>
-        </p:nvSpPr>
-        <p:spPr>
-          <a:xfrm>
-            <a:off x="3009900" y="-228600"/>
-            <a:ext cx="6972300" cy="857250"/>
-          </a:xfrm>
-        </p:spPr>
-        <p:txBody>
-          <a:bodyPr/>
-          <a:lstStyle/>
-          <a:p>
-            <a:r>
-              <a:rPr lang="en-US" sz="4000" dirty="0"/>
-              <a:t>Some incorrect CPS code</a:t>
-            </a:r>
-          </a:p>
-        </p:txBody>
-      </p:sp>
-      <p:sp>
-        <p:nvSpPr>
-          <p:cNvPr id="139267" name="Rectangle 3"/>
-          <p:cNvSpPr>
-            <a:spLocks noGrp="1" noChangeArrowheads="1"/>
-          </p:cNvSpPr>
-          <p:nvPr>
-            <p:ph type="body" idx="1"/>
-          </p:nvPr>
-        </p:nvSpPr>
-        <p:spPr>
-          <a:xfrm>
-            <a:off x="1447800" y="552450"/>
-            <a:ext cx="9677400" cy="5772150"/>
-          </a:xfrm>
-        </p:spPr>
-        <p:txBody>
-          <a:bodyPr>
-            <a:noAutofit/>
-          </a:bodyPr>
-          <a:lstStyle/>
-          <a:p>
-            <a:pPr>
-              <a:lnSpc>
-                <a:spcPct val="95000"/>
-              </a:lnSpc>
-              <a:spcBef>
-                <a:spcPct val="0"/>
-              </a:spcBef>
-              <a:buFontTx/>
-              <a:buNone/>
-            </a:pPr>
-            <a:r>
-              <a:rPr lang="en-US" sz="1800" b="1" dirty="0">
-                <a:latin typeface="Courier New" pitchFamily="49" charset="0"/>
-              </a:rPr>
-              <a:t>(define matrix?-cps</a:t>
-            </a:r>
-          </a:p>
-          <a:p>
-            <a:pPr>
-              <a:lnSpc>
-                <a:spcPct val="95000"/>
-              </a:lnSpc>
-              <a:spcBef>
-                <a:spcPct val="0"/>
-              </a:spcBef>
-              <a:buFontTx/>
-              <a:buNone/>
-            </a:pPr>
-            <a:r>
-              <a:rPr lang="en-US" sz="1800" b="1" dirty="0">
-                <a:latin typeface="Courier New" pitchFamily="49" charset="0"/>
-              </a:rPr>
-              <a:t>  (lambda (</a:t>
-            </a:r>
-            <a:r>
-              <a:rPr lang="en-US" sz="1800" b="1" dirty="0" err="1">
-                <a:latin typeface="Courier New" pitchFamily="49" charset="0"/>
-              </a:rPr>
-              <a:t>ls</a:t>
-            </a:r>
-            <a:r>
-              <a:rPr lang="en-US" sz="1800" b="1" dirty="0">
-                <a:latin typeface="Courier New" pitchFamily="49" charset="0"/>
-              </a:rPr>
-              <a:t> k)</a:t>
-            </a:r>
-          </a:p>
-          <a:p>
-            <a:pPr>
-              <a:lnSpc>
-                <a:spcPct val="95000"/>
-              </a:lnSpc>
-              <a:spcBef>
-                <a:spcPct val="0"/>
-              </a:spcBef>
-              <a:buFontTx/>
-              <a:buNone/>
-            </a:pPr>
-            <a:r>
-              <a:rPr lang="en-US" sz="1800" b="1" dirty="0">
-                <a:latin typeface="Courier New" pitchFamily="49" charset="0"/>
-              </a:rPr>
-              <a:t>    (if (not (list?-cps </a:t>
-            </a:r>
-            <a:r>
-              <a:rPr lang="en-US" sz="1800" b="1" dirty="0" err="1">
-                <a:latin typeface="Courier New" pitchFamily="49" charset="0"/>
-              </a:rPr>
-              <a:t>ls</a:t>
-            </a:r>
-            <a:r>
-              <a:rPr lang="en-US" sz="1800" b="1" dirty="0">
-                <a:latin typeface="Courier New" pitchFamily="49" charset="0"/>
-              </a:rPr>
-              <a:t> </a:t>
-            </a:r>
-          </a:p>
-          <a:p>
-            <a:pPr>
-              <a:lnSpc>
-                <a:spcPct val="95000"/>
-              </a:lnSpc>
-              <a:spcBef>
-                <a:spcPct val="0"/>
-              </a:spcBef>
-              <a:buFontTx/>
-              <a:buNone/>
-            </a:pPr>
-            <a:r>
-              <a:rPr lang="en-US" sz="1800" b="1" dirty="0">
-                <a:latin typeface="Courier New" pitchFamily="49" charset="0"/>
-              </a:rPr>
-              <a:t>                        (make-k (lambda (v) v))))</a:t>
-            </a:r>
-          </a:p>
-          <a:p>
-            <a:pPr>
-              <a:lnSpc>
-                <a:spcPct val="95000"/>
-              </a:lnSpc>
-              <a:spcBef>
-                <a:spcPct val="0"/>
-              </a:spcBef>
-              <a:buFontTx/>
-              <a:buNone/>
-            </a:pPr>
-            <a:r>
-              <a:rPr lang="en-US" sz="1800" b="1" dirty="0">
-                <a:latin typeface="Courier New" pitchFamily="49" charset="0"/>
-              </a:rPr>
-              <a:t>      (apply-k k #f)</a:t>
-            </a:r>
-          </a:p>
-          <a:p>
-            <a:pPr>
-              <a:lnSpc>
-                <a:spcPct val="95000"/>
-              </a:lnSpc>
-              <a:spcBef>
-                <a:spcPct val="0"/>
-              </a:spcBef>
-              <a:buFontTx/>
-              <a:buNone/>
-            </a:pPr>
-            <a:r>
-              <a:rPr lang="en-US" sz="1800" b="1" dirty="0">
-                <a:latin typeface="Courier New" pitchFamily="49" charset="0"/>
-              </a:rPr>
-              <a:t>      (if (null? </a:t>
-            </a:r>
-            <a:r>
-              <a:rPr lang="en-US" sz="1800" b="1" dirty="0" err="1">
-                <a:latin typeface="Courier New" pitchFamily="49" charset="0"/>
-              </a:rPr>
-              <a:t>ls</a:t>
-            </a:r>
-            <a:r>
-              <a:rPr lang="en-US" sz="1800" b="1" dirty="0">
-                <a:latin typeface="Courier New" pitchFamily="49" charset="0"/>
-              </a:rPr>
-              <a:t>)</a:t>
-            </a:r>
-          </a:p>
-          <a:p>
-            <a:pPr>
-              <a:lnSpc>
-                <a:spcPct val="95000"/>
-              </a:lnSpc>
-              <a:spcBef>
-                <a:spcPct val="0"/>
-              </a:spcBef>
-              <a:buFontTx/>
-              <a:buNone/>
-            </a:pPr>
-            <a:r>
-              <a:rPr lang="en-US" sz="1800" b="1" dirty="0">
-                <a:latin typeface="Courier New" pitchFamily="49" charset="0"/>
-              </a:rPr>
-              <a:t>        (apply-k k #f)</a:t>
-            </a:r>
-          </a:p>
-          <a:p>
-            <a:pPr>
-              <a:lnSpc>
-                <a:spcPct val="95000"/>
-              </a:lnSpc>
-              <a:spcBef>
-                <a:spcPct val="0"/>
-              </a:spcBef>
-              <a:buFontTx/>
-              <a:buNone/>
-            </a:pPr>
-            <a:r>
-              <a:rPr lang="en-US" sz="1800" b="1" dirty="0">
-                <a:latin typeface="Courier New" pitchFamily="49" charset="0"/>
-              </a:rPr>
-              <a:t>        (if (null? (car </a:t>
-            </a:r>
-            <a:r>
-              <a:rPr lang="en-US" sz="1800" b="1" dirty="0" err="1">
-                <a:latin typeface="Courier New" pitchFamily="49" charset="0"/>
-              </a:rPr>
-              <a:t>ls</a:t>
-            </a:r>
-            <a:r>
-              <a:rPr lang="en-US" sz="1800" b="1" dirty="0">
-                <a:latin typeface="Courier New" pitchFamily="49" charset="0"/>
-              </a:rPr>
-              <a:t>))</a:t>
-            </a:r>
-          </a:p>
-          <a:p>
-            <a:pPr>
-              <a:lnSpc>
-                <a:spcPct val="95000"/>
-              </a:lnSpc>
-              <a:spcBef>
-                <a:spcPct val="0"/>
-              </a:spcBef>
-              <a:buFontTx/>
-              <a:buNone/>
-            </a:pPr>
-            <a:r>
-              <a:rPr lang="en-US" sz="1800" b="1" dirty="0">
-                <a:latin typeface="Courier New" pitchFamily="49" charset="0"/>
-              </a:rPr>
-              <a:t>          (apply-k k #f)</a:t>
-            </a:r>
-          </a:p>
-          <a:p>
-            <a:pPr>
-              <a:lnSpc>
-                <a:spcPct val="95000"/>
-              </a:lnSpc>
-              <a:spcBef>
-                <a:spcPct val="0"/>
-              </a:spcBef>
-              <a:buFontTx/>
-              <a:buNone/>
-            </a:pPr>
-            <a:r>
-              <a:rPr lang="en-US" sz="1800" b="1" dirty="0">
-                <a:latin typeface="Courier New" pitchFamily="49" charset="0"/>
-              </a:rPr>
-              <a:t>          (if (not (</a:t>
-            </a:r>
-            <a:r>
-              <a:rPr lang="en-US" sz="1800" b="1" dirty="0" err="1">
-                <a:latin typeface="Courier New" pitchFamily="49" charset="0"/>
-              </a:rPr>
-              <a:t>andmap</a:t>
-            </a:r>
-            <a:r>
-              <a:rPr lang="en-US" sz="1800" b="1" dirty="0">
-                <a:latin typeface="Courier New" pitchFamily="49" charset="0"/>
-              </a:rPr>
-              <a:t>-cps list?-cps </a:t>
-            </a:r>
-            <a:r>
-              <a:rPr lang="en-US" sz="1800" b="1" dirty="0" err="1">
-                <a:latin typeface="Courier New" pitchFamily="49" charset="0"/>
-              </a:rPr>
-              <a:t>ls</a:t>
-            </a:r>
-            <a:r>
-              <a:rPr lang="en-US" sz="1800" b="1" dirty="0">
-                <a:latin typeface="Courier New" pitchFamily="49" charset="0"/>
-              </a:rPr>
-              <a:t> </a:t>
-            </a:r>
-          </a:p>
-          <a:p>
-            <a:pPr>
-              <a:lnSpc>
-                <a:spcPct val="95000"/>
-              </a:lnSpc>
-              <a:spcBef>
-                <a:spcPct val="0"/>
-              </a:spcBef>
-              <a:buFontTx/>
-              <a:buNone/>
-            </a:pPr>
-            <a:r>
-              <a:rPr lang="en-US" sz="1800" b="1" dirty="0">
-                <a:latin typeface="Courier New" pitchFamily="49" charset="0"/>
-              </a:rPr>
-              <a:t>                                  (make-k (lambda (v) v))))</a:t>
-            </a:r>
-          </a:p>
-          <a:p>
-            <a:pPr>
-              <a:lnSpc>
-                <a:spcPct val="95000"/>
-              </a:lnSpc>
-              <a:spcBef>
-                <a:spcPct val="0"/>
-              </a:spcBef>
-              <a:buFontTx/>
-              <a:buNone/>
-            </a:pPr>
-            <a:r>
-              <a:rPr lang="en-US" sz="1800" b="1" dirty="0">
-                <a:latin typeface="Courier New" pitchFamily="49" charset="0"/>
-              </a:rPr>
-              <a:t>            (apply-k k #f)</a:t>
-            </a:r>
-          </a:p>
-          <a:p>
-            <a:pPr>
-              <a:lnSpc>
-                <a:spcPct val="95000"/>
-              </a:lnSpc>
-              <a:spcBef>
-                <a:spcPct val="0"/>
-              </a:spcBef>
-              <a:buFontTx/>
-              <a:buNone/>
-            </a:pPr>
-            <a:r>
-              <a:rPr lang="en-US" sz="1800" b="1" dirty="0">
-                <a:latin typeface="Courier New" pitchFamily="49" charset="0"/>
-              </a:rPr>
-              <a:t>            (if (not (</a:t>
-            </a:r>
-            <a:r>
-              <a:rPr lang="en-US" sz="1800" b="1" dirty="0" err="1">
-                <a:latin typeface="Courier New" pitchFamily="49" charset="0"/>
-              </a:rPr>
-              <a:t>andmap</a:t>
-            </a:r>
-            <a:r>
-              <a:rPr lang="en-US" sz="1800" b="1" dirty="0">
-                <a:latin typeface="Courier New" pitchFamily="49" charset="0"/>
-              </a:rPr>
-              <a:t>-cps </a:t>
-            </a:r>
-          </a:p>
-          <a:p>
-            <a:pPr>
-              <a:lnSpc>
-                <a:spcPct val="95000"/>
-              </a:lnSpc>
-              <a:spcBef>
-                <a:spcPct val="0"/>
-              </a:spcBef>
-              <a:buFontTx/>
-              <a:buNone/>
-            </a:pPr>
-            <a:r>
-              <a:rPr lang="en-US" sz="1800" b="1" dirty="0">
-                <a:latin typeface="Courier New" pitchFamily="49" charset="0"/>
-              </a:rPr>
-              <a:t>                       (make-cps</a:t>
-            </a:r>
-          </a:p>
-          <a:p>
-            <a:pPr>
-              <a:lnSpc>
-                <a:spcPct val="95000"/>
-              </a:lnSpc>
-              <a:spcBef>
-                <a:spcPct val="0"/>
-              </a:spcBef>
-              <a:buFontTx/>
-              <a:buNone/>
-            </a:pPr>
-            <a:r>
-              <a:rPr lang="en-US" sz="1800" b="1" dirty="0">
-                <a:latin typeface="Courier New" pitchFamily="49" charset="0"/>
-              </a:rPr>
-              <a:t>                         (lambda (L)</a:t>
-            </a:r>
-          </a:p>
-          <a:p>
-            <a:pPr>
-              <a:lnSpc>
-                <a:spcPct val="95000"/>
-              </a:lnSpc>
-              <a:spcBef>
-                <a:spcPct val="0"/>
-              </a:spcBef>
-              <a:buFontTx/>
-              <a:buNone/>
-            </a:pPr>
-            <a:r>
-              <a:rPr lang="en-US" sz="1800" b="1" dirty="0">
-                <a:latin typeface="Courier New" pitchFamily="49" charset="0"/>
-              </a:rPr>
-              <a:t>                          (length-cps L </a:t>
-            </a:r>
-          </a:p>
-          <a:p>
-            <a:pPr>
-              <a:lnSpc>
-                <a:spcPct val="95000"/>
-              </a:lnSpc>
-              <a:spcBef>
-                <a:spcPct val="0"/>
-              </a:spcBef>
-              <a:buFontTx/>
-              <a:buNone/>
-            </a:pPr>
-            <a:r>
-              <a:rPr lang="en-US" sz="1800" b="1" dirty="0">
-                <a:latin typeface="Courier New" pitchFamily="49" charset="0"/>
-              </a:rPr>
-              <a:t>                            (lambda (v)</a:t>
-            </a:r>
-          </a:p>
-          <a:p>
-            <a:pPr>
-              <a:lnSpc>
-                <a:spcPct val="95000"/>
-              </a:lnSpc>
-              <a:spcBef>
-                <a:spcPct val="0"/>
-              </a:spcBef>
-              <a:buFontTx/>
-              <a:buNone/>
-            </a:pPr>
-            <a:r>
-              <a:rPr lang="en-US" sz="1800" b="1" dirty="0">
-                <a:latin typeface="Courier New" pitchFamily="49" charset="0"/>
-              </a:rPr>
-              <a:t>                              (= v (length-cps (car </a:t>
-            </a:r>
-            <a:r>
-              <a:rPr lang="en-US" sz="1800" b="1" dirty="0" err="1">
-                <a:latin typeface="Courier New" pitchFamily="49" charset="0"/>
-              </a:rPr>
-              <a:t>ls</a:t>
-            </a:r>
-            <a:r>
-              <a:rPr lang="en-US" sz="1800" b="1" dirty="0">
-                <a:latin typeface="Courier New" pitchFamily="49" charset="0"/>
-              </a:rPr>
-              <a:t>)</a:t>
-            </a:r>
-          </a:p>
-          <a:p>
-            <a:pPr>
-              <a:lnSpc>
-                <a:spcPct val="95000"/>
-              </a:lnSpc>
-              <a:spcBef>
-                <a:spcPct val="0"/>
-              </a:spcBef>
-              <a:buFontTx/>
-              <a:buNone/>
-            </a:pPr>
-            <a:r>
-              <a:rPr lang="en-US" sz="1800" b="1" dirty="0">
-                <a:latin typeface="Courier New" pitchFamily="49" charset="0"/>
-              </a:rPr>
-              <a:t>                                     (make-k (lambda (v) v))))))))</a:t>
-            </a:r>
-          </a:p>
-          <a:p>
-            <a:pPr>
-              <a:lnSpc>
-                <a:spcPct val="95000"/>
-              </a:lnSpc>
-              <a:spcBef>
-                <a:spcPct val="0"/>
-              </a:spcBef>
-              <a:buFontTx/>
-              <a:buNone/>
-            </a:pPr>
-            <a:r>
-              <a:rPr lang="en-US" sz="1800" b="1" dirty="0">
-                <a:latin typeface="Courier New" pitchFamily="49" charset="0"/>
-              </a:rPr>
-              <a:t>                       (cdr </a:t>
-            </a:r>
-            <a:r>
-              <a:rPr lang="en-US" sz="1800" b="1" dirty="0" err="1">
-                <a:latin typeface="Courier New" pitchFamily="49" charset="0"/>
-              </a:rPr>
-              <a:t>ls</a:t>
-            </a:r>
-            <a:r>
-              <a:rPr lang="en-US" sz="1800" b="1" dirty="0">
-                <a:latin typeface="Courier New" pitchFamily="49" charset="0"/>
-              </a:rPr>
-              <a:t>)</a:t>
-            </a:r>
-          </a:p>
-          <a:p>
-            <a:pPr>
-              <a:lnSpc>
-                <a:spcPct val="95000"/>
-              </a:lnSpc>
-              <a:spcBef>
-                <a:spcPct val="0"/>
-              </a:spcBef>
-              <a:buFontTx/>
-              <a:buNone/>
-            </a:pPr>
-            <a:r>
-              <a:rPr lang="en-US" sz="1800" b="1" dirty="0">
-                <a:latin typeface="Courier New" pitchFamily="49" charset="0"/>
-              </a:rPr>
-              <a:t>                       (lambda (v) v)))</a:t>
-            </a:r>
-          </a:p>
-          <a:p>
-            <a:pPr>
-              <a:lnSpc>
-                <a:spcPct val="95000"/>
-              </a:lnSpc>
-              <a:spcBef>
-                <a:spcPct val="0"/>
-              </a:spcBef>
-              <a:buFontTx/>
-              <a:buNone/>
-            </a:pPr>
-            <a:r>
-              <a:rPr lang="en-US" sz="1800" b="1" dirty="0">
-                <a:latin typeface="Courier New" pitchFamily="49" charset="0"/>
-              </a:rPr>
-              <a:t>               (apply-k k #f)</a:t>
-            </a:r>
-          </a:p>
-          <a:p>
-            <a:pPr>
-              <a:lnSpc>
-                <a:spcPct val="95000"/>
-              </a:lnSpc>
-              <a:spcBef>
-                <a:spcPct val="0"/>
-              </a:spcBef>
-              <a:buFontTx/>
-              <a:buNone/>
-            </a:pPr>
-            <a:r>
-              <a:rPr lang="en-US" sz="1800" b="1" dirty="0">
-                <a:latin typeface="Courier New" pitchFamily="49" charset="0"/>
-              </a:rPr>
-              <a:t>               (apply-k k #t))))))))</a:t>
-            </a:r>
-          </a:p>
-        </p:txBody>
-      </p:sp>
-      <p:sp>
-        <p:nvSpPr>
-          <p:cNvPr id="4" name="TextBox 3"/>
-          <p:cNvSpPr txBox="1"/>
-          <p:nvPr/>
-        </p:nvSpPr>
-        <p:spPr>
-          <a:xfrm>
-            <a:off x="8230705" y="517358"/>
-            <a:ext cx="2320990" cy="1708160"/>
-          </a:xfrm>
-          <a:prstGeom prst="rect">
-            <a:avLst/>
-          </a:prstGeom>
-          <a:noFill/>
-        </p:spPr>
-        <p:txBody>
-          <a:bodyPr wrap="square" rtlCol="0">
-            <a:spAutoFit/>
-          </a:bodyPr>
-          <a:lstStyle/>
-          <a:p>
-            <a:r>
-              <a:rPr lang="en-US" sz="2100" b="1" dirty="0">
-                <a:solidFill>
-                  <a:srgbClr val="CC0097"/>
-                </a:solidFill>
-              </a:rPr>
-              <a:t>Which call(s) to non-primitive procedures is/are not in tail-position? </a:t>
-            </a:r>
-            <a:endParaRPr lang="en-US" dirty="0"/>
-          </a:p>
-        </p:txBody>
-      </p:sp>
-      <p:sp>
-        <p:nvSpPr>
-          <p:cNvPr id="5" name="TextBox 4"/>
-          <p:cNvSpPr txBox="1"/>
-          <p:nvPr/>
-        </p:nvSpPr>
-        <p:spPr>
-          <a:xfrm>
-            <a:off x="1717610" y="4004084"/>
-            <a:ext cx="2320990" cy="2308324"/>
-          </a:xfrm>
-          <a:prstGeom prst="rect">
-            <a:avLst/>
-          </a:prstGeom>
-          <a:noFill/>
-        </p:spPr>
-        <p:txBody>
-          <a:bodyPr wrap="square" rtlCol="0">
-            <a:spAutoFit/>
-          </a:bodyPr>
-          <a:lstStyle/>
-          <a:p>
-            <a:r>
-              <a:rPr lang="en-US" sz="2100" b="1" dirty="0">
-                <a:solidFill>
-                  <a:srgbClr val="C42EAD"/>
-                </a:solidFill>
-              </a:rPr>
-              <a:t>What is common to all of the non-tail recursion "CPS calls" in all of these examples?</a:t>
-            </a:r>
-          </a:p>
-          <a:p>
-            <a:endParaRPr lang="en-US" dirty="0"/>
-          </a:p>
-        </p:txBody>
-      </p:sp>
-    </p:spTree>
-    <p:extLst>
-      <p:ext uri="{BB962C8B-B14F-4D97-AF65-F5344CB8AC3E}">
-        <p14:creationId xmlns:p14="http://schemas.microsoft.com/office/powerpoint/2010/main" val="3503281128"/>
-      </p:ext>
-    </p:extLst>
-  </p:cSld>
-  <p:clrMapOvr>
-    <a:masterClrMapping/>
-  </p:clrMapOvr>
-  <p:timing>
-    <p:tnLst>
-      <p:par>
-        <p:cTn id="1" dur="indefinite" restart="never" nodeType="tmRoot">
-          <p:childTnLst>
-            <p:seq concurrent="1" nextAc="seek">
-              <p:cTn id="2" dur="indefinite" nodeType="mainSeq">
-                <p:childTnLst>
-                  <p:par>
-                    <p:cTn id="3" fill="hold">
-                      <p:stCondLst>
-                        <p:cond delay="indefinite"/>
-                      </p:stCondLst>
-                      <p:childTnLst>
-                        <p:par>
-                          <p:cTn id="4" fill="hold">
-                            <p:stCondLst>
-                              <p:cond delay="0"/>
-                            </p:stCondLst>
-                            <p:childTnLst>
-                              <p:par>
-                                <p:cTn id="5" presetID="1" presetClass="entr" presetSubtype="0" fill="hold" grpId="0" nodeType="clickEffect">
-                                  <p:stCondLst>
-                                    <p:cond delay="0"/>
-                                  </p:stCondLst>
-                                  <p:childTnLst>
-                                    <p:set>
-                                      <p:cBhvr>
-                                        <p:cTn id="6" dur="1" fill="hold">
-                                          <p:stCondLst>
-                                            <p:cond delay="0"/>
-                                          </p:stCondLst>
-                                        </p:cTn>
-                                        <p:tgtEl>
-                                          <p:spTgt spid="5"/>
-                                        </p:tgtEl>
-                                        <p:attrNameLst>
-                                          <p:attrName>style.visibility</p:attrName>
-                                        </p:attrNameLst>
-                                      </p:cBhvr>
-                                      <p:to>
-                                        <p:strVal val="visible"/>
-                                      </p:to>
-                                    </p:set>
-                                  </p:childTnLst>
-                                </p:cTn>
-                              </p:par>
-                            </p:childTnLst>
-                          </p:cTn>
-                        </p:par>
-                      </p:childTnLst>
-                    </p:cTn>
-                  </p:par>
-                </p:childTnLst>
-              </p:cTn>
-              <p:prevCondLst>
-                <p:cond evt="onPrev" delay="0">
-                  <p:tgtEl>
-                    <p:sldTgt/>
-                  </p:tgtEl>
-                </p:cond>
-              </p:prevCondLst>
-              <p:nextCondLst>
-                <p:cond evt="onNext" delay="0">
-                  <p:tgtEl>
-                    <p:sldTgt/>
-                  </p:tgtEl>
-                </p:cond>
-              </p:nextCondLst>
-            </p:seq>
-          </p:childTnLst>
-        </p:cTn>
-      </p:par>
-    </p:tnLst>
-    <p:bldLst>
-      <p:bldP spid="5" grpId="0"/>
-    </p:bldLst>
-  </p:timing>
-</p:sld>
-</file>
-
-<file path=ppt/slides/slide7.xml><?xml version="1.0" encoding="utf-8"?>
-<p:sld xmlns:a="http://schemas.openxmlformats.org/drawingml/2006/main" xmlns:r="http://schemas.openxmlformats.org/officeDocument/2006/relationships" xmlns:p="http://schemas.openxmlformats.org/presentationml/2006/main">
-  <p:cSld>
-    <p:spTree>
-      <p:nvGrpSpPr>
-        <p:cNvPr id="1" name=""/>
-        <p:cNvGrpSpPr/>
-        <p:nvPr/>
-      </p:nvGrpSpPr>
-      <p:grpSpPr>
-        <a:xfrm>
-          <a:off x="0" y="0"/>
-          <a:ext cx="0" cy="0"/>
-          <a:chOff x="0" y="0"/>
-          <a:chExt cx="0" cy="0"/>
-        </a:xfrm>
-      </p:grpSpPr>
-      <p:sp>
-        <p:nvSpPr>
           <p:cNvPr id="2" name="Title 1"/>
           <p:cNvSpPr>
             <a:spLocks noGrp="1"/>
@@ -12635,7 +8166,7 @@
         </p:nvSpPr>
         <p:spPr>
           <a:xfrm>
-            <a:off x="1981200" y="0"/>
+            <a:off x="1981200" y="-152400"/>
             <a:ext cx="8229600" cy="1143000"/>
           </a:xfrm>
         </p:spPr>
@@ -12645,7 +8176,7 @@
           <a:p>
             <a:r>
               <a:rPr lang="en-US" dirty="0"/>
-              <a:t>CPS and the future of 304</a:t>
+              <a:t>CPS tips</a:t>
             </a:r>
           </a:p>
         </p:txBody>
@@ -12662,87 +8193,74 @@
         </p:nvSpPr>
         <p:spPr>
           <a:xfrm>
-            <a:off x="1981200" y="990601"/>
-            <a:ext cx="8915400" cy="4525963"/>
+            <a:off x="609600" y="762001"/>
+            <a:ext cx="10591800" cy="4525963"/>
           </a:xfrm>
         </p:spPr>
         <p:txBody>
           <a:bodyPr/>
           <a:lstStyle/>
           <a:p>
-            <a:r>
-              <a:rPr lang="en-US" sz="2800" dirty="0"/>
-              <a:t>Practice writing CPS code (A15)</a:t>
-            </a:r>
-          </a:p>
-          <a:p>
-            <a:r>
-              <a:rPr lang="en-US" sz="2800" dirty="0"/>
-              <a:t>Add other features to interpreter (no CPS)  (A16-17)</a:t>
-            </a:r>
-          </a:p>
-          <a:p>
-            <a:r>
-              <a:rPr lang="en-US" sz="2800" dirty="0"/>
-              <a:t>(In class weeks 7-8) Learn how </a:t>
-            </a:r>
-            <a:r>
-              <a:rPr lang="en-US" sz="2800" dirty="0">
-                <a:latin typeface="Courier New" panose="02070309020205020404" pitchFamily="49" charset="0"/>
-                <a:cs typeface="Courier New" panose="02070309020205020404" pitchFamily="49" charset="0"/>
-              </a:rPr>
-              <a:t>call/cc </a:t>
-            </a:r>
-            <a:r>
-              <a:rPr lang="en-US" sz="2800" dirty="0"/>
-              <a:t>works.</a:t>
-            </a:r>
-          </a:p>
-          <a:p>
-            <a:r>
-              <a:rPr lang="en-US" sz="2800" dirty="0"/>
-              <a:t>Convert interpreter to CPS (A 18a)</a:t>
-            </a:r>
-          </a:p>
-          <a:p>
-            <a:pPr lvl="1"/>
-            <a:r>
-              <a:rPr lang="en-US" dirty="0"/>
-              <a:t>Use the data-structures representation of continuations in your interpreter</a:t>
-            </a:r>
-          </a:p>
-          <a:p>
-            <a:r>
-              <a:rPr lang="en-US" sz="2800" dirty="0"/>
-              <a:t>Use CPS interpreter to add </a:t>
-            </a:r>
-            <a:r>
-              <a:rPr lang="en-US" sz="2800" dirty="0">
-                <a:latin typeface="Consolas" panose="020B0609020204030204" pitchFamily="49" charset="0"/>
-                <a:cs typeface="Consolas" panose="020B0609020204030204" pitchFamily="49" charset="0"/>
-              </a:rPr>
-              <a:t>call/cc</a:t>
-            </a:r>
-            <a:r>
-              <a:rPr lang="en-US" sz="2800" dirty="0"/>
-              <a:t> to our interpreted language. (A 18b)</a:t>
-            </a:r>
-          </a:p>
-          <a:p>
-            <a:r>
-              <a:rPr lang="en-US" sz="2800" dirty="0"/>
-              <a:t>Convert CPS code to imperative form, check code for tail form (A 19)</a:t>
-            </a:r>
-          </a:p>
-          <a:p>
-            <a:endParaRPr lang="en-US" dirty="0"/>
+            <a:pPr>
+              <a:spcAft>
+                <a:spcPts val="1200"/>
+              </a:spcAft>
+            </a:pPr>
+            <a:r>
+              <a:rPr lang="en-US" sz="2400" dirty="0"/>
+              <a:t>The goal is to make all substantial procedure calls tail calls</a:t>
+            </a:r>
+          </a:p>
+          <a:p>
+            <a:pPr lvl="1">
+              <a:spcAft>
+                <a:spcPts val="1200"/>
+              </a:spcAft>
+            </a:pPr>
+            <a:r>
+              <a:rPr lang="en-US" sz="2400" dirty="0"/>
+              <a:t>A “substantial” procedure for the exercises is one that we’ve asked you to convert to CPS</a:t>
+            </a:r>
+          </a:p>
+          <a:p>
+            <a:pPr>
+              <a:spcAft>
+                <a:spcPts val="1200"/>
+              </a:spcAft>
+            </a:pPr>
+            <a:r>
+              <a:rPr lang="en-US" sz="2400" dirty="0"/>
+              <a:t>Look for and remove non-tail substantial procedure calls everywhere – in the original procedure, in apply-k, in helper procedures</a:t>
+            </a:r>
+          </a:p>
+          <a:p>
+            <a:pPr>
+              <a:spcAft>
+                <a:spcPts val="1200"/>
+              </a:spcAft>
+            </a:pPr>
+            <a:r>
+              <a:rPr lang="en-US" sz="2400" dirty="0"/>
+              <a:t>You should never create an (</a:t>
+            </a:r>
+            <a:r>
+              <a:rPr lang="en-US" sz="2400" dirty="0" err="1"/>
+              <a:t>init</a:t>
+            </a:r>
+            <a:r>
+              <a:rPr lang="en-US" sz="2400" dirty="0"/>
+              <a:t>-k) continuation yourself, except in test cases and manual testing.  Wanting to do this is an indication you’re trying to call a cps procedure in a non-tail position.</a:t>
+            </a:r>
+          </a:p>
+          <a:p>
+            <a:endParaRPr lang="en-US" sz="2400" dirty="0"/>
           </a:p>
         </p:txBody>
       </p:sp>
     </p:spTree>
     <p:extLst>
       <p:ext uri="{BB962C8B-B14F-4D97-AF65-F5344CB8AC3E}">
-        <p14:creationId xmlns:p14="http://schemas.microsoft.com/office/powerpoint/2010/main" val="679967315"/>
+        <p14:creationId xmlns:p14="http://schemas.microsoft.com/office/powerpoint/2010/main" val="2514954902"/>
       </p:ext>
     </p:extLst>
   </p:cSld>
@@ -12752,7 +8270,7 @@
 </p:sld>
 </file>
 
-<file path=ppt/slides/slide8.xml><?xml version="1.0" encoding="utf-8"?>
+<file path=ppt/slides/slide4.xml><?xml version="1.0" encoding="utf-8"?>
 <p:sld xmlns:a="http://schemas.openxmlformats.org/drawingml/2006/main" xmlns:r="http://schemas.openxmlformats.org/officeDocument/2006/relationships" xmlns:p="http://schemas.openxmlformats.org/presentationml/2006/main">
   <p:cSld>
     <p:spTree>
@@ -12993,7 +8511,7 @@
 </p:sld>
 </file>
 
-<file path=ppt/slides/slide9.xml><?xml version="1.0" encoding="utf-8"?>
+<file path=ppt/slides/slide5.xml><?xml version="1.0" encoding="utf-8"?>
 <p:sld xmlns:a="http://schemas.openxmlformats.org/drawingml/2006/main" xmlns:r="http://schemas.openxmlformats.org/officeDocument/2006/relationships" xmlns:p="http://schemas.openxmlformats.org/presentationml/2006/main" showMasterPhAnim="0">
   <p:cSld>
     <p:spTree>
@@ -13663,6 +9181,2221 @@
     <p:bldLst>
       <p:bldP spid="62467" grpId="0" build="p"/>
       <p:bldP spid="4" grpId="0"/>
+    </p:bldLst>
+  </p:timing>
+</p:sld>
+</file>
+
+<file path=ppt/slides/slide6.xml><?xml version="1.0" encoding="utf-8"?>
+<p:sld xmlns:a="http://schemas.openxmlformats.org/drawingml/2006/main" xmlns:r="http://schemas.openxmlformats.org/officeDocument/2006/relationships" xmlns:p="http://schemas.openxmlformats.org/presentationml/2006/main">
+  <p:cSld>
+    <p:spTree>
+      <p:nvGrpSpPr>
+        <p:cNvPr id="1" name=""/>
+        <p:cNvGrpSpPr/>
+        <p:nvPr/>
+      </p:nvGrpSpPr>
+      <p:grpSpPr>
+        <a:xfrm>
+          <a:off x="0" y="0"/>
+          <a:ext cx="0" cy="0"/>
+          <a:chOff x="0" y="0"/>
+          <a:chExt cx="0" cy="0"/>
+        </a:xfrm>
+      </p:grpSpPr>
+      <p:sp>
+        <p:nvSpPr>
+          <p:cNvPr id="3" name="Content Placeholder 2"/>
+          <p:cNvSpPr>
+            <a:spLocks noGrp="1"/>
+          </p:cNvSpPr>
+          <p:nvPr>
+            <p:ph idx="1"/>
+          </p:nvPr>
+        </p:nvSpPr>
+        <p:spPr>
+          <a:xfrm>
+            <a:off x="1295400" y="1894729"/>
+            <a:ext cx="5791200" cy="2601071"/>
+          </a:xfrm>
+          <a:ln w="19050">
+            <a:solidFill>
+              <a:schemeClr val="tx1"/>
+            </a:solidFill>
+          </a:ln>
+        </p:spPr>
+        <p:txBody>
+          <a:bodyPr/>
+          <a:lstStyle/>
+          <a:p>
+            <a:pPr>
+              <a:lnSpc>
+                <a:spcPct val="80000"/>
+              </a:lnSpc>
+              <a:spcBef>
+                <a:spcPts val="0"/>
+              </a:spcBef>
+              <a:buNone/>
+            </a:pPr>
+            <a:r>
+              <a:rPr lang="en-US" sz="1700" b="1" dirty="0">
+                <a:solidFill>
+                  <a:srgbClr val="0000CC"/>
+                </a:solidFill>
+                <a:latin typeface="Courier New" pitchFamily="49" charset="0"/>
+              </a:rPr>
+              <a:t>(define odd?</a:t>
+            </a:r>
+          </a:p>
+          <a:p>
+            <a:pPr>
+              <a:lnSpc>
+                <a:spcPct val="80000"/>
+              </a:lnSpc>
+              <a:spcBef>
+                <a:spcPts val="0"/>
+              </a:spcBef>
+              <a:buNone/>
+            </a:pPr>
+            <a:r>
+              <a:rPr lang="en-US" sz="1700" b="1" dirty="0">
+                <a:solidFill>
+                  <a:srgbClr val="0000CC"/>
+                </a:solidFill>
+                <a:latin typeface="Courier New" pitchFamily="49" charset="0"/>
+              </a:rPr>
+              <a:t>  (letrec ([odd? (lambda (n) </a:t>
+            </a:r>
+          </a:p>
+          <a:p>
+            <a:pPr>
+              <a:lnSpc>
+                <a:spcPct val="80000"/>
+              </a:lnSpc>
+              <a:spcBef>
+                <a:spcPts val="0"/>
+              </a:spcBef>
+              <a:buNone/>
+            </a:pPr>
+            <a:r>
+              <a:rPr lang="en-US" sz="1700" b="1" dirty="0">
+                <a:solidFill>
+                  <a:srgbClr val="0000CC"/>
+                </a:solidFill>
+                <a:latin typeface="Courier New" pitchFamily="49" charset="0"/>
+              </a:rPr>
+              <a:t>                     (if (zero? n) </a:t>
+            </a:r>
+          </a:p>
+          <a:p>
+            <a:pPr>
+              <a:lnSpc>
+                <a:spcPct val="80000"/>
+              </a:lnSpc>
+              <a:spcBef>
+                <a:spcPts val="0"/>
+              </a:spcBef>
+              <a:buNone/>
+            </a:pPr>
+            <a:r>
+              <a:rPr lang="en-US" sz="1700" b="1" dirty="0">
+                <a:solidFill>
+                  <a:srgbClr val="0000CC"/>
+                </a:solidFill>
+                <a:latin typeface="Courier New" pitchFamily="49" charset="0"/>
+              </a:rPr>
+              <a:t>                         #f </a:t>
+            </a:r>
+          </a:p>
+          <a:p>
+            <a:pPr>
+              <a:lnSpc>
+                <a:spcPct val="80000"/>
+              </a:lnSpc>
+              <a:spcBef>
+                <a:spcPts val="0"/>
+              </a:spcBef>
+              <a:buNone/>
+            </a:pPr>
+            <a:r>
+              <a:rPr lang="en-US" sz="1700" b="1" dirty="0">
+                <a:solidFill>
+                  <a:srgbClr val="0000CC"/>
+                </a:solidFill>
+                <a:latin typeface="Courier New" pitchFamily="49" charset="0"/>
+              </a:rPr>
+              <a:t>                         (even? (- n 1))))]</a:t>
+            </a:r>
+          </a:p>
+          <a:p>
+            <a:pPr>
+              <a:lnSpc>
+                <a:spcPct val="80000"/>
+              </a:lnSpc>
+              <a:spcBef>
+                <a:spcPts val="0"/>
+              </a:spcBef>
+              <a:buNone/>
+            </a:pPr>
+            <a:r>
+              <a:rPr lang="en-US" sz="1700" b="1" dirty="0">
+                <a:solidFill>
+                  <a:srgbClr val="0000CC"/>
+                </a:solidFill>
+                <a:latin typeface="Courier New" pitchFamily="49" charset="0"/>
+              </a:rPr>
+              <a:t>           [even? (lambda (m) </a:t>
+            </a:r>
+          </a:p>
+          <a:p>
+            <a:pPr>
+              <a:lnSpc>
+                <a:spcPct val="80000"/>
+              </a:lnSpc>
+              <a:spcBef>
+                <a:spcPts val="0"/>
+              </a:spcBef>
+              <a:buNone/>
+            </a:pPr>
+            <a:r>
+              <a:rPr lang="en-US" sz="1700" b="1" dirty="0">
+                <a:solidFill>
+                  <a:srgbClr val="0000CC"/>
+                </a:solidFill>
+                <a:latin typeface="Courier New" pitchFamily="49" charset="0"/>
+              </a:rPr>
+              <a:t>                     (if (zero? m) </a:t>
+            </a:r>
+          </a:p>
+          <a:p>
+            <a:pPr>
+              <a:lnSpc>
+                <a:spcPct val="80000"/>
+              </a:lnSpc>
+              <a:spcBef>
+                <a:spcPts val="0"/>
+              </a:spcBef>
+              <a:buNone/>
+            </a:pPr>
+            <a:r>
+              <a:rPr lang="en-US" sz="1700" b="1" dirty="0">
+                <a:solidFill>
+                  <a:srgbClr val="0000CC"/>
+                </a:solidFill>
+                <a:latin typeface="Courier New" pitchFamily="49" charset="0"/>
+              </a:rPr>
+              <a:t>                         #t </a:t>
+            </a:r>
+          </a:p>
+          <a:p>
+            <a:pPr>
+              <a:lnSpc>
+                <a:spcPct val="80000"/>
+              </a:lnSpc>
+              <a:spcBef>
+                <a:spcPts val="0"/>
+              </a:spcBef>
+              <a:buNone/>
+            </a:pPr>
+            <a:r>
+              <a:rPr lang="en-US" sz="1700" b="1" dirty="0">
+                <a:solidFill>
+                  <a:srgbClr val="0000CC"/>
+                </a:solidFill>
+                <a:latin typeface="Courier New" pitchFamily="49" charset="0"/>
+              </a:rPr>
+              <a:t>                         (odd? (- m 1))))])</a:t>
+            </a:r>
+          </a:p>
+          <a:p>
+            <a:pPr>
+              <a:lnSpc>
+                <a:spcPct val="80000"/>
+              </a:lnSpc>
+              <a:spcBef>
+                <a:spcPts val="0"/>
+              </a:spcBef>
+              <a:buNone/>
+            </a:pPr>
+            <a:r>
+              <a:rPr lang="en-US" sz="1700" b="1" dirty="0">
+                <a:solidFill>
+                  <a:srgbClr val="0000CC"/>
+                </a:solidFill>
+                <a:latin typeface="Courier New" pitchFamily="49" charset="0"/>
+              </a:rPr>
+              <a:t>     (lambda (x)</a:t>
+            </a:r>
+          </a:p>
+          <a:p>
+            <a:pPr>
+              <a:lnSpc>
+                <a:spcPct val="80000"/>
+              </a:lnSpc>
+              <a:spcBef>
+                <a:spcPts val="0"/>
+              </a:spcBef>
+              <a:buNone/>
+            </a:pPr>
+            <a:r>
+              <a:rPr lang="en-US" sz="1700" b="1" dirty="0">
+                <a:solidFill>
+                  <a:srgbClr val="0000CC"/>
+                </a:solidFill>
+                <a:latin typeface="Courier New" pitchFamily="49" charset="0"/>
+              </a:rPr>
+              <a:t>       (odd? x))))</a:t>
+            </a:r>
+            <a:r>
+              <a:rPr lang="en-US" sz="1700" b="1" dirty="0">
+                <a:solidFill>
+                  <a:srgbClr val="00FF00"/>
+                </a:solidFill>
+                <a:latin typeface="Courier New" pitchFamily="49" charset="0"/>
+              </a:rPr>
+              <a:t> </a:t>
+            </a:r>
+            <a:endParaRPr lang="en-US" sz="1700" dirty="0"/>
+          </a:p>
+        </p:txBody>
+      </p:sp>
+      <p:sp>
+        <p:nvSpPr>
+          <p:cNvPr id="4" name="TextBox 3"/>
+          <p:cNvSpPr txBox="1"/>
+          <p:nvPr/>
+        </p:nvSpPr>
+        <p:spPr>
+          <a:xfrm>
+            <a:off x="5867400" y="127000"/>
+            <a:ext cx="6248400" cy="1754326"/>
+          </a:xfrm>
+          <a:prstGeom prst="rect">
+            <a:avLst/>
+          </a:prstGeom>
+          <a:noFill/>
+        </p:spPr>
+        <p:txBody>
+          <a:bodyPr wrap="square" rtlCol="0">
+            <a:spAutoFit/>
+          </a:bodyPr>
+          <a:lstStyle/>
+          <a:p>
+            <a:r>
+              <a:rPr lang="en-US" b="1" dirty="0">
+                <a:solidFill>
+                  <a:srgbClr val="FF0000"/>
+                </a:solidFill>
+                <a:latin typeface="Courier New" pitchFamily="49" charset="0"/>
+              </a:rPr>
+              <a:t>[letrec-exp</a:t>
+            </a:r>
+          </a:p>
+          <a:p>
+            <a:r>
+              <a:rPr lang="en-US" b="1" dirty="0">
+                <a:solidFill>
+                  <a:srgbClr val="FF0000"/>
+                </a:solidFill>
+                <a:latin typeface="Courier New" pitchFamily="49" charset="0"/>
+              </a:rPr>
+              <a:t>   (proc-names (list-of symbol?))</a:t>
+            </a:r>
+          </a:p>
+          <a:p>
+            <a:r>
+              <a:rPr lang="en-US" b="1" dirty="0">
+                <a:solidFill>
+                  <a:srgbClr val="FF0000"/>
+                </a:solidFill>
+                <a:latin typeface="Courier New" pitchFamily="49" charset="0"/>
+              </a:rPr>
+              <a:t>   (</a:t>
+            </a:r>
+            <a:r>
+              <a:rPr lang="en-US" b="1" dirty="0" err="1">
+                <a:solidFill>
+                  <a:srgbClr val="FF0000"/>
+                </a:solidFill>
+                <a:latin typeface="Courier New" pitchFamily="49" charset="0"/>
+              </a:rPr>
+              <a:t>idss</a:t>
+            </a:r>
+            <a:r>
+              <a:rPr lang="en-US" b="1" dirty="0">
+                <a:solidFill>
+                  <a:srgbClr val="FF0000"/>
+                </a:solidFill>
+                <a:latin typeface="Courier New" pitchFamily="49" charset="0"/>
+              </a:rPr>
+              <a:t> (list-of (list-of symbol?)))</a:t>
+            </a:r>
+          </a:p>
+          <a:p>
+            <a:r>
+              <a:rPr lang="en-US" b="1" dirty="0">
+                <a:solidFill>
+                  <a:srgbClr val="FF0000"/>
+                </a:solidFill>
+                <a:latin typeface="Courier New" pitchFamily="49" charset="0"/>
+              </a:rPr>
+              <a:t>   (</a:t>
+            </a:r>
+            <a:r>
+              <a:rPr lang="en-US" b="1" dirty="0" err="1">
+                <a:solidFill>
+                  <a:srgbClr val="FF0000"/>
+                </a:solidFill>
+                <a:latin typeface="Courier New" pitchFamily="49" charset="0"/>
+              </a:rPr>
+              <a:t>bodiess</a:t>
+            </a:r>
+            <a:r>
+              <a:rPr lang="en-US" b="1" dirty="0">
+                <a:solidFill>
+                  <a:srgbClr val="FF0000"/>
+                </a:solidFill>
+                <a:latin typeface="Courier New" pitchFamily="49" charset="0"/>
+              </a:rPr>
+              <a:t> (list-of (list-of expression?)))</a:t>
+            </a:r>
+          </a:p>
+          <a:p>
+            <a:r>
+              <a:rPr lang="en-US" b="1" dirty="0">
+                <a:solidFill>
+                  <a:srgbClr val="FF0000"/>
+                </a:solidFill>
+                <a:latin typeface="Courier New" pitchFamily="49" charset="0"/>
+              </a:rPr>
+              <a:t>   (letrec-bodies (list-of expression?))]</a:t>
+            </a:r>
+          </a:p>
+          <a:p>
+            <a:endParaRPr lang="en-US" dirty="0">
+              <a:solidFill>
+                <a:srgbClr val="FF0000"/>
+              </a:solidFill>
+            </a:endParaRPr>
+          </a:p>
+        </p:txBody>
+      </p:sp>
+      <p:sp>
+        <p:nvSpPr>
+          <p:cNvPr id="5" name="TextBox 4"/>
+          <p:cNvSpPr txBox="1"/>
+          <p:nvPr/>
+        </p:nvSpPr>
+        <p:spPr>
+          <a:xfrm>
+            <a:off x="3619500" y="4699675"/>
+            <a:ext cx="9372600" cy="2031325"/>
+          </a:xfrm>
+          <a:prstGeom prst="rect">
+            <a:avLst/>
+          </a:prstGeom>
+          <a:noFill/>
+        </p:spPr>
+        <p:txBody>
+          <a:bodyPr wrap="square" rtlCol="0">
+            <a:spAutoFit/>
+          </a:bodyPr>
+          <a:lstStyle/>
+          <a:p>
+            <a:r>
+              <a:rPr lang="en-US" b="1" dirty="0">
+                <a:solidFill>
+                  <a:srgbClr val="006600"/>
+                </a:solidFill>
+                <a:latin typeface="Courier New" pitchFamily="49" charset="0"/>
+              </a:rPr>
+              <a:t>(letrec-exp</a:t>
+            </a:r>
+          </a:p>
+          <a:p>
+            <a:r>
+              <a:rPr lang="en-US" b="1" dirty="0">
+                <a:solidFill>
+                  <a:srgbClr val="006600"/>
+                </a:solidFill>
+                <a:latin typeface="Courier New" pitchFamily="49" charset="0"/>
+              </a:rPr>
+              <a:t>   (odd? even?)</a:t>
+            </a:r>
+          </a:p>
+          <a:p>
+            <a:r>
+              <a:rPr lang="en-US" b="1" dirty="0">
+                <a:solidFill>
+                  <a:srgbClr val="006600"/>
+                </a:solidFill>
+                <a:latin typeface="Courier New" pitchFamily="49" charset="0"/>
+              </a:rPr>
+              <a:t>   ((n) (m))</a:t>
+            </a:r>
+          </a:p>
+          <a:p>
+            <a:r>
+              <a:rPr lang="en-US" b="1" dirty="0">
+                <a:solidFill>
+                  <a:srgbClr val="006600"/>
+                </a:solidFill>
+                <a:latin typeface="Courier New" pitchFamily="49" charset="0"/>
+              </a:rPr>
+              <a:t>   (((if-exp (app-exp (</a:t>
+            </a:r>
+            <a:r>
+              <a:rPr lang="en-US" b="1" dirty="0" err="1">
+                <a:solidFill>
+                  <a:srgbClr val="006600"/>
+                </a:solidFill>
+                <a:latin typeface="Courier New" pitchFamily="49" charset="0"/>
+              </a:rPr>
+              <a:t>var</a:t>
+            </a:r>
+            <a:r>
+              <a:rPr lang="en-US" b="1" dirty="0">
+                <a:solidFill>
+                  <a:srgbClr val="006600"/>
+                </a:solidFill>
+                <a:latin typeface="Courier New" pitchFamily="49" charset="0"/>
+              </a:rPr>
+              <a:t>-exp zero?) (</a:t>
+            </a:r>
+            <a:r>
+              <a:rPr lang="en-US" b="1" dirty="0" err="1">
+                <a:solidFill>
+                  <a:srgbClr val="006600"/>
+                </a:solidFill>
+                <a:latin typeface="Courier New" pitchFamily="49" charset="0"/>
+              </a:rPr>
+              <a:t>var</a:t>
+            </a:r>
+            <a:r>
+              <a:rPr lang="en-US" b="1" dirty="0">
+                <a:solidFill>
+                  <a:srgbClr val="006600"/>
+                </a:solidFill>
+                <a:latin typeface="Courier New" pitchFamily="49" charset="0"/>
+              </a:rPr>
+              <a:t>-exp n)) …))</a:t>
+            </a:r>
+          </a:p>
+          <a:p>
+            <a:r>
+              <a:rPr lang="en-US" b="1" dirty="0">
+                <a:solidFill>
+                  <a:srgbClr val="006600"/>
+                </a:solidFill>
+                <a:latin typeface="Courier New" pitchFamily="49" charset="0"/>
+              </a:rPr>
+              <a:t>    ((if-exp (app-exp (var-exp zero?) (var-exp m)) …)))</a:t>
+            </a:r>
+          </a:p>
+          <a:p>
+            <a:r>
+              <a:rPr lang="en-US" b="1" dirty="0">
+                <a:solidFill>
+                  <a:srgbClr val="006600"/>
+                </a:solidFill>
+                <a:latin typeface="Courier New" pitchFamily="49" charset="0"/>
+              </a:rPr>
+              <a:t>   ((lambda-exp (x) ((app-exp (</a:t>
+            </a:r>
+            <a:r>
+              <a:rPr lang="en-US" b="1" dirty="0" err="1">
+                <a:solidFill>
+                  <a:srgbClr val="006600"/>
+                </a:solidFill>
+                <a:latin typeface="Courier New" pitchFamily="49" charset="0"/>
+              </a:rPr>
+              <a:t>var</a:t>
+            </a:r>
+            <a:r>
+              <a:rPr lang="en-US" b="1" dirty="0">
+                <a:solidFill>
+                  <a:srgbClr val="006600"/>
+                </a:solidFill>
+                <a:latin typeface="Courier New" pitchFamily="49" charset="0"/>
+              </a:rPr>
+              <a:t>-exp odd?) (</a:t>
+            </a:r>
+            <a:r>
+              <a:rPr lang="en-US" b="1" dirty="0" err="1">
+                <a:solidFill>
+                  <a:srgbClr val="006600"/>
+                </a:solidFill>
+                <a:latin typeface="Courier New" pitchFamily="49" charset="0"/>
+              </a:rPr>
+              <a:t>var</a:t>
+            </a:r>
+            <a:r>
+              <a:rPr lang="en-US" b="1" dirty="0">
+                <a:solidFill>
+                  <a:srgbClr val="006600"/>
+                </a:solidFill>
+                <a:latin typeface="Courier New" pitchFamily="49" charset="0"/>
+              </a:rPr>
+              <a:t>-exp x))))))</a:t>
+            </a:r>
+          </a:p>
+          <a:p>
+            <a:endParaRPr lang="en-US" dirty="0">
+              <a:solidFill>
+                <a:srgbClr val="FF0000"/>
+              </a:solidFill>
+            </a:endParaRPr>
+          </a:p>
+        </p:txBody>
+      </p:sp>
+      <p:sp>
+        <p:nvSpPr>
+          <p:cNvPr id="6" name="TextBox 5"/>
+          <p:cNvSpPr txBox="1"/>
+          <p:nvPr/>
+        </p:nvSpPr>
+        <p:spPr>
+          <a:xfrm>
+            <a:off x="0" y="152400"/>
+            <a:ext cx="2743200" cy="1200329"/>
+          </a:xfrm>
+          <a:prstGeom prst="rect">
+            <a:avLst/>
+          </a:prstGeom>
+          <a:noFill/>
+        </p:spPr>
+        <p:txBody>
+          <a:bodyPr wrap="square" rtlCol="0">
+            <a:spAutoFit/>
+          </a:bodyPr>
+          <a:lstStyle/>
+          <a:p>
+            <a:r>
+              <a:rPr lang="en-US" sz="2400" dirty="0"/>
+              <a:t>Example of a parsed letrec expression</a:t>
+            </a:r>
+          </a:p>
+        </p:txBody>
+      </p:sp>
+      <p:sp>
+        <p:nvSpPr>
+          <p:cNvPr id="7" name="TextBox 6"/>
+          <p:cNvSpPr txBox="1"/>
+          <p:nvPr/>
+        </p:nvSpPr>
+        <p:spPr>
+          <a:xfrm>
+            <a:off x="2057400" y="4576135"/>
+            <a:ext cx="1600200" cy="923330"/>
+          </a:xfrm>
+          <a:prstGeom prst="rect">
+            <a:avLst/>
+          </a:prstGeom>
+          <a:noFill/>
+        </p:spPr>
+        <p:txBody>
+          <a:bodyPr wrap="square" rtlCol="0">
+            <a:spAutoFit/>
+          </a:bodyPr>
+          <a:lstStyle/>
+          <a:p>
+            <a:r>
+              <a:rPr lang="en-US" dirty="0"/>
+              <a:t>Parsed from of the blue code:</a:t>
+            </a:r>
+          </a:p>
+        </p:txBody>
+      </p:sp>
+      <p:sp>
+        <p:nvSpPr>
+          <p:cNvPr id="2" name="TextBox 1">
+            <a:extLst>
+              <a:ext uri="{FF2B5EF4-FFF2-40B4-BE49-F238E27FC236}">
+                <a16:creationId xmlns:a16="http://schemas.microsoft.com/office/drawing/2014/main" id="{E250F048-E652-4C24-9994-E60450BD5D08}"/>
+              </a:ext>
+            </a:extLst>
+          </p:cNvPr>
+          <p:cNvSpPr txBox="1"/>
+          <p:nvPr/>
+        </p:nvSpPr>
+        <p:spPr>
+          <a:xfrm>
+            <a:off x="152400" y="2014478"/>
+            <a:ext cx="1143000" cy="2862322"/>
+          </a:xfrm>
+          <a:prstGeom prst="rect">
+            <a:avLst/>
+          </a:prstGeom>
+          <a:noFill/>
+        </p:spPr>
+        <p:txBody>
+          <a:bodyPr wrap="square" rtlCol="0">
+            <a:spAutoFit/>
+          </a:bodyPr>
+          <a:lstStyle/>
+          <a:p>
+            <a:r>
+              <a:rPr lang="en-US" b="1" dirty="0">
+                <a:solidFill>
+                  <a:srgbClr val="FF3300"/>
+                </a:solidFill>
+              </a:rPr>
+              <a:t>This is one possible way of parsing it.  0thers are also </a:t>
+            </a:r>
+            <a:r>
+              <a:rPr lang="en-US" b="1" dirty="0" err="1">
+                <a:solidFill>
+                  <a:srgbClr val="FF3300"/>
+                </a:solidFill>
+              </a:rPr>
+              <a:t>accepta-ble</a:t>
+            </a:r>
+            <a:r>
+              <a:rPr lang="en-US" b="1" dirty="0">
+                <a:solidFill>
+                  <a:srgbClr val="FF3300"/>
+                </a:solidFill>
+              </a:rPr>
+              <a:t>.</a:t>
+            </a:r>
+          </a:p>
+        </p:txBody>
+      </p:sp>
+    </p:spTree>
+    <p:extLst>
+      <p:ext uri="{BB962C8B-B14F-4D97-AF65-F5344CB8AC3E}">
+        <p14:creationId xmlns:p14="http://schemas.microsoft.com/office/powerpoint/2010/main" val="3359720478"/>
+      </p:ext>
+    </p:extLst>
+  </p:cSld>
+  <p:clrMapOvr>
+    <a:masterClrMapping/>
+  </p:clrMapOvr>
+  <p:timing>
+    <p:tnLst>
+      <p:par>
+        <p:cTn id="1" dur="indefinite" restart="never" nodeType="tmRoot">
+          <p:childTnLst>
+            <p:seq concurrent="1" nextAc="seek">
+              <p:cTn id="2" dur="indefinite" nodeType="mainSeq">
+                <p:childTnLst>
+                  <p:par>
+                    <p:cTn id="3" fill="hold">
+                      <p:stCondLst>
+                        <p:cond delay="indefinite"/>
+                      </p:stCondLst>
+                      <p:childTnLst>
+                        <p:par>
+                          <p:cTn id="4" fill="hold">
+                            <p:stCondLst>
+                              <p:cond delay="0"/>
+                            </p:stCondLst>
+                            <p:childTnLst>
+                              <p:par>
+                                <p:cTn id="5" presetID="1" presetClass="entr" presetSubtype="0" fill="hold" grpId="0" nodeType="clickEffect">
+                                  <p:stCondLst>
+                                    <p:cond delay="0"/>
+                                  </p:stCondLst>
+                                  <p:childTnLst>
+                                    <p:set>
+                                      <p:cBhvr>
+                                        <p:cTn id="6" dur="1" fill="hold">
+                                          <p:stCondLst>
+                                            <p:cond delay="0"/>
+                                          </p:stCondLst>
+                                        </p:cTn>
+                                        <p:tgtEl>
+                                          <p:spTgt spid="2"/>
+                                        </p:tgtEl>
+                                        <p:attrNameLst>
+                                          <p:attrName>style.visibility</p:attrName>
+                                        </p:attrNameLst>
+                                      </p:cBhvr>
+                                      <p:to>
+                                        <p:strVal val="visible"/>
+                                      </p:to>
+                                    </p:set>
+                                  </p:childTnLst>
+                                </p:cTn>
+                              </p:par>
+                            </p:childTnLst>
+                          </p:cTn>
+                        </p:par>
+                      </p:childTnLst>
+                    </p:cTn>
+                  </p:par>
+                </p:childTnLst>
+              </p:cTn>
+              <p:prevCondLst>
+                <p:cond evt="onPrev" delay="0">
+                  <p:tgtEl>
+                    <p:sldTgt/>
+                  </p:tgtEl>
+                </p:cond>
+              </p:prevCondLst>
+              <p:nextCondLst>
+                <p:cond evt="onNext" delay="0">
+                  <p:tgtEl>
+                    <p:sldTgt/>
+                  </p:tgtEl>
+                </p:cond>
+              </p:nextCondLst>
+            </p:seq>
+          </p:childTnLst>
+        </p:cTn>
+      </p:par>
+    </p:tnLst>
+    <p:bldLst>
+      <p:bldP spid="2" grpId="0"/>
+    </p:bldLst>
+  </p:timing>
+</p:sld>
+</file>
+
+<file path=ppt/slides/slide7.xml><?xml version="1.0" encoding="utf-8"?>
+<p:sld xmlns:a="http://schemas.openxmlformats.org/drawingml/2006/main" xmlns:r="http://schemas.openxmlformats.org/officeDocument/2006/relationships" xmlns:p="http://schemas.openxmlformats.org/presentationml/2006/main" showMasterPhAnim="0">
+  <p:cSld>
+    <p:spTree>
+      <p:nvGrpSpPr>
+        <p:cNvPr id="1" name=""/>
+        <p:cNvGrpSpPr/>
+        <p:nvPr/>
+      </p:nvGrpSpPr>
+      <p:grpSpPr>
+        <a:xfrm>
+          <a:off x="0" y="0"/>
+          <a:ext cx="0" cy="0"/>
+          <a:chOff x="0" y="0"/>
+          <a:chExt cx="0" cy="0"/>
+        </a:xfrm>
+      </p:grpSpPr>
+      <p:sp>
+        <p:nvSpPr>
+          <p:cNvPr id="36866" name="Rectangle 2"/>
+          <p:cNvSpPr>
+            <a:spLocks noGrp="1" noChangeArrowheads="1"/>
+          </p:cNvSpPr>
+          <p:nvPr>
+            <p:ph type="title"/>
+          </p:nvPr>
+        </p:nvSpPr>
+        <p:spPr>
+          <a:xfrm>
+            <a:off x="1524000" y="0"/>
+            <a:ext cx="9144000" cy="838200"/>
+          </a:xfrm>
+        </p:spPr>
+        <p:txBody>
+          <a:bodyPr/>
+          <a:lstStyle/>
+          <a:p>
+            <a:r>
+              <a:rPr lang="en-US" dirty="0"/>
+              <a:t>letrec  Evaluation</a:t>
+            </a:r>
+          </a:p>
+        </p:txBody>
+      </p:sp>
+      <p:sp>
+        <p:nvSpPr>
+          <p:cNvPr id="36867" name="Rectangle 3"/>
+          <p:cNvSpPr>
+            <a:spLocks noGrp="1" noChangeArrowheads="1"/>
+          </p:cNvSpPr>
+          <p:nvPr>
+            <p:ph type="body" idx="1"/>
+          </p:nvPr>
+        </p:nvSpPr>
+        <p:spPr>
+          <a:xfrm>
+            <a:off x="76200" y="838200"/>
+            <a:ext cx="11963400" cy="5105400"/>
+          </a:xfrm>
+        </p:spPr>
+        <p:txBody>
+          <a:bodyPr/>
+          <a:lstStyle/>
+          <a:p>
+            <a:pPr>
+              <a:spcBef>
+                <a:spcPts val="2000"/>
+              </a:spcBef>
+            </a:pPr>
+            <a:r>
+              <a:rPr lang="en-US" dirty="0"/>
+              <a:t>Closures are created and added to the </a:t>
+            </a:r>
+            <a:r>
+              <a:rPr lang="en-US" dirty="0">
+                <a:latin typeface="Courier New" pitchFamily="49" charset="0"/>
+                <a:cs typeface="Courier New" pitchFamily="49" charset="0"/>
+              </a:rPr>
+              <a:t>letrec</a:t>
+            </a:r>
+            <a:r>
+              <a:rPr lang="en-US" dirty="0"/>
+              <a:t> environment</a:t>
+            </a:r>
+          </a:p>
+          <a:p>
+            <a:pPr>
+              <a:spcBef>
+                <a:spcPts val="2000"/>
+              </a:spcBef>
+            </a:pPr>
+            <a:r>
+              <a:rPr lang="en-US" dirty="0"/>
+              <a:t>bodies of the </a:t>
+            </a:r>
+            <a:r>
+              <a:rPr lang="en-US" dirty="0">
+                <a:latin typeface="Courier New" pitchFamily="49" charset="0"/>
+                <a:cs typeface="Courier New" pitchFamily="49" charset="0"/>
+              </a:rPr>
+              <a:t>letrec</a:t>
+            </a:r>
+            <a:r>
+              <a:rPr lang="en-US" dirty="0"/>
+              <a:t> are evaluated in order</a:t>
+            </a:r>
+          </a:p>
+          <a:p>
+            <a:pPr>
+              <a:spcBef>
+                <a:spcPts val="2000"/>
+              </a:spcBef>
+            </a:pPr>
+            <a:r>
+              <a:rPr lang="en-US" dirty="0"/>
+              <a:t>When one of the letrec closures is applied </a:t>
+            </a:r>
+          </a:p>
+          <a:p>
+            <a:pPr lvl="1">
+              <a:spcBef>
+                <a:spcPts val="2000"/>
+              </a:spcBef>
+            </a:pPr>
+            <a:r>
+              <a:rPr lang="en-US" dirty="0"/>
+              <a:t>new environment must extend the </a:t>
+            </a:r>
+            <a:r>
+              <a:rPr lang="en-US" dirty="0">
+                <a:latin typeface="Courier New" pitchFamily="49" charset="0"/>
+                <a:cs typeface="Courier New" pitchFamily="49" charset="0"/>
+              </a:rPr>
+              <a:t>letrec</a:t>
+            </a:r>
+            <a:r>
+              <a:rPr lang="en-US" dirty="0"/>
+              <a:t> environment </a:t>
+            </a:r>
+          </a:p>
+          <a:p>
+            <a:pPr>
+              <a:spcBef>
+                <a:spcPts val="2000"/>
+              </a:spcBef>
+            </a:pPr>
+            <a:r>
+              <a:rPr lang="en-US" dirty="0"/>
+              <a:t>If it were </a:t>
+            </a:r>
+            <a:r>
+              <a:rPr lang="en-US" dirty="0">
+                <a:latin typeface="Courier New" pitchFamily="49" charset="0"/>
+                <a:cs typeface="Courier New" pitchFamily="49" charset="0"/>
+              </a:rPr>
+              <a:t>let</a:t>
+            </a:r>
+            <a:r>
+              <a:rPr lang="en-US" dirty="0"/>
+              <a:t> instead of </a:t>
+            </a:r>
+            <a:r>
+              <a:rPr lang="en-US" dirty="0">
+                <a:latin typeface="Courier New" pitchFamily="49" charset="0"/>
+                <a:cs typeface="Courier New" pitchFamily="49" charset="0"/>
+              </a:rPr>
+              <a:t>letrec</a:t>
+            </a:r>
+            <a:r>
+              <a:rPr lang="en-US" dirty="0"/>
+              <a:t>, </a:t>
+            </a:r>
+          </a:p>
+          <a:p>
+            <a:pPr lvl="1">
+              <a:spcBef>
+                <a:spcPts val="2000"/>
+              </a:spcBef>
+            </a:pPr>
+            <a:r>
+              <a:rPr lang="en-US" dirty="0"/>
+              <a:t>the new environment would extend the enclosing environment instead</a:t>
+            </a:r>
+            <a:br>
+              <a:rPr lang="en-US" dirty="0"/>
+            </a:br>
+            <a:endParaRPr lang="en-US" dirty="0"/>
+          </a:p>
+        </p:txBody>
+      </p:sp>
+    </p:spTree>
+  </p:cSld>
+  <p:clrMapOvr>
+    <a:masterClrMapping/>
+  </p:clrMapOvr>
+  <p:timing>
+    <p:tnLst>
+      <p:par>
+        <p:cTn id="1" dur="indefinite" restart="never" nodeType="tmRoot">
+          <p:childTnLst>
+            <p:seq concurrent="1" nextAc="seek">
+              <p:cTn id="2" dur="indefinite" nodeType="mainSeq">
+                <p:childTnLst>
+                  <p:par>
+                    <p:cTn id="3" fill="hold">
+                      <p:stCondLst>
+                        <p:cond delay="indefinite"/>
+                      </p:stCondLst>
+                      <p:childTnLst>
+                        <p:par>
+                          <p:cTn id="4" fill="hold">
+                            <p:stCondLst>
+                              <p:cond delay="0"/>
+                            </p:stCondLst>
+                            <p:childTnLst>
+                              <p:par>
+                                <p:cTn id="5" presetID="1" presetClass="entr" presetSubtype="0" fill="hold" nodeType="clickEffect">
+                                  <p:stCondLst>
+                                    <p:cond delay="0"/>
+                                  </p:stCondLst>
+                                  <p:childTnLst>
+                                    <p:set>
+                                      <p:cBhvr>
+                                        <p:cTn id="6" dur="1" fill="hold">
+                                          <p:stCondLst>
+                                            <p:cond delay="0"/>
+                                          </p:stCondLst>
+                                        </p:cTn>
+                                        <p:tgtEl>
+                                          <p:spTgt spid="36867">
+                                            <p:txEl>
+                                              <p:pRg st="0" end="0"/>
+                                            </p:txEl>
+                                          </p:spTgt>
+                                        </p:tgtEl>
+                                        <p:attrNameLst>
+                                          <p:attrName>style.visibility</p:attrName>
+                                        </p:attrNameLst>
+                                      </p:cBhvr>
+                                      <p:to>
+                                        <p:strVal val="visible"/>
+                                      </p:to>
+                                    </p:set>
+                                  </p:childTnLst>
+                                </p:cTn>
+                              </p:par>
+                            </p:childTnLst>
+                          </p:cTn>
+                        </p:par>
+                      </p:childTnLst>
+                    </p:cTn>
+                  </p:par>
+                  <p:par>
+                    <p:cTn id="7" fill="hold">
+                      <p:stCondLst>
+                        <p:cond delay="indefinite"/>
+                      </p:stCondLst>
+                      <p:childTnLst>
+                        <p:par>
+                          <p:cTn id="8" fill="hold">
+                            <p:stCondLst>
+                              <p:cond delay="0"/>
+                            </p:stCondLst>
+                            <p:childTnLst>
+                              <p:par>
+                                <p:cTn id="9" presetID="1" presetClass="entr" presetSubtype="0" fill="hold" nodeType="clickEffect">
+                                  <p:stCondLst>
+                                    <p:cond delay="0"/>
+                                  </p:stCondLst>
+                                  <p:childTnLst>
+                                    <p:set>
+                                      <p:cBhvr>
+                                        <p:cTn id="10" dur="1" fill="hold">
+                                          <p:stCondLst>
+                                            <p:cond delay="0"/>
+                                          </p:stCondLst>
+                                        </p:cTn>
+                                        <p:tgtEl>
+                                          <p:spTgt spid="36867">
+                                            <p:txEl>
+                                              <p:pRg st="1" end="1"/>
+                                            </p:txEl>
+                                          </p:spTgt>
+                                        </p:tgtEl>
+                                        <p:attrNameLst>
+                                          <p:attrName>style.visibility</p:attrName>
+                                        </p:attrNameLst>
+                                      </p:cBhvr>
+                                      <p:to>
+                                        <p:strVal val="visible"/>
+                                      </p:to>
+                                    </p:set>
+                                  </p:childTnLst>
+                                </p:cTn>
+                              </p:par>
+                            </p:childTnLst>
+                          </p:cTn>
+                        </p:par>
+                      </p:childTnLst>
+                    </p:cTn>
+                  </p:par>
+                  <p:par>
+                    <p:cTn id="11" fill="hold">
+                      <p:stCondLst>
+                        <p:cond delay="indefinite"/>
+                      </p:stCondLst>
+                      <p:childTnLst>
+                        <p:par>
+                          <p:cTn id="12" fill="hold">
+                            <p:stCondLst>
+                              <p:cond delay="0"/>
+                            </p:stCondLst>
+                            <p:childTnLst>
+                              <p:par>
+                                <p:cTn id="13" presetID="1" presetClass="entr" presetSubtype="0" fill="hold" nodeType="clickEffect">
+                                  <p:stCondLst>
+                                    <p:cond delay="0"/>
+                                  </p:stCondLst>
+                                  <p:childTnLst>
+                                    <p:set>
+                                      <p:cBhvr>
+                                        <p:cTn id="14" dur="1" fill="hold">
+                                          <p:stCondLst>
+                                            <p:cond delay="0"/>
+                                          </p:stCondLst>
+                                        </p:cTn>
+                                        <p:tgtEl>
+                                          <p:spTgt spid="36867">
+                                            <p:txEl>
+                                              <p:pRg st="2" end="2"/>
+                                            </p:txEl>
+                                          </p:spTgt>
+                                        </p:tgtEl>
+                                        <p:attrNameLst>
+                                          <p:attrName>style.visibility</p:attrName>
+                                        </p:attrNameLst>
+                                      </p:cBhvr>
+                                      <p:to>
+                                        <p:strVal val="visible"/>
+                                      </p:to>
+                                    </p:set>
+                                  </p:childTnLst>
+                                </p:cTn>
+                              </p:par>
+                            </p:childTnLst>
+                          </p:cTn>
+                        </p:par>
+                      </p:childTnLst>
+                    </p:cTn>
+                  </p:par>
+                  <p:par>
+                    <p:cTn id="15" fill="hold">
+                      <p:stCondLst>
+                        <p:cond delay="indefinite"/>
+                      </p:stCondLst>
+                      <p:childTnLst>
+                        <p:par>
+                          <p:cTn id="16" fill="hold">
+                            <p:stCondLst>
+                              <p:cond delay="0"/>
+                            </p:stCondLst>
+                            <p:childTnLst>
+                              <p:par>
+                                <p:cTn id="17" presetID="1" presetClass="entr" presetSubtype="0" fill="hold" nodeType="clickEffect">
+                                  <p:stCondLst>
+                                    <p:cond delay="0"/>
+                                  </p:stCondLst>
+                                  <p:childTnLst>
+                                    <p:set>
+                                      <p:cBhvr>
+                                        <p:cTn id="18" dur="1" fill="hold">
+                                          <p:stCondLst>
+                                            <p:cond delay="0"/>
+                                          </p:stCondLst>
+                                        </p:cTn>
+                                        <p:tgtEl>
+                                          <p:spTgt spid="36867">
+                                            <p:txEl>
+                                              <p:pRg st="3" end="3"/>
+                                            </p:txEl>
+                                          </p:spTgt>
+                                        </p:tgtEl>
+                                        <p:attrNameLst>
+                                          <p:attrName>style.visibility</p:attrName>
+                                        </p:attrNameLst>
+                                      </p:cBhvr>
+                                      <p:to>
+                                        <p:strVal val="visible"/>
+                                      </p:to>
+                                    </p:set>
+                                  </p:childTnLst>
+                                </p:cTn>
+                              </p:par>
+                            </p:childTnLst>
+                          </p:cTn>
+                        </p:par>
+                      </p:childTnLst>
+                    </p:cTn>
+                  </p:par>
+                  <p:par>
+                    <p:cTn id="19" fill="hold">
+                      <p:stCondLst>
+                        <p:cond delay="indefinite"/>
+                      </p:stCondLst>
+                      <p:childTnLst>
+                        <p:par>
+                          <p:cTn id="20" fill="hold">
+                            <p:stCondLst>
+                              <p:cond delay="0"/>
+                            </p:stCondLst>
+                            <p:childTnLst>
+                              <p:par>
+                                <p:cTn id="21" presetID="1" presetClass="entr" presetSubtype="0" fill="hold" nodeType="clickEffect">
+                                  <p:stCondLst>
+                                    <p:cond delay="0"/>
+                                  </p:stCondLst>
+                                  <p:childTnLst>
+                                    <p:set>
+                                      <p:cBhvr>
+                                        <p:cTn id="22" dur="1" fill="hold">
+                                          <p:stCondLst>
+                                            <p:cond delay="0"/>
+                                          </p:stCondLst>
+                                        </p:cTn>
+                                        <p:tgtEl>
+                                          <p:spTgt spid="36867">
+                                            <p:txEl>
+                                              <p:pRg st="4" end="4"/>
+                                            </p:txEl>
+                                          </p:spTgt>
+                                        </p:tgtEl>
+                                        <p:attrNameLst>
+                                          <p:attrName>style.visibility</p:attrName>
+                                        </p:attrNameLst>
+                                      </p:cBhvr>
+                                      <p:to>
+                                        <p:strVal val="visible"/>
+                                      </p:to>
+                                    </p:set>
+                                  </p:childTnLst>
+                                </p:cTn>
+                              </p:par>
+                              <p:par>
+                                <p:cTn id="23" presetID="1" presetClass="entr" presetSubtype="0" fill="hold" nodeType="withEffect">
+                                  <p:stCondLst>
+                                    <p:cond delay="0"/>
+                                  </p:stCondLst>
+                                  <p:childTnLst>
+                                    <p:set>
+                                      <p:cBhvr>
+                                        <p:cTn id="24" dur="1" fill="hold">
+                                          <p:stCondLst>
+                                            <p:cond delay="0"/>
+                                          </p:stCondLst>
+                                        </p:cTn>
+                                        <p:tgtEl>
+                                          <p:spTgt spid="36867">
+                                            <p:txEl>
+                                              <p:pRg st="5" end="5"/>
+                                            </p:txEl>
+                                          </p:spTgt>
+                                        </p:tgtEl>
+                                        <p:attrNameLst>
+                                          <p:attrName>style.visibility</p:attrName>
+                                        </p:attrNameLst>
+                                      </p:cBhvr>
+                                      <p:to>
+                                        <p:strVal val="visible"/>
+                                      </p:to>
+                                    </p:set>
+                                  </p:childTnLst>
+                                </p:cTn>
+                              </p:par>
+                            </p:childTnLst>
+                          </p:cTn>
+                        </p:par>
+                      </p:childTnLst>
+                    </p:cTn>
+                  </p:par>
+                </p:childTnLst>
+              </p:cTn>
+              <p:prevCondLst>
+                <p:cond evt="onPrev" delay="0">
+                  <p:tgtEl>
+                    <p:sldTgt/>
+                  </p:tgtEl>
+                </p:cond>
+              </p:prevCondLst>
+              <p:nextCondLst>
+                <p:cond evt="onNext" delay="0">
+                  <p:tgtEl>
+                    <p:sldTgt/>
+                  </p:tgtEl>
+                </p:cond>
+              </p:nextCondLst>
+            </p:seq>
+          </p:childTnLst>
+        </p:cTn>
+      </p:par>
+    </p:tnLst>
+  </p:timing>
+</p:sld>
+</file>
+
+<file path=ppt/slides/slide8.xml><?xml version="1.0" encoding="utf-8"?>
+<p:sld xmlns:a="http://schemas.openxmlformats.org/drawingml/2006/main" xmlns:r="http://schemas.openxmlformats.org/officeDocument/2006/relationships" xmlns:p="http://schemas.openxmlformats.org/presentationml/2006/main">
+  <p:cSld>
+    <p:spTree>
+      <p:nvGrpSpPr>
+        <p:cNvPr id="1" name=""/>
+        <p:cNvGrpSpPr/>
+        <p:nvPr/>
+      </p:nvGrpSpPr>
+      <p:grpSpPr>
+        <a:xfrm>
+          <a:off x="0" y="0"/>
+          <a:ext cx="0" cy="0"/>
+          <a:chOff x="0" y="0"/>
+          <a:chExt cx="0" cy="0"/>
+        </a:xfrm>
+      </p:grpSpPr>
+      <p:sp>
+        <p:nvSpPr>
+          <p:cNvPr id="63490" name="Rectangle 2"/>
+          <p:cNvSpPr>
+            <a:spLocks noGrp="1" noChangeArrowheads="1"/>
+          </p:cNvSpPr>
+          <p:nvPr>
+            <p:ph type="title"/>
+          </p:nvPr>
+        </p:nvSpPr>
+        <p:spPr>
+          <a:xfrm>
+            <a:off x="1981200" y="274638"/>
+            <a:ext cx="8229600" cy="715962"/>
+          </a:xfrm>
+        </p:spPr>
+        <p:txBody>
+          <a:bodyPr/>
+          <a:lstStyle/>
+          <a:p>
+            <a:r>
+              <a:rPr lang="en-US" sz="4000" dirty="0"/>
+              <a:t>How to evaluate letrec?</a:t>
+            </a:r>
+          </a:p>
+        </p:txBody>
+      </p:sp>
+      <p:sp>
+        <p:nvSpPr>
+          <p:cNvPr id="63491" name="Rectangle 3"/>
+          <p:cNvSpPr>
+            <a:spLocks noGrp="1" noChangeArrowheads="1"/>
+          </p:cNvSpPr>
+          <p:nvPr>
+            <p:ph type="body" idx="1"/>
+          </p:nvPr>
+        </p:nvSpPr>
+        <p:spPr>
+          <a:xfrm>
+            <a:off x="152400" y="1066800"/>
+            <a:ext cx="12039600" cy="5791200"/>
+          </a:xfrm>
+        </p:spPr>
+        <p:txBody>
+          <a:bodyPr/>
+          <a:lstStyle/>
+          <a:p>
+            <a:pPr>
+              <a:spcBef>
+                <a:spcPct val="0"/>
+              </a:spcBef>
+              <a:buFontTx/>
+              <a:buNone/>
+            </a:pPr>
+            <a:r>
+              <a:rPr lang="en-US" sz="2800" dirty="0">
+                <a:solidFill>
+                  <a:srgbClr val="0033CC"/>
+                </a:solidFill>
+                <a:latin typeface="Courier New" pitchFamily="49" charset="0"/>
+              </a:rPr>
+              <a:t>(</a:t>
+            </a:r>
+            <a:r>
+              <a:rPr lang="en-US" sz="2400" b="1" dirty="0">
+                <a:solidFill>
+                  <a:srgbClr val="0033CC"/>
+                </a:solidFill>
+                <a:latin typeface="Courier New" pitchFamily="49" charset="0"/>
+              </a:rPr>
+              <a:t>define </a:t>
+            </a:r>
+            <a:r>
+              <a:rPr lang="en-US" sz="2400" b="1" dirty="0" err="1">
+                <a:solidFill>
+                  <a:srgbClr val="0033CC"/>
+                </a:solidFill>
+                <a:latin typeface="Courier New" pitchFamily="49" charset="0"/>
+              </a:rPr>
+              <a:t>eval</a:t>
+            </a:r>
+            <a:r>
+              <a:rPr lang="en-US" sz="2400" b="1" dirty="0">
+                <a:solidFill>
+                  <a:srgbClr val="0033CC"/>
+                </a:solidFill>
+                <a:latin typeface="Courier New" pitchFamily="49" charset="0"/>
+              </a:rPr>
+              <a:t>-exp</a:t>
+            </a:r>
+          </a:p>
+          <a:p>
+            <a:pPr>
+              <a:spcBef>
+                <a:spcPct val="0"/>
+              </a:spcBef>
+              <a:buFontTx/>
+              <a:buNone/>
+            </a:pPr>
+            <a:r>
+              <a:rPr lang="en-US" sz="2400" b="1" dirty="0">
+                <a:solidFill>
+                  <a:srgbClr val="0033CC"/>
+                </a:solidFill>
+                <a:latin typeface="Courier New" pitchFamily="49" charset="0"/>
+              </a:rPr>
+              <a:t>  (lambda (exp </a:t>
+            </a:r>
+            <a:r>
+              <a:rPr lang="en-US" sz="2400" b="1" dirty="0" err="1">
+                <a:solidFill>
+                  <a:srgbClr val="0033CC"/>
+                </a:solidFill>
+                <a:latin typeface="Courier New" pitchFamily="49" charset="0"/>
+              </a:rPr>
+              <a:t>env</a:t>
+            </a:r>
+            <a:r>
+              <a:rPr lang="en-US" sz="2400" b="1" dirty="0">
+                <a:solidFill>
+                  <a:srgbClr val="0033CC"/>
+                </a:solidFill>
+                <a:latin typeface="Courier New" pitchFamily="49" charset="0"/>
+              </a:rPr>
+              <a:t>)</a:t>
+            </a:r>
+          </a:p>
+          <a:p>
+            <a:pPr>
+              <a:spcBef>
+                <a:spcPct val="0"/>
+              </a:spcBef>
+              <a:buNone/>
+            </a:pPr>
+            <a:r>
+              <a:rPr lang="en-US" sz="2400" b="1" dirty="0">
+                <a:solidFill>
+                  <a:srgbClr val="0033CC"/>
+                </a:solidFill>
+                <a:latin typeface="Courier New" pitchFamily="49" charset="0"/>
+              </a:rPr>
+              <a:t>    (cases expression exp </a:t>
+            </a:r>
+          </a:p>
+          <a:p>
+            <a:pPr>
+              <a:spcBef>
+                <a:spcPct val="0"/>
+              </a:spcBef>
+              <a:buNone/>
+            </a:pPr>
+            <a:r>
+              <a:rPr lang="en-US" sz="2400" b="1" dirty="0">
+                <a:solidFill>
+                  <a:srgbClr val="0033CC"/>
+                </a:solidFill>
+                <a:effectLst>
+                  <a:outerShdw blurRad="38100" dist="38100" dir="2700000" algn="tl">
+                    <a:srgbClr val="000000">
+                      <a:alpha val="43137"/>
+                    </a:srgbClr>
+                  </a:outerShdw>
+                </a:effectLst>
+                <a:latin typeface="Courier New" pitchFamily="49" charset="0"/>
+              </a:rPr>
+              <a:t>     . . .</a:t>
+            </a:r>
+          </a:p>
+          <a:p>
+            <a:pPr>
+              <a:spcBef>
+                <a:spcPct val="0"/>
+              </a:spcBef>
+              <a:buFontTx/>
+              <a:buNone/>
+            </a:pPr>
+            <a:endParaRPr lang="en-US" sz="1000" b="1" dirty="0">
+              <a:solidFill>
+                <a:srgbClr val="0033CC"/>
+              </a:solidFill>
+              <a:effectLst>
+                <a:outerShdw blurRad="38100" dist="38100" dir="2700000" algn="tl">
+                  <a:srgbClr val="000000">
+                    <a:alpha val="43137"/>
+                  </a:srgbClr>
+                </a:outerShdw>
+              </a:effectLst>
+              <a:latin typeface="Courier New" pitchFamily="49" charset="0"/>
+            </a:endParaRPr>
+          </a:p>
+          <a:p>
+            <a:pPr>
+              <a:buFontTx/>
+              <a:buNone/>
+            </a:pPr>
+            <a:r>
+              <a:rPr lang="en-US" sz="2400" b="1" dirty="0">
+                <a:solidFill>
+                  <a:srgbClr val="0033CC"/>
+                </a:solidFill>
+                <a:latin typeface="Courier New" pitchFamily="49" charset="0"/>
+              </a:rPr>
+              <a:t>     [letrec-exp (proc-names </a:t>
+            </a:r>
+            <a:r>
+              <a:rPr lang="en-US" sz="2400" b="1" dirty="0" err="1">
+                <a:solidFill>
+                  <a:srgbClr val="0033CC"/>
+                </a:solidFill>
+                <a:latin typeface="Courier New" pitchFamily="49" charset="0"/>
+              </a:rPr>
+              <a:t>idss</a:t>
+            </a:r>
+            <a:r>
+              <a:rPr lang="en-US" sz="2400" b="1" dirty="0">
+                <a:solidFill>
+                  <a:srgbClr val="0033CC"/>
+                </a:solidFill>
+                <a:latin typeface="Courier New" pitchFamily="49" charset="0"/>
+              </a:rPr>
+              <a:t> </a:t>
+            </a:r>
+            <a:r>
+              <a:rPr lang="en-US" sz="2400" b="1" dirty="0" err="1">
+                <a:solidFill>
+                  <a:srgbClr val="0033CC"/>
+                </a:solidFill>
+                <a:latin typeface="Courier New" pitchFamily="49" charset="0"/>
+              </a:rPr>
+              <a:t>bodiess</a:t>
+            </a:r>
+            <a:r>
+              <a:rPr lang="en-US" sz="2400" b="1" dirty="0">
+                <a:solidFill>
+                  <a:srgbClr val="0033CC"/>
+                </a:solidFill>
+                <a:latin typeface="Courier New" pitchFamily="49" charset="0"/>
+              </a:rPr>
+              <a:t> letrec-bodies)</a:t>
+            </a:r>
+          </a:p>
+          <a:p>
+            <a:pPr>
+              <a:buFontTx/>
+              <a:buNone/>
+            </a:pPr>
+            <a:r>
+              <a:rPr lang="en-US" sz="2400" b="1" dirty="0">
+                <a:solidFill>
+                  <a:srgbClr val="0033CC"/>
+                </a:solidFill>
+                <a:latin typeface="Courier New" pitchFamily="49" charset="0"/>
+              </a:rPr>
+              <a:t>	     (eval-bodies letrec-bodies</a:t>
+            </a:r>
+          </a:p>
+          <a:p>
+            <a:pPr>
+              <a:buFontTx/>
+              <a:buNone/>
+            </a:pPr>
+            <a:r>
+              <a:rPr lang="en-US" sz="2400" b="1" dirty="0">
+                <a:solidFill>
+                  <a:srgbClr val="0033CC"/>
+                </a:solidFill>
+                <a:latin typeface="Courier New" pitchFamily="49" charset="0"/>
+              </a:rPr>
+              <a:t>		    (extend-env-recursively </a:t>
+            </a:r>
+          </a:p>
+          <a:p>
+            <a:pPr>
+              <a:buFontTx/>
+              <a:buNone/>
+            </a:pPr>
+            <a:r>
+              <a:rPr lang="en-US" sz="2400" b="1" dirty="0">
+                <a:solidFill>
+                  <a:srgbClr val="0033CC"/>
+                </a:solidFill>
+                <a:latin typeface="Courier New" pitchFamily="49" charset="0"/>
+              </a:rPr>
+              <a:t>           proc-names </a:t>
+            </a:r>
+            <a:r>
+              <a:rPr lang="en-US" sz="2400" b="1" dirty="0" err="1">
+                <a:solidFill>
+                  <a:srgbClr val="0033CC"/>
+                </a:solidFill>
+                <a:latin typeface="Courier New" pitchFamily="49" charset="0"/>
+              </a:rPr>
+              <a:t>idss</a:t>
+            </a:r>
+            <a:r>
+              <a:rPr lang="en-US" sz="2400" b="1" dirty="0">
+                <a:solidFill>
+                  <a:srgbClr val="0033CC"/>
+                </a:solidFill>
+                <a:latin typeface="Courier New" pitchFamily="49" charset="0"/>
+              </a:rPr>
+              <a:t> </a:t>
+            </a:r>
+            <a:r>
+              <a:rPr lang="en-US" sz="2400" b="1" dirty="0" err="1">
+                <a:solidFill>
+                  <a:srgbClr val="0033CC"/>
+                </a:solidFill>
+                <a:latin typeface="Courier New" pitchFamily="49" charset="0"/>
+              </a:rPr>
+              <a:t>bodiess</a:t>
+            </a:r>
+            <a:r>
+              <a:rPr lang="en-US" sz="2400" b="1" dirty="0">
+                <a:solidFill>
+                  <a:srgbClr val="0033CC"/>
+                </a:solidFill>
+                <a:latin typeface="Courier New" pitchFamily="49" charset="0"/>
+              </a:rPr>
+              <a:t> </a:t>
+            </a:r>
+            <a:r>
+              <a:rPr lang="en-US" sz="2400" b="1" dirty="0" err="1">
+                <a:solidFill>
+                  <a:srgbClr val="0033CC"/>
+                </a:solidFill>
+                <a:latin typeface="Courier New" pitchFamily="49" charset="0"/>
+              </a:rPr>
+              <a:t>env</a:t>
+            </a:r>
+            <a:r>
+              <a:rPr lang="en-US" sz="2400" b="1" dirty="0">
+                <a:solidFill>
+                  <a:srgbClr val="0033CC"/>
+                </a:solidFill>
+                <a:latin typeface="Courier New" pitchFamily="49" charset="0"/>
+              </a:rPr>
+              <a:t>))]</a:t>
+            </a:r>
+          </a:p>
+          <a:p>
+            <a:pPr>
+              <a:buNone/>
+            </a:pPr>
+            <a:r>
+              <a:rPr lang="en-US" sz="2400" b="1" dirty="0">
+                <a:solidFill>
+                  <a:srgbClr val="0033CC"/>
+                </a:solidFill>
+                <a:effectLst>
+                  <a:outerShdw blurRad="38100" dist="38100" dir="2700000" algn="tl">
+                    <a:srgbClr val="000000">
+                      <a:alpha val="43137"/>
+                    </a:srgbClr>
+                  </a:outerShdw>
+                </a:effectLst>
+                <a:latin typeface="Courier New" pitchFamily="49" charset="0"/>
+              </a:rPr>
+              <a:t>     . . .</a:t>
+            </a:r>
+          </a:p>
+          <a:p>
+            <a:pPr>
+              <a:buFontTx/>
+              <a:buNone/>
+            </a:pPr>
+            <a:br>
+              <a:rPr lang="en-US" sz="2400" b="1" dirty="0">
+                <a:latin typeface="Courier New" pitchFamily="49" charset="0"/>
+              </a:rPr>
+            </a:br>
+            <a:endParaRPr lang="en-US" sz="2400" b="1" dirty="0">
+              <a:latin typeface="Courier New" pitchFamily="49" charset="0"/>
+            </a:endParaRPr>
+          </a:p>
+          <a:p>
+            <a:pPr>
+              <a:buFontTx/>
+              <a:buNone/>
+            </a:pPr>
+            <a:r>
+              <a:rPr lang="en-US" b="1" dirty="0"/>
+              <a:t>   So the question becomes: how do we </a:t>
+            </a:r>
+            <a:r>
+              <a:rPr lang="en-US" b="1" dirty="0">
+                <a:latin typeface="Times New Roman" pitchFamily="18" charset="0"/>
+              </a:rPr>
+              <a:t>implement</a:t>
+            </a:r>
+            <a:r>
+              <a:rPr lang="en-US" b="1" dirty="0">
+                <a:latin typeface="Courier New" pitchFamily="49" charset="0"/>
+              </a:rPr>
+              <a:t> </a:t>
+            </a:r>
+            <a:br>
+              <a:rPr lang="en-US" b="1" dirty="0">
+                <a:latin typeface="Courier New" pitchFamily="49" charset="0"/>
+              </a:rPr>
+            </a:br>
+            <a:r>
+              <a:rPr lang="en-US" b="1" dirty="0">
+                <a:latin typeface="Courier New" pitchFamily="49" charset="0"/>
+              </a:rPr>
+              <a:t>  </a:t>
+            </a:r>
+            <a:r>
+              <a:rPr lang="en-US" b="1" dirty="0">
+                <a:solidFill>
+                  <a:srgbClr val="00339A"/>
+                </a:solidFill>
+                <a:latin typeface="Courier New" pitchFamily="49" charset="0"/>
+              </a:rPr>
+              <a:t>extend-env-recursively</a:t>
+            </a:r>
+            <a:r>
+              <a:rPr lang="en-US" b="1" dirty="0">
+                <a:solidFill>
+                  <a:srgbClr val="00339A"/>
+                </a:solidFill>
+              </a:rPr>
+              <a:t>?</a:t>
+            </a:r>
+          </a:p>
+          <a:p>
+            <a:pPr>
+              <a:buFontTx/>
+              <a:buNone/>
+            </a:pPr>
+            <a:endParaRPr lang="en-US" b="1" dirty="0"/>
+          </a:p>
+        </p:txBody>
+      </p:sp>
+      <p:sp>
+        <p:nvSpPr>
+          <p:cNvPr id="5" name="TextBox 4"/>
+          <p:cNvSpPr txBox="1"/>
+          <p:nvPr/>
+        </p:nvSpPr>
+        <p:spPr>
+          <a:xfrm>
+            <a:off x="8229600" y="3454400"/>
+            <a:ext cx="3429000" cy="1938992"/>
+          </a:xfrm>
+          <a:prstGeom prst="rect">
+            <a:avLst/>
+          </a:prstGeom>
+          <a:noFill/>
+          <a:ln w="22225">
+            <a:solidFill>
+              <a:srgbClr val="FF0000"/>
+            </a:solidFill>
+          </a:ln>
+        </p:spPr>
+        <p:txBody>
+          <a:bodyPr wrap="square" rtlCol="0">
+            <a:spAutoFit/>
+          </a:bodyPr>
+          <a:lstStyle/>
+          <a:p>
+            <a:r>
+              <a:rPr lang="en-US" sz="2400" dirty="0">
+                <a:solidFill>
+                  <a:srgbClr val="FF3300"/>
+                </a:solidFill>
+              </a:rPr>
+              <a:t>We saw when we drew</a:t>
+            </a:r>
+          </a:p>
+          <a:p>
+            <a:r>
+              <a:rPr lang="en-US" sz="2400" dirty="0">
+                <a:solidFill>
+                  <a:srgbClr val="FF3300"/>
+                </a:solidFill>
+              </a:rPr>
+              <a:t>environment and closure diagrams that we need a  recursive </a:t>
+            </a:r>
+            <a:r>
+              <a:rPr lang="en-US" sz="2400">
+                <a:solidFill>
+                  <a:srgbClr val="FF3300"/>
+                </a:solidFill>
+              </a:rPr>
+              <a:t>environment here</a:t>
+            </a:r>
+            <a:endParaRPr lang="en-US" sz="2400" dirty="0">
+              <a:solidFill>
+                <a:srgbClr val="FF3300"/>
+              </a:solidFill>
+            </a:endParaRPr>
+          </a:p>
+        </p:txBody>
+      </p:sp>
+    </p:spTree>
+  </p:cSld>
+  <p:clrMapOvr>
+    <a:masterClrMapping/>
+  </p:clrMapOvr>
+</p:sld>
+</file>
+
+<file path=ppt/slides/slide9.xml><?xml version="1.0" encoding="utf-8"?>
+<p:sld xmlns:a="http://schemas.openxmlformats.org/drawingml/2006/main" xmlns:r="http://schemas.openxmlformats.org/officeDocument/2006/relationships" xmlns:p="http://schemas.openxmlformats.org/presentationml/2006/main" showMasterPhAnim="0">
+  <p:cSld>
+    <p:spTree>
+      <p:nvGrpSpPr>
+        <p:cNvPr id="1" name=""/>
+        <p:cNvGrpSpPr/>
+        <p:nvPr/>
+      </p:nvGrpSpPr>
+      <p:grpSpPr>
+        <a:xfrm>
+          <a:off x="0" y="0"/>
+          <a:ext cx="0" cy="0"/>
+          <a:chOff x="0" y="0"/>
+          <a:chExt cx="0" cy="0"/>
+        </a:xfrm>
+      </p:grpSpPr>
+      <p:sp>
+        <p:nvSpPr>
+          <p:cNvPr id="64514" name="Rectangle 2"/>
+          <p:cNvSpPr>
+            <a:spLocks noGrp="1" noChangeArrowheads="1"/>
+          </p:cNvSpPr>
+          <p:nvPr>
+            <p:ph type="title"/>
+          </p:nvPr>
+        </p:nvSpPr>
+        <p:spPr/>
+        <p:txBody>
+          <a:bodyPr/>
+          <a:lstStyle/>
+          <a:p>
+            <a:r>
+              <a:rPr lang="en-US" sz="4000" dirty="0"/>
+              <a:t>Extend-env-recursively: </a:t>
+            </a:r>
+            <a:br>
+              <a:rPr lang="en-US" sz="4000" dirty="0"/>
+            </a:br>
+            <a:r>
+              <a:rPr lang="en-US" sz="4000" dirty="0"/>
+              <a:t>Three possible approaches</a:t>
+            </a:r>
+            <a:br>
+              <a:rPr lang="en-US" sz="4000" dirty="0"/>
+            </a:br>
+            <a:endParaRPr lang="en-US" sz="4000" dirty="0"/>
+          </a:p>
+        </p:txBody>
+      </p:sp>
+      <p:sp>
+        <p:nvSpPr>
+          <p:cNvPr id="64515" name="Rectangle 3"/>
+          <p:cNvSpPr>
+            <a:spLocks noGrp="1" noChangeArrowheads="1"/>
+          </p:cNvSpPr>
+          <p:nvPr>
+            <p:ph type="body" idx="1"/>
+          </p:nvPr>
+        </p:nvSpPr>
+        <p:spPr>
+          <a:xfrm>
+            <a:off x="0" y="1752600"/>
+            <a:ext cx="10287000" cy="5181600"/>
+          </a:xfrm>
+        </p:spPr>
+        <p:txBody>
+          <a:bodyPr/>
+          <a:lstStyle/>
+          <a:p>
+            <a:pPr>
+              <a:lnSpc>
+                <a:spcPct val="90000"/>
+              </a:lnSpc>
+              <a:buFontTx/>
+              <a:buNone/>
+            </a:pPr>
+            <a:r>
+              <a:rPr lang="en-US" dirty="0"/>
+              <a:t>0. Implement </a:t>
+            </a:r>
+            <a:r>
+              <a:rPr lang="en-US" dirty="0">
+                <a:latin typeface="Courier New" panose="02070309020205020404" pitchFamily="49" charset="0"/>
+                <a:cs typeface="Courier New" panose="02070309020205020404" pitchFamily="49" charset="0"/>
+              </a:rPr>
+              <a:t>extend-env-recursively</a:t>
+            </a:r>
+            <a:r>
+              <a:rPr lang="en-US" dirty="0"/>
+              <a:t> in terms of Scheme's </a:t>
+            </a:r>
+            <a:r>
+              <a:rPr lang="en-US" dirty="0">
+                <a:latin typeface="Courier New" panose="02070309020205020404" pitchFamily="49" charset="0"/>
+                <a:cs typeface="Courier New" panose="02070309020205020404" pitchFamily="49" charset="0"/>
+              </a:rPr>
+              <a:t>letrec</a:t>
+            </a:r>
+            <a:r>
+              <a:rPr lang="en-US" dirty="0"/>
+              <a:t>.  </a:t>
+            </a:r>
+            <a:r>
+              <a:rPr lang="en-US" b="1" dirty="0">
+                <a:solidFill>
+                  <a:srgbClr val="CC00CC"/>
+                </a:solidFill>
+              </a:rPr>
+              <a:t>Nope!</a:t>
+            </a:r>
+          </a:p>
+          <a:p>
+            <a:pPr lvl="2">
+              <a:lnSpc>
+                <a:spcPct val="90000"/>
+              </a:lnSpc>
+              <a:buFontTx/>
+              <a:buNone/>
+            </a:pPr>
+            <a:endParaRPr lang="en-US" dirty="0"/>
+          </a:p>
+          <a:p>
+            <a:pPr>
+              <a:lnSpc>
+                <a:spcPct val="90000"/>
+              </a:lnSpc>
+              <a:buFontTx/>
+              <a:buNone/>
+            </a:pPr>
+            <a:r>
+              <a:rPr lang="en-US" dirty="0"/>
+              <a:t>1. </a:t>
+            </a:r>
+            <a:r>
+              <a:rPr lang="en-US" b="1" dirty="0"/>
+              <a:t>No mutation:</a:t>
+            </a:r>
+            <a:r>
+              <a:rPr lang="en-US" dirty="0"/>
+              <a:t> A new kind of environment extension: </a:t>
+            </a:r>
+            <a:br>
+              <a:rPr lang="en-US" dirty="0"/>
+            </a:br>
+            <a:r>
+              <a:rPr lang="en-US" b="1" dirty="0">
+                <a:solidFill>
+                  <a:srgbClr val="0033CC"/>
+                </a:solidFill>
+                <a:latin typeface="Courier New" pitchFamily="49" charset="0"/>
+              </a:rPr>
+              <a:t>recursively-extended-</a:t>
+            </a:r>
+            <a:r>
+              <a:rPr lang="en-US" b="1" dirty="0" err="1">
+                <a:solidFill>
+                  <a:srgbClr val="0033CC"/>
+                </a:solidFill>
+                <a:latin typeface="Courier New" pitchFamily="49" charset="0"/>
+              </a:rPr>
+              <a:t>env</a:t>
+            </a:r>
+            <a:r>
+              <a:rPr lang="en-US" b="1" dirty="0">
+                <a:solidFill>
+                  <a:srgbClr val="0033CC"/>
+                </a:solidFill>
+                <a:latin typeface="Courier New" pitchFamily="49" charset="0"/>
+              </a:rPr>
+              <a:t>-record</a:t>
+            </a:r>
+            <a:br>
+              <a:rPr lang="en-US" b="1" dirty="0">
+                <a:solidFill>
+                  <a:srgbClr val="0033CC"/>
+                </a:solidFill>
+                <a:latin typeface="Courier New" pitchFamily="49" charset="0"/>
+              </a:rPr>
+            </a:br>
+            <a:endParaRPr lang="en-US" sz="1400" b="1" dirty="0">
+              <a:solidFill>
+                <a:srgbClr val="0033CC"/>
+              </a:solidFill>
+              <a:latin typeface="Courier New" pitchFamily="49" charset="0"/>
+            </a:endParaRPr>
+          </a:p>
+          <a:p>
+            <a:pPr>
+              <a:lnSpc>
+                <a:spcPct val="90000"/>
+              </a:lnSpc>
+              <a:buFontTx/>
+              <a:buNone/>
+            </a:pPr>
+            <a:r>
+              <a:rPr lang="en-US" dirty="0"/>
+              <a:t>2. </a:t>
+            </a:r>
+            <a:r>
+              <a:rPr lang="en-US" b="1" dirty="0"/>
+              <a:t>Mutation:</a:t>
+            </a:r>
+            <a:r>
+              <a:rPr lang="en-US" dirty="0"/>
+              <a:t>  A normal extended environment, then use </a:t>
+            </a:r>
+            <a:r>
+              <a:rPr lang="en-US" dirty="0">
+                <a:latin typeface="Courier New" panose="02070309020205020404" pitchFamily="49" charset="0"/>
+                <a:cs typeface="Courier New" panose="02070309020205020404" pitchFamily="49" charset="0"/>
+              </a:rPr>
+              <a:t>set-car!</a:t>
+            </a:r>
+            <a:r>
+              <a:rPr lang="en-US" dirty="0"/>
+              <a:t> or </a:t>
+            </a:r>
+            <a:r>
+              <a:rPr lang="en-US" dirty="0">
+                <a:latin typeface="Courier New" panose="02070309020205020404" pitchFamily="49" charset="0"/>
+                <a:cs typeface="Courier New" panose="02070309020205020404" pitchFamily="49" charset="0"/>
+              </a:rPr>
+              <a:t>vector-set! </a:t>
+            </a:r>
+            <a:r>
+              <a:rPr lang="en-US" dirty="0"/>
+              <a:t>to implement the circularity.</a:t>
+            </a:r>
+          </a:p>
+        </p:txBody>
+      </p:sp>
+    </p:spTree>
+    <p:extLst>
+      <p:ext uri="{BB962C8B-B14F-4D97-AF65-F5344CB8AC3E}">
+        <p14:creationId xmlns:p14="http://schemas.microsoft.com/office/powerpoint/2010/main" val="917560347"/>
+      </p:ext>
+    </p:extLst>
+  </p:cSld>
+  <p:clrMapOvr>
+    <a:masterClrMapping/>
+  </p:clrMapOvr>
+  <p:timing>
+    <p:tnLst>
+      <p:par>
+        <p:cTn id="1" dur="indefinite" restart="never" nodeType="tmRoot">
+          <p:childTnLst>
+            <p:seq concurrent="1" nextAc="seek">
+              <p:cTn id="2" dur="indefinite" nodeType="mainSeq">
+                <p:childTnLst>
+                  <p:par>
+                    <p:cTn id="3" fill="hold">
+                      <p:stCondLst>
+                        <p:cond delay="indefinite"/>
+                      </p:stCondLst>
+                      <p:childTnLst>
+                        <p:par>
+                          <p:cTn id="4" fill="hold">
+                            <p:stCondLst>
+                              <p:cond delay="0"/>
+                            </p:stCondLst>
+                            <p:childTnLst>
+                              <p:par>
+                                <p:cTn id="5" presetID="1" presetClass="entr" presetSubtype="0" fill="hold" grpId="0" nodeType="clickEffect">
+                                  <p:stCondLst>
+                                    <p:cond delay="0"/>
+                                  </p:stCondLst>
+                                  <p:childTnLst>
+                                    <p:set>
+                                      <p:cBhvr>
+                                        <p:cTn id="6" dur="1" fill="hold">
+                                          <p:stCondLst>
+                                            <p:cond delay="0"/>
+                                          </p:stCondLst>
+                                        </p:cTn>
+                                        <p:tgtEl>
+                                          <p:spTgt spid="64515">
+                                            <p:txEl>
+                                              <p:pRg st="0" end="0"/>
+                                            </p:txEl>
+                                          </p:spTgt>
+                                        </p:tgtEl>
+                                        <p:attrNameLst>
+                                          <p:attrName>style.visibility</p:attrName>
+                                        </p:attrNameLst>
+                                      </p:cBhvr>
+                                      <p:to>
+                                        <p:strVal val="visible"/>
+                                      </p:to>
+                                    </p:set>
+                                  </p:childTnLst>
+                                </p:cTn>
+                              </p:par>
+                            </p:childTnLst>
+                          </p:cTn>
+                        </p:par>
+                      </p:childTnLst>
+                    </p:cTn>
+                  </p:par>
+                  <p:par>
+                    <p:cTn id="7" fill="hold">
+                      <p:stCondLst>
+                        <p:cond delay="indefinite"/>
+                      </p:stCondLst>
+                      <p:childTnLst>
+                        <p:par>
+                          <p:cTn id="8" fill="hold">
+                            <p:stCondLst>
+                              <p:cond delay="0"/>
+                            </p:stCondLst>
+                            <p:childTnLst>
+                              <p:par>
+                                <p:cTn id="9" presetID="1" presetClass="entr" presetSubtype="0" fill="hold" grpId="0" nodeType="clickEffect">
+                                  <p:stCondLst>
+                                    <p:cond delay="0"/>
+                                  </p:stCondLst>
+                                  <p:childTnLst>
+                                    <p:set>
+                                      <p:cBhvr>
+                                        <p:cTn id="10" dur="1" fill="hold">
+                                          <p:stCondLst>
+                                            <p:cond delay="0"/>
+                                          </p:stCondLst>
+                                        </p:cTn>
+                                        <p:tgtEl>
+                                          <p:spTgt spid="64515">
+                                            <p:txEl>
+                                              <p:pRg st="2" end="2"/>
+                                            </p:txEl>
+                                          </p:spTgt>
+                                        </p:tgtEl>
+                                        <p:attrNameLst>
+                                          <p:attrName>style.visibility</p:attrName>
+                                        </p:attrNameLst>
+                                      </p:cBhvr>
+                                      <p:to>
+                                        <p:strVal val="visible"/>
+                                      </p:to>
+                                    </p:set>
+                                  </p:childTnLst>
+                                </p:cTn>
+                              </p:par>
+                            </p:childTnLst>
+                          </p:cTn>
+                        </p:par>
+                      </p:childTnLst>
+                    </p:cTn>
+                  </p:par>
+                  <p:par>
+                    <p:cTn id="11" fill="hold">
+                      <p:stCondLst>
+                        <p:cond delay="indefinite"/>
+                      </p:stCondLst>
+                      <p:childTnLst>
+                        <p:par>
+                          <p:cTn id="12" fill="hold">
+                            <p:stCondLst>
+                              <p:cond delay="0"/>
+                            </p:stCondLst>
+                            <p:childTnLst>
+                              <p:par>
+                                <p:cTn id="13" presetID="1" presetClass="entr" presetSubtype="0" fill="hold" grpId="0" nodeType="clickEffect">
+                                  <p:stCondLst>
+                                    <p:cond delay="0"/>
+                                  </p:stCondLst>
+                                  <p:childTnLst>
+                                    <p:set>
+                                      <p:cBhvr>
+                                        <p:cTn id="14" dur="1" fill="hold">
+                                          <p:stCondLst>
+                                            <p:cond delay="0"/>
+                                          </p:stCondLst>
+                                        </p:cTn>
+                                        <p:tgtEl>
+                                          <p:spTgt spid="64515">
+                                            <p:txEl>
+                                              <p:pRg st="3" end="3"/>
+                                            </p:txEl>
+                                          </p:spTgt>
+                                        </p:tgtEl>
+                                        <p:attrNameLst>
+                                          <p:attrName>style.visibility</p:attrName>
+                                        </p:attrNameLst>
+                                      </p:cBhvr>
+                                      <p:to>
+                                        <p:strVal val="visible"/>
+                                      </p:to>
+                                    </p:set>
+                                  </p:childTnLst>
+                                </p:cTn>
+                              </p:par>
+                            </p:childTnLst>
+                          </p:cTn>
+                        </p:par>
+                      </p:childTnLst>
+                    </p:cTn>
+                  </p:par>
+                </p:childTnLst>
+              </p:cTn>
+              <p:prevCondLst>
+                <p:cond evt="onPrev" delay="0">
+                  <p:tgtEl>
+                    <p:sldTgt/>
+                  </p:tgtEl>
+                </p:cond>
+              </p:prevCondLst>
+              <p:nextCondLst>
+                <p:cond evt="onNext" delay="0">
+                  <p:tgtEl>
+                    <p:sldTgt/>
+                  </p:tgtEl>
+                </p:cond>
+              </p:nextCondLst>
+            </p:seq>
+          </p:childTnLst>
+        </p:cTn>
+      </p:par>
+    </p:tnLst>
+    <p:bldLst>
+      <p:bldP spid="64515" grpId="0" build="p"/>
     </p:bldLst>
   </p:timing>
 </p:sld>
